--- a/文档/美食天下设计.pptx
+++ b/文档/美食天下设计.pptx
@@ -5,28 +5,28 @@
     <p:sldMasterId id="2147483648" r:id="rId1"/>
   </p:sldMasterIdLst>
   <p:notesMasterIdLst>
-    <p:notesMasterId r:id="rId5"/>
+    <p:notesMasterId r:id="rId21"/>
   </p:notesMasterIdLst>
   <p:sldIdLst>
-    <p:sldId id="256" r:id="rId3"/>
-    <p:sldId id="273" r:id="rId4"/>
-    <p:sldId id="258" r:id="rId6"/>
-    <p:sldId id="285" r:id="rId7"/>
-    <p:sldId id="286" r:id="rId8"/>
-    <p:sldId id="272" r:id="rId9"/>
-    <p:sldId id="287" r:id="rId10"/>
-    <p:sldId id="288" r:id="rId11"/>
-    <p:sldId id="289" r:id="rId12"/>
-    <p:sldId id="299" r:id="rId13"/>
-    <p:sldId id="301" r:id="rId14"/>
-    <p:sldId id="262" r:id="rId15"/>
-    <p:sldId id="264" r:id="rId16"/>
-    <p:sldId id="265" r:id="rId17"/>
-    <p:sldId id="266" r:id="rId18"/>
-    <p:sldId id="267" r:id="rId19"/>
-    <p:sldId id="268" r:id="rId20"/>
-    <p:sldId id="269" r:id="rId21"/>
-    <p:sldId id="274" r:id="rId22"/>
+    <p:sldId id="256" r:id="rId2"/>
+    <p:sldId id="273" r:id="rId3"/>
+    <p:sldId id="258" r:id="rId4"/>
+    <p:sldId id="285" r:id="rId5"/>
+    <p:sldId id="286" r:id="rId6"/>
+    <p:sldId id="272" r:id="rId7"/>
+    <p:sldId id="287" r:id="rId8"/>
+    <p:sldId id="288" r:id="rId9"/>
+    <p:sldId id="289" r:id="rId10"/>
+    <p:sldId id="299" r:id="rId11"/>
+    <p:sldId id="301" r:id="rId12"/>
+    <p:sldId id="262" r:id="rId13"/>
+    <p:sldId id="264" r:id="rId14"/>
+    <p:sldId id="265" r:id="rId15"/>
+    <p:sldId id="266" r:id="rId16"/>
+    <p:sldId id="267" r:id="rId17"/>
+    <p:sldId id="268" r:id="rId18"/>
+    <p:sldId id="269" r:id="rId19"/>
+    <p:sldId id="274" r:id="rId20"/>
   </p:sldIdLst>
   <p:sldSz cx="12192000" cy="6858000"/>
   <p:notesSz cx="6858000" cy="9144000"/>
@@ -125,6 +125,11 @@
       </a:defRPr>
     </a:lvl9pPr>
   </p:defaultTextStyle>
+  <p:extLst>
+    <p:ext uri="{EFAFB233-063F-42B5-8137-9DF3F51BA10A}">
+      <p15:sldGuideLst xmlns:p15="http://schemas.microsoft.com/office/powerpoint/2012/main"/>
+    </p:ext>
+  </p:extLst>
 </p:presentation>
 </file>
 
@@ -210,6 +215,7 @@
           <a:p>
             <a:fld id="{D2A48B96-639E-45A3-A0BA-2464DFDB1FAA}" type="datetimeFigureOut">
               <a:rPr lang="zh-CN" altLang="en-US" smtClean="0"/>
+              <a:t>2016/4/20</a:t>
             </a:fld>
             <a:endParaRPr lang="zh-CN" altLang="en-US"/>
           </a:p>
@@ -276,7 +282,6 @@
               <a:rPr lang="zh-CN" altLang="en-US" smtClean="0"/>
               <a:t>单击此处编辑母版文本样式</a:t>
             </a:r>
-            <a:endParaRPr lang="zh-CN" altLang="en-US" smtClean="0"/>
           </a:p>
           <a:p>
             <a:pPr lvl="1"/>
@@ -284,7 +289,6 @@
               <a:rPr lang="zh-CN" altLang="en-US" smtClean="0"/>
               <a:t>第二级</a:t>
             </a:r>
-            <a:endParaRPr lang="zh-CN" altLang="en-US" smtClean="0"/>
           </a:p>
           <a:p>
             <a:pPr lvl="2"/>
@@ -292,7 +296,6 @@
               <a:rPr lang="zh-CN" altLang="en-US" smtClean="0"/>
               <a:t>第三级</a:t>
             </a:r>
-            <a:endParaRPr lang="zh-CN" altLang="en-US" smtClean="0"/>
           </a:p>
           <a:p>
             <a:pPr lvl="3"/>
@@ -300,7 +303,6 @@
               <a:rPr lang="zh-CN" altLang="en-US" smtClean="0"/>
               <a:t>第四级</a:t>
             </a:r>
-            <a:endParaRPr lang="zh-CN" altLang="en-US" smtClean="0"/>
           </a:p>
           <a:p>
             <a:pPr lvl="4"/>
@@ -372,12 +374,18 @@
           <a:p>
             <a:fld id="{A6837353-30EB-4A48-80EB-173D804AEFBD}" type="slidenum">
               <a:rPr lang="zh-CN" altLang="en-US" smtClean="0"/>
+              <a:t>‹#›</a:t>
             </a:fld>
             <a:endParaRPr lang="zh-CN" altLang="en-US"/>
           </a:p>
         </p:txBody>
       </p:sp>
     </p:spTree>
+    <p:extLst>
+      <p:ext uri="{BB962C8B-B14F-4D97-AF65-F5344CB8AC3E}">
+        <p14:creationId xmlns:p14="http://schemas.microsoft.com/office/powerpoint/2010/main" val="272064080"/>
+      </p:ext>
+    </p:extLst>
   </p:cSld>
   <p:clrMap bg1="lt1" tx1="dk1" bg2="lt2" tx2="dk2" accent1="accent1" accent2="accent2" accent3="accent3" accent4="accent4" accent5="accent5" accent6="accent6" hlink="hlink" folHlink="folHlink"/>
   <p:notesStyle>
@@ -540,12 +548,18 @@
           <a:p>
             <a:fld id="{ECF1402D-5B37-439D-9930-BC5E5BB579A0}" type="slidenum">
               <a:rPr lang="zh-CN" altLang="en-US" smtClean="0"/>
+              <a:t>2</a:t>
             </a:fld>
             <a:endParaRPr lang="zh-CN" altLang="en-US"/>
           </a:p>
         </p:txBody>
       </p:sp>
     </p:spTree>
+    <p:extLst>
+      <p:ext uri="{BB962C8B-B14F-4D97-AF65-F5344CB8AC3E}">
+        <p14:creationId xmlns:p14="http://schemas.microsoft.com/office/powerpoint/2010/main" val="1559640376"/>
+      </p:ext>
+    </p:extLst>
   </p:cSld>
   <p:clrMapOvr>
     <a:masterClrMapping/>
@@ -618,12 +632,18 @@
           <a:p>
             <a:fld id="{ECF1402D-5B37-439D-9930-BC5E5BB579A0}" type="slidenum">
               <a:rPr lang="zh-CN" altLang="en-US" smtClean="0"/>
+              <a:t>11</a:t>
             </a:fld>
             <a:endParaRPr lang="zh-CN" altLang="en-US"/>
           </a:p>
         </p:txBody>
       </p:sp>
     </p:spTree>
+    <p:extLst>
+      <p:ext uri="{BB962C8B-B14F-4D97-AF65-F5344CB8AC3E}">
+        <p14:creationId xmlns:p14="http://schemas.microsoft.com/office/powerpoint/2010/main" val="3872966347"/>
+      </p:ext>
+    </p:extLst>
   </p:cSld>
   <p:clrMapOvr>
     <a:masterClrMapping/>
@@ -696,12 +716,18 @@
           <a:p>
             <a:fld id="{ECF1402D-5B37-439D-9930-BC5E5BB579A0}" type="slidenum">
               <a:rPr lang="zh-CN" altLang="en-US" smtClean="0"/>
+              <a:t>12</a:t>
             </a:fld>
             <a:endParaRPr lang="zh-CN" altLang="en-US"/>
           </a:p>
         </p:txBody>
       </p:sp>
     </p:spTree>
+    <p:extLst>
+      <p:ext uri="{BB962C8B-B14F-4D97-AF65-F5344CB8AC3E}">
+        <p14:creationId xmlns:p14="http://schemas.microsoft.com/office/powerpoint/2010/main" val="3261101989"/>
+      </p:ext>
+    </p:extLst>
   </p:cSld>
   <p:clrMapOvr>
     <a:masterClrMapping/>
@@ -774,12 +800,18 @@
           <a:p>
             <a:fld id="{DC0F24FF-5984-448E-9098-3081D4E4C118}" type="slidenum">
               <a:rPr lang="zh-CN" altLang="en-US" smtClean="0"/>
+              <a:t>19</a:t>
             </a:fld>
             <a:endParaRPr lang="en-US"/>
           </a:p>
         </p:txBody>
       </p:sp>
     </p:spTree>
+    <p:extLst>
+      <p:ext uri="{BB962C8B-B14F-4D97-AF65-F5344CB8AC3E}">
+        <p14:creationId xmlns:p14="http://schemas.microsoft.com/office/powerpoint/2010/main" val="3518590269"/>
+      </p:ext>
+    </p:extLst>
   </p:cSld>
   <p:clrMapOvr>
     <a:masterClrMapping/>
@@ -852,12 +884,18 @@
           <a:p>
             <a:fld id="{ECF1402D-5B37-439D-9930-BC5E5BB579A0}" type="slidenum">
               <a:rPr lang="zh-CN" altLang="en-US" smtClean="0"/>
+              <a:t>3</a:t>
             </a:fld>
             <a:endParaRPr lang="zh-CN" altLang="en-US"/>
           </a:p>
         </p:txBody>
       </p:sp>
     </p:spTree>
+    <p:extLst>
+      <p:ext uri="{BB962C8B-B14F-4D97-AF65-F5344CB8AC3E}">
+        <p14:creationId xmlns:p14="http://schemas.microsoft.com/office/powerpoint/2010/main" val="625777938"/>
+      </p:ext>
+    </p:extLst>
   </p:cSld>
   <p:clrMapOvr>
     <a:masterClrMapping/>
@@ -930,12 +968,18 @@
           <a:p>
             <a:fld id="{DE6D2F15-9A9C-4B17-8C3C-80FDD5CDCC8B}" type="slidenum">
               <a:rPr lang="zh-CN" altLang="en-US" smtClean="0"/>
+              <a:t>4</a:t>
             </a:fld>
             <a:endParaRPr lang="zh-CN" altLang="en-US"/>
           </a:p>
         </p:txBody>
       </p:sp>
     </p:spTree>
+    <p:extLst>
+      <p:ext uri="{BB962C8B-B14F-4D97-AF65-F5344CB8AC3E}">
+        <p14:creationId xmlns:p14="http://schemas.microsoft.com/office/powerpoint/2010/main" val="2855400920"/>
+      </p:ext>
+    </p:extLst>
   </p:cSld>
   <p:clrMapOvr>
     <a:masterClrMapping/>
@@ -1008,12 +1052,18 @@
           <a:p>
             <a:fld id="{ECF1402D-5B37-439D-9930-BC5E5BB579A0}" type="slidenum">
               <a:rPr lang="zh-CN" altLang="en-US" smtClean="0"/>
+              <a:t>5</a:t>
             </a:fld>
             <a:endParaRPr lang="zh-CN" altLang="en-US"/>
           </a:p>
         </p:txBody>
       </p:sp>
     </p:spTree>
+    <p:extLst>
+      <p:ext uri="{BB962C8B-B14F-4D97-AF65-F5344CB8AC3E}">
+        <p14:creationId xmlns:p14="http://schemas.microsoft.com/office/powerpoint/2010/main" val="2338905721"/>
+      </p:ext>
+    </p:extLst>
   </p:cSld>
   <p:clrMapOvr>
     <a:masterClrMapping/>
@@ -1086,12 +1136,18 @@
           <a:p>
             <a:fld id="{ECF1402D-5B37-439D-9930-BC5E5BB579A0}" type="slidenum">
               <a:rPr lang="zh-CN" altLang="en-US" smtClean="0"/>
+              <a:t>6</a:t>
             </a:fld>
             <a:endParaRPr lang="zh-CN" altLang="en-US"/>
           </a:p>
         </p:txBody>
       </p:sp>
     </p:spTree>
+    <p:extLst>
+      <p:ext uri="{BB962C8B-B14F-4D97-AF65-F5344CB8AC3E}">
+        <p14:creationId xmlns:p14="http://schemas.microsoft.com/office/powerpoint/2010/main" val="3633493794"/>
+      </p:ext>
+    </p:extLst>
   </p:cSld>
   <p:clrMapOvr>
     <a:masterClrMapping/>
@@ -1164,12 +1220,18 @@
           <a:p>
             <a:fld id="{ECF1402D-5B37-439D-9930-BC5E5BB579A0}" type="slidenum">
               <a:rPr lang="zh-CN" altLang="en-US" smtClean="0"/>
+              <a:t>7</a:t>
             </a:fld>
             <a:endParaRPr lang="zh-CN" altLang="en-US"/>
           </a:p>
         </p:txBody>
       </p:sp>
     </p:spTree>
+    <p:extLst>
+      <p:ext uri="{BB962C8B-B14F-4D97-AF65-F5344CB8AC3E}">
+        <p14:creationId xmlns:p14="http://schemas.microsoft.com/office/powerpoint/2010/main" val="1626715538"/>
+      </p:ext>
+    </p:extLst>
   </p:cSld>
   <p:clrMapOvr>
     <a:masterClrMapping/>
@@ -1242,12 +1304,18 @@
           <a:p>
             <a:fld id="{ECF1402D-5B37-439D-9930-BC5E5BB579A0}" type="slidenum">
               <a:rPr lang="zh-CN" altLang="en-US" smtClean="0"/>
+              <a:t>8</a:t>
             </a:fld>
             <a:endParaRPr lang="zh-CN" altLang="en-US"/>
           </a:p>
         </p:txBody>
       </p:sp>
     </p:spTree>
+    <p:extLst>
+      <p:ext uri="{BB962C8B-B14F-4D97-AF65-F5344CB8AC3E}">
+        <p14:creationId xmlns:p14="http://schemas.microsoft.com/office/powerpoint/2010/main" val="2310936541"/>
+      </p:ext>
+    </p:extLst>
   </p:cSld>
   <p:clrMapOvr>
     <a:masterClrMapping/>
@@ -1320,12 +1388,18 @@
           <a:p>
             <a:fld id="{ECF1402D-5B37-439D-9930-BC5E5BB579A0}" type="slidenum">
               <a:rPr lang="zh-CN" altLang="en-US" smtClean="0"/>
+              <a:t>9</a:t>
             </a:fld>
             <a:endParaRPr lang="zh-CN" altLang="en-US"/>
           </a:p>
         </p:txBody>
       </p:sp>
     </p:spTree>
+    <p:extLst>
+      <p:ext uri="{BB962C8B-B14F-4D97-AF65-F5344CB8AC3E}">
+        <p14:creationId xmlns:p14="http://schemas.microsoft.com/office/powerpoint/2010/main" val="3916449371"/>
+      </p:ext>
+    </p:extLst>
   </p:cSld>
   <p:clrMapOvr>
     <a:masterClrMapping/>
@@ -1398,12 +1472,18 @@
           <a:p>
             <a:fld id="{ECF1402D-5B37-439D-9930-BC5E5BB579A0}" type="slidenum">
               <a:rPr lang="zh-CN" altLang="en-US" smtClean="0"/>
+              <a:t>10</a:t>
             </a:fld>
             <a:endParaRPr lang="zh-CN" altLang="en-US"/>
           </a:p>
         </p:txBody>
       </p:sp>
     </p:spTree>
+    <p:extLst>
+      <p:ext uri="{BB962C8B-B14F-4D97-AF65-F5344CB8AC3E}">
+        <p14:creationId xmlns:p14="http://schemas.microsoft.com/office/powerpoint/2010/main" val="2682958085"/>
+      </p:ext>
+    </p:extLst>
   </p:cSld>
   <p:clrMapOvr>
     <a:masterClrMapping/>
@@ -1520,9 +1600,6 @@
               </a:rPr>
               <a:t>单击此处编辑母版副标题样式</a:t>
             </a:r>
-            <a:endParaRPr lang="zh-CN" noProof="0" smtClean="0">
-              <a:sym typeface="Arial" pitchFamily="34" charset="0"/>
-            </a:endParaRPr>
           </a:p>
         </p:txBody>
       </p:sp>
@@ -1543,6 +1620,7 @@
           <a:p>
             <a:fld id="{8821093A-0132-4EA6-B8B7-7996DCAE376E}" type="datetimeFigureOut">
               <a:rPr lang="zh-CN" altLang="en-US" smtClean="0"/>
+              <a:t>2016/4/20</a:t>
             </a:fld>
             <a:endParaRPr lang="zh-CN" altLang="en-US"/>
           </a:p>
@@ -1584,6 +1662,7 @@
           <a:p>
             <a:fld id="{654691D5-4D8D-4982-A5C4-226E8C99C721}" type="slidenum">
               <a:rPr lang="zh-CN" altLang="en-US" smtClean="0"/>
+              <a:t>‹#›</a:t>
             </a:fld>
             <a:endParaRPr lang="zh-CN" altLang="en-US"/>
           </a:p>
@@ -1631,6 +1710,7 @@
           <a:p>
             <a:fld id="{8821093A-0132-4EA6-B8B7-7996DCAE376E}" type="datetimeFigureOut">
               <a:rPr lang="zh-CN" altLang="en-US" smtClean="0"/>
+              <a:t>2016/4/20</a:t>
             </a:fld>
             <a:endParaRPr lang="zh-CN" altLang="en-US"/>
           </a:p>
@@ -1672,6 +1752,7 @@
           <a:p>
             <a:fld id="{654691D5-4D8D-4982-A5C4-226E8C99C721}" type="slidenum">
               <a:rPr lang="zh-CN" altLang="en-US" smtClean="0"/>
+              <a:t>‹#›</a:t>
             </a:fld>
             <a:endParaRPr lang="zh-CN" altLang="en-US"/>
           </a:p>
@@ -1702,7 +1783,6 @@
               <a:rPr lang="zh-CN" altLang="en-US" dirty="0" smtClean="0"/>
               <a:t>单击此处编辑母版文本样式</a:t>
             </a:r>
-            <a:endParaRPr lang="zh-CN" altLang="en-US" dirty="0" smtClean="0"/>
           </a:p>
           <a:p>
             <a:pPr lvl="1"/>
@@ -1710,7 +1790,6 @@
               <a:rPr lang="zh-CN" altLang="en-US" dirty="0" smtClean="0"/>
               <a:t>第二级</a:t>
             </a:r>
-            <a:endParaRPr lang="zh-CN" altLang="en-US" dirty="0" smtClean="0"/>
           </a:p>
           <a:p>
             <a:pPr lvl="2"/>
@@ -1718,7 +1797,6 @@
               <a:rPr lang="zh-CN" altLang="en-US" dirty="0" smtClean="0"/>
               <a:t>第三级</a:t>
             </a:r>
-            <a:endParaRPr lang="zh-CN" altLang="en-US" dirty="0" smtClean="0"/>
           </a:p>
           <a:p>
             <a:pPr lvl="3"/>
@@ -1726,7 +1804,6 @@
               <a:rPr lang="zh-CN" altLang="en-US" dirty="0" smtClean="0"/>
               <a:t>第四级</a:t>
             </a:r>
-            <a:endParaRPr lang="zh-CN" altLang="en-US" dirty="0" smtClean="0"/>
           </a:p>
           <a:p>
             <a:pPr lvl="4"/>
@@ -1869,9 +1946,6 @@
               </a:rPr>
               <a:t>单击此处编辑母版文本样式</a:t>
             </a:r>
-            <a:endParaRPr lang="zh-CN" altLang="zh-CN" dirty="0" smtClean="0">
-              <a:sym typeface="Arial" pitchFamily="34" charset="0"/>
-            </a:endParaRPr>
           </a:p>
           <a:p>
             <a:pPr lvl="1"/>
@@ -1881,9 +1955,6 @@
               </a:rPr>
               <a:t>第二级</a:t>
             </a:r>
-            <a:endParaRPr lang="zh-CN" altLang="zh-CN" dirty="0" smtClean="0">
-              <a:sym typeface="Arial" pitchFamily="34" charset="0"/>
-            </a:endParaRPr>
           </a:p>
           <a:p>
             <a:pPr lvl="2"/>
@@ -1893,9 +1964,6 @@
               </a:rPr>
               <a:t>第三级</a:t>
             </a:r>
-            <a:endParaRPr lang="zh-CN" altLang="zh-CN" dirty="0" smtClean="0">
-              <a:sym typeface="Arial" pitchFamily="34" charset="0"/>
-            </a:endParaRPr>
           </a:p>
           <a:p>
             <a:pPr lvl="3"/>
@@ -1905,9 +1973,6 @@
               </a:rPr>
               <a:t>第四级</a:t>
             </a:r>
-            <a:endParaRPr lang="zh-CN" altLang="zh-CN" dirty="0" smtClean="0">
-              <a:sym typeface="Arial" pitchFamily="34" charset="0"/>
-            </a:endParaRPr>
           </a:p>
           <a:p>
             <a:pPr lvl="4"/>
@@ -1917,9 +1982,6 @@
               </a:rPr>
               <a:t>第五级</a:t>
             </a:r>
-            <a:endParaRPr lang="zh-CN" altLang="zh-CN" dirty="0" smtClean="0">
-              <a:sym typeface="Arial" pitchFamily="34" charset="0"/>
-            </a:endParaRPr>
           </a:p>
         </p:txBody>
       </p:sp>
@@ -1940,6 +2002,7 @@
           <a:p>
             <a:fld id="{8821093A-0132-4EA6-B8B7-7996DCAE376E}" type="datetimeFigureOut">
               <a:rPr lang="zh-CN" altLang="en-US" smtClean="0"/>
+              <a:t>2016/4/20</a:t>
             </a:fld>
             <a:endParaRPr lang="zh-CN" altLang="en-US"/>
           </a:p>
@@ -1981,6 +2044,7 @@
           <a:p>
             <a:fld id="{654691D5-4D8D-4982-A5C4-226E8C99C721}" type="slidenum">
               <a:rPr lang="zh-CN" altLang="en-US" smtClean="0"/>
+              <a:t>‹#›</a:t>
             </a:fld>
             <a:endParaRPr lang="zh-CN" altLang="en-US"/>
           </a:p>
@@ -2081,9 +2145,6 @@
               </a:rPr>
               <a:t>单击此处编辑母版副标题样式</a:t>
             </a:r>
-            <a:endParaRPr lang="zh-CN" noProof="0" dirty="0" smtClean="0">
-              <a:sym typeface="Arial" pitchFamily="34" charset="0"/>
-            </a:endParaRPr>
           </a:p>
         </p:txBody>
       </p:sp>
@@ -2104,6 +2165,7 @@
           <a:p>
             <a:fld id="{8821093A-0132-4EA6-B8B7-7996DCAE376E}" type="datetimeFigureOut">
               <a:rPr lang="zh-CN" altLang="en-US" smtClean="0"/>
+              <a:t>2016/4/20</a:t>
             </a:fld>
             <a:endParaRPr lang="zh-CN" altLang="en-US"/>
           </a:p>
@@ -2145,6 +2207,7 @@
           <a:p>
             <a:fld id="{654691D5-4D8D-4982-A5C4-226E8C99C721}" type="slidenum">
               <a:rPr lang="zh-CN" altLang="en-US" smtClean="0"/>
+              <a:t>‹#›</a:t>
             </a:fld>
             <a:endParaRPr lang="zh-CN" altLang="en-US"/>
           </a:p>
@@ -2236,7 +2299,6 @@
               <a:rPr lang="zh-CN" altLang="en-US" dirty="0" smtClean="0"/>
               <a:t>单击此处编辑母版文本样式</a:t>
             </a:r>
-            <a:endParaRPr lang="zh-CN" altLang="en-US" dirty="0" smtClean="0"/>
           </a:p>
           <a:p>
             <a:pPr lvl="1"/>
@@ -2244,7 +2306,6 @@
               <a:rPr lang="zh-CN" altLang="en-US" dirty="0" smtClean="0"/>
               <a:t>第二级</a:t>
             </a:r>
-            <a:endParaRPr lang="zh-CN" altLang="en-US" dirty="0" smtClean="0"/>
           </a:p>
           <a:p>
             <a:pPr lvl="2"/>
@@ -2252,7 +2313,6 @@
               <a:rPr lang="zh-CN" altLang="en-US" dirty="0" smtClean="0"/>
               <a:t>第三级</a:t>
             </a:r>
-            <a:endParaRPr lang="zh-CN" altLang="en-US" dirty="0" smtClean="0"/>
           </a:p>
           <a:p>
             <a:pPr lvl="3"/>
@@ -2260,7 +2320,6 @@
               <a:rPr lang="zh-CN" altLang="en-US" dirty="0" smtClean="0"/>
               <a:t>第四级</a:t>
             </a:r>
-            <a:endParaRPr lang="zh-CN" altLang="en-US" dirty="0" smtClean="0"/>
           </a:p>
           <a:p>
             <a:pPr lvl="4"/>
@@ -2297,7 +2356,6 @@
               <a:rPr lang="zh-CN" altLang="en-US" dirty="0" smtClean="0"/>
               <a:t>单击此处编辑母版文本样式</a:t>
             </a:r>
-            <a:endParaRPr lang="zh-CN" altLang="en-US" dirty="0" smtClean="0"/>
           </a:p>
           <a:p>
             <a:pPr lvl="1"/>
@@ -2305,7 +2363,6 @@
               <a:rPr lang="zh-CN" altLang="en-US" dirty="0" smtClean="0"/>
               <a:t>第二级</a:t>
             </a:r>
-            <a:endParaRPr lang="zh-CN" altLang="en-US" dirty="0" smtClean="0"/>
           </a:p>
           <a:p>
             <a:pPr lvl="2"/>
@@ -2313,7 +2370,6 @@
               <a:rPr lang="zh-CN" altLang="en-US" dirty="0" smtClean="0"/>
               <a:t>第三级</a:t>
             </a:r>
-            <a:endParaRPr lang="zh-CN" altLang="en-US" dirty="0" smtClean="0"/>
           </a:p>
           <a:p>
             <a:pPr lvl="3"/>
@@ -2321,7 +2377,6 @@
               <a:rPr lang="zh-CN" altLang="en-US" dirty="0" smtClean="0"/>
               <a:t>第四级</a:t>
             </a:r>
-            <a:endParaRPr lang="zh-CN" altLang="en-US" dirty="0" smtClean="0"/>
           </a:p>
           <a:p>
             <a:pPr lvl="4"/>
@@ -2350,6 +2405,7 @@
           <a:p>
             <a:fld id="{8821093A-0132-4EA6-B8B7-7996DCAE376E}" type="datetimeFigureOut">
               <a:rPr lang="zh-CN" altLang="en-US" smtClean="0"/>
+              <a:t>2016/4/20</a:t>
             </a:fld>
             <a:endParaRPr lang="zh-CN" altLang="en-US"/>
           </a:p>
@@ -2391,6 +2447,7 @@
           <a:p>
             <a:fld id="{654691D5-4D8D-4982-A5C4-226E8C99C721}" type="slidenum">
               <a:rPr lang="zh-CN" altLang="en-US" smtClean="0"/>
+              <a:t>‹#›</a:t>
             </a:fld>
             <a:endParaRPr lang="zh-CN" altLang="en-US"/>
           </a:p>
@@ -2511,7 +2568,6 @@
               <a:rPr lang="zh-CN" altLang="en-US" smtClean="0"/>
               <a:t>单击此处编辑母版文本样式</a:t>
             </a:r>
-            <a:endParaRPr lang="zh-CN" altLang="en-US" smtClean="0"/>
           </a:p>
         </p:txBody>
       </p:sp>
@@ -2540,7 +2596,6 @@
               <a:rPr lang="zh-CN" altLang="en-US" smtClean="0"/>
               <a:t>单击此处编辑母版文本样式</a:t>
             </a:r>
-            <a:endParaRPr lang="zh-CN" altLang="en-US" smtClean="0"/>
           </a:p>
           <a:p>
             <a:pPr lvl="1"/>
@@ -2548,7 +2603,6 @@
               <a:rPr lang="zh-CN" altLang="en-US" smtClean="0"/>
               <a:t>第二级</a:t>
             </a:r>
-            <a:endParaRPr lang="zh-CN" altLang="en-US" smtClean="0"/>
           </a:p>
           <a:p>
             <a:pPr lvl="2"/>
@@ -2556,7 +2610,6 @@
               <a:rPr lang="zh-CN" altLang="en-US" smtClean="0"/>
               <a:t>第三级</a:t>
             </a:r>
-            <a:endParaRPr lang="zh-CN" altLang="en-US" smtClean="0"/>
           </a:p>
           <a:p>
             <a:pPr lvl="3"/>
@@ -2564,7 +2617,6 @@
               <a:rPr lang="zh-CN" altLang="en-US" smtClean="0"/>
               <a:t>第四级</a:t>
             </a:r>
-            <a:endParaRPr lang="zh-CN" altLang="en-US" smtClean="0"/>
           </a:p>
           <a:p>
             <a:pPr lvl="4"/>
@@ -2638,7 +2690,6 @@
               <a:rPr lang="zh-CN" altLang="en-US" smtClean="0"/>
               <a:t>单击此处编辑母版文本样式</a:t>
             </a:r>
-            <a:endParaRPr lang="zh-CN" altLang="en-US" smtClean="0"/>
           </a:p>
         </p:txBody>
       </p:sp>
@@ -2667,7 +2718,6 @@
               <a:rPr lang="zh-CN" altLang="en-US" smtClean="0"/>
               <a:t>单击此处编辑母版文本样式</a:t>
             </a:r>
-            <a:endParaRPr lang="zh-CN" altLang="en-US" smtClean="0"/>
           </a:p>
           <a:p>
             <a:pPr lvl="1"/>
@@ -2675,7 +2725,6 @@
               <a:rPr lang="zh-CN" altLang="en-US" smtClean="0"/>
               <a:t>第二级</a:t>
             </a:r>
-            <a:endParaRPr lang="zh-CN" altLang="en-US" smtClean="0"/>
           </a:p>
           <a:p>
             <a:pPr lvl="2"/>
@@ -2683,7 +2732,6 @@
               <a:rPr lang="zh-CN" altLang="en-US" smtClean="0"/>
               <a:t>第三级</a:t>
             </a:r>
-            <a:endParaRPr lang="zh-CN" altLang="en-US" smtClean="0"/>
           </a:p>
           <a:p>
             <a:pPr lvl="3"/>
@@ -2691,7 +2739,6 @@
               <a:rPr lang="zh-CN" altLang="en-US" smtClean="0"/>
               <a:t>第四级</a:t>
             </a:r>
-            <a:endParaRPr lang="zh-CN" altLang="en-US" smtClean="0"/>
           </a:p>
           <a:p>
             <a:pPr lvl="4"/>
@@ -2720,6 +2767,7 @@
           <a:p>
             <a:fld id="{8821093A-0132-4EA6-B8B7-7996DCAE376E}" type="datetimeFigureOut">
               <a:rPr lang="zh-CN" altLang="en-US" smtClean="0"/>
+              <a:t>2016/4/20</a:t>
             </a:fld>
             <a:endParaRPr lang="zh-CN" altLang="en-US"/>
           </a:p>
@@ -2761,6 +2809,7 @@
           <a:p>
             <a:fld id="{654691D5-4D8D-4982-A5C4-226E8C99C721}" type="slidenum">
               <a:rPr lang="zh-CN" altLang="en-US" smtClean="0"/>
+              <a:t>‹#›</a:t>
             </a:fld>
             <a:endParaRPr lang="zh-CN" altLang="en-US"/>
           </a:p>
@@ -2865,9 +2914,6 @@
               </a:rPr>
               <a:t>单击此处编辑母版副标题样式</a:t>
             </a:r>
-            <a:endParaRPr lang="zh-CN" noProof="0" smtClean="0">
-              <a:sym typeface="Arial" pitchFamily="34" charset="0"/>
-            </a:endParaRPr>
           </a:p>
         </p:txBody>
       </p:sp>
@@ -2888,6 +2934,7 @@
           <a:p>
             <a:fld id="{8821093A-0132-4EA6-B8B7-7996DCAE376E}" type="datetimeFigureOut">
               <a:rPr lang="zh-CN" altLang="en-US" smtClean="0"/>
+              <a:t>2016/4/20</a:t>
             </a:fld>
             <a:endParaRPr lang="zh-CN" altLang="en-US"/>
           </a:p>
@@ -2929,6 +2976,7 @@
           <a:p>
             <a:fld id="{654691D5-4D8D-4982-A5C4-226E8C99C721}" type="slidenum">
               <a:rPr lang="zh-CN" altLang="en-US" smtClean="0"/>
+              <a:t>‹#›</a:t>
             </a:fld>
             <a:endParaRPr lang="zh-CN" altLang="en-US"/>
           </a:p>
@@ -2940,7 +2988,7 @@
           <p:cNvGrpSpPr/>
           <p:nvPr>
             <p:custDataLst>
-              <p:tags r:id="rId2"/>
+              <p:tags r:id="rId1"/>
             </p:custDataLst>
           </p:nvPr>
         </p:nvGrpSpPr>
@@ -2960,7 +3008,7 @@
             </p:cNvSpPr>
             <p:nvPr>
               <p:custDataLst>
-                <p:tags r:id="rId3"/>
+                <p:tags r:id="rId2"/>
               </p:custDataLst>
             </p:nvPr>
           </p:nvSpPr>
@@ -3174,7 +3222,7 @@
             </p:cNvSpPr>
             <p:nvPr>
               <p:custDataLst>
-                <p:tags r:id="rId4"/>
+                <p:tags r:id="rId3"/>
               </p:custDataLst>
             </p:nvPr>
           </p:nvSpPr>
@@ -3388,7 +3436,7 @@
             </p:cNvSpPr>
             <p:nvPr>
               <p:custDataLst>
-                <p:tags r:id="rId5"/>
+                <p:tags r:id="rId4"/>
               </p:custDataLst>
             </p:nvPr>
           </p:nvSpPr>
@@ -3637,6 +3685,7 @@
           <a:p>
             <a:fld id="{8821093A-0132-4EA6-B8B7-7996DCAE376E}" type="datetimeFigureOut">
               <a:rPr lang="zh-CN" altLang="en-US" smtClean="0"/>
+              <a:t>2016/4/20</a:t>
             </a:fld>
             <a:endParaRPr lang="zh-CN" altLang="en-US"/>
           </a:p>
@@ -3678,6 +3727,7 @@
           <a:p>
             <a:fld id="{654691D5-4D8D-4982-A5C4-226E8C99C721}" type="slidenum">
               <a:rPr lang="zh-CN" altLang="en-US" smtClean="0"/>
+              <a:t>‹#›</a:t>
             </a:fld>
             <a:endParaRPr lang="zh-CN" altLang="en-US"/>
           </a:p>
@@ -3866,7 +3916,6 @@
               <a:rPr lang="zh-CN" altLang="en-US" smtClean="0"/>
               <a:t>单击此处编辑母版文本样式</a:t>
             </a:r>
-            <a:endParaRPr lang="zh-CN" altLang="en-US" smtClean="0"/>
           </a:p>
         </p:txBody>
       </p:sp>
@@ -3887,6 +3936,7 @@
           <a:p>
             <a:fld id="{8821093A-0132-4EA6-B8B7-7996DCAE376E}" type="datetimeFigureOut">
               <a:rPr lang="zh-CN" altLang="en-US" smtClean="0"/>
+              <a:t>2016/4/20</a:t>
             </a:fld>
             <a:endParaRPr lang="zh-CN" altLang="en-US"/>
           </a:p>
@@ -3928,6 +3978,7 @@
           <a:p>
             <a:fld id="{654691D5-4D8D-4982-A5C4-226E8C99C721}" type="slidenum">
               <a:rPr lang="zh-CN" altLang="en-US" smtClean="0"/>
+              <a:t>‹#›</a:t>
             </a:fld>
             <a:endParaRPr lang="zh-CN" altLang="en-US"/>
           </a:p>
@@ -4011,7 +4062,6 @@
               <a:rPr lang="zh-CN" altLang="en-US" dirty="0" smtClean="0"/>
               <a:t>单击此处编辑母版文本样式</a:t>
             </a:r>
-            <a:endParaRPr lang="zh-CN" altLang="en-US" dirty="0" smtClean="0"/>
           </a:p>
           <a:p>
             <a:pPr lvl="1"/>
@@ -4019,7 +4069,6 @@
               <a:rPr lang="zh-CN" altLang="en-US" dirty="0" smtClean="0"/>
               <a:t>第二级</a:t>
             </a:r>
-            <a:endParaRPr lang="zh-CN" altLang="en-US" dirty="0" smtClean="0"/>
           </a:p>
           <a:p>
             <a:pPr lvl="2"/>
@@ -4027,7 +4076,6 @@
               <a:rPr lang="zh-CN" altLang="en-US" dirty="0" smtClean="0"/>
               <a:t>第三级</a:t>
             </a:r>
-            <a:endParaRPr lang="zh-CN" altLang="en-US" dirty="0" smtClean="0"/>
           </a:p>
           <a:p>
             <a:pPr lvl="3"/>
@@ -4035,7 +4083,6 @@
               <a:rPr lang="zh-CN" altLang="en-US" dirty="0" smtClean="0"/>
               <a:t>第四级</a:t>
             </a:r>
-            <a:endParaRPr lang="zh-CN" altLang="en-US" dirty="0" smtClean="0"/>
           </a:p>
           <a:p>
             <a:pPr lvl="4"/>
@@ -4064,6 +4111,7 @@
           <a:p>
             <a:fld id="{8821093A-0132-4EA6-B8B7-7996DCAE376E}" type="datetimeFigureOut">
               <a:rPr lang="zh-CN" altLang="en-US" smtClean="0"/>
+              <a:t>2016/4/20</a:t>
             </a:fld>
             <a:endParaRPr lang="zh-CN" altLang="en-US"/>
           </a:p>
@@ -4105,6 +4153,7 @@
           <a:p>
             <a:fld id="{654691D5-4D8D-4982-A5C4-226E8C99C721}" type="slidenum">
               <a:rPr lang="zh-CN" altLang="en-US" smtClean="0"/>
+              <a:t>‹#›</a:t>
             </a:fld>
             <a:endParaRPr lang="zh-CN" altLang="en-US"/>
           </a:p>
@@ -4124,7 +4173,7 @@
     <p:bg bwMode="auto">
       <p:bgPr>
         <a:blipFill dpi="0" rotWithShape="0">
-          <a:blip r:embed="rId11">
+          <a:blip r:embed="rId12">
             <a:lum/>
           </a:blip>
           <a:srcRect/>
@@ -4204,9 +4253,6 @@
               </a:rPr>
               <a:t>单击此处编辑母版标题样式</a:t>
             </a:r>
-            <a:endParaRPr lang="zh-CN" smtClean="0">
-              <a:sym typeface="Arial" pitchFamily="34" charset="0"/>
-            </a:endParaRPr>
           </a:p>
         </p:txBody>
       </p:sp>
@@ -4265,9 +4311,6 @@
               </a:rPr>
               <a:t>单击此处编辑母版文本样式</a:t>
             </a:r>
-            <a:endParaRPr lang="zh-CN" dirty="0" smtClean="0">
-              <a:sym typeface="Arial" pitchFamily="34" charset="0"/>
-            </a:endParaRPr>
           </a:p>
           <a:p>
             <a:pPr lvl="1"/>
@@ -4277,9 +4320,6 @@
               </a:rPr>
               <a:t>第二级</a:t>
             </a:r>
-            <a:endParaRPr lang="zh-CN" dirty="0" smtClean="0">
-              <a:sym typeface="Arial" pitchFamily="34" charset="0"/>
-            </a:endParaRPr>
           </a:p>
           <a:p>
             <a:pPr lvl="2"/>
@@ -4289,9 +4329,6 @@
               </a:rPr>
               <a:t>第三级</a:t>
             </a:r>
-            <a:endParaRPr lang="zh-CN" dirty="0" smtClean="0">
-              <a:sym typeface="Arial" pitchFamily="34" charset="0"/>
-            </a:endParaRPr>
           </a:p>
           <a:p>
             <a:pPr lvl="3"/>
@@ -4301,9 +4338,6 @@
               </a:rPr>
               <a:t>第四级</a:t>
             </a:r>
-            <a:endParaRPr lang="zh-CN" dirty="0" smtClean="0">
-              <a:sym typeface="Arial" pitchFamily="34" charset="0"/>
-            </a:endParaRPr>
           </a:p>
           <a:p>
             <a:pPr lvl="4"/>
@@ -4313,9 +4347,6 @@
               </a:rPr>
               <a:t>第五级</a:t>
             </a:r>
-            <a:endParaRPr lang="zh-CN" dirty="0" smtClean="0">
-              <a:sym typeface="Arial" pitchFamily="34" charset="0"/>
-            </a:endParaRPr>
           </a:p>
         </p:txBody>
       </p:sp>
@@ -4356,6 +4387,7 @@
           <a:p>
             <a:fld id="{8821093A-0132-4EA6-B8B7-7996DCAE376E}" type="datetimeFigureOut">
               <a:rPr lang="zh-CN" altLang="en-US" smtClean="0"/>
+              <a:t>2016/4/20</a:t>
             </a:fld>
             <a:endParaRPr lang="zh-CN" altLang="en-US"/>
           </a:p>
@@ -4437,6 +4469,7 @@
           <a:p>
             <a:fld id="{654691D5-4D8D-4982-A5C4-226E8C99C721}" type="slidenum">
               <a:rPr lang="zh-CN" altLang="en-US" smtClean="0"/>
+              <a:t>‹#›</a:t>
             </a:fld>
             <a:endParaRPr lang="zh-CN" altLang="en-US"/>
           </a:p>
@@ -4908,7 +4941,6 @@
               <a:rPr lang="zh-CN" altLang="en-US"/>
               <a:t>美食天下</a:t>
             </a:r>
-            <a:endParaRPr lang="zh-CN" altLang="en-US"/>
           </a:p>
         </p:txBody>
       </p:sp>
@@ -4933,7 +4965,6 @@
               <a:rPr lang="zh-CN" altLang="en-US"/>
               <a:t>小组成员：彭伟，毕洪青，黎东东，杜天运，马晓芸</a:t>
             </a:r>
-            <a:endParaRPr lang="zh-CN" altLang="en-US"/>
           </a:p>
         </p:txBody>
       </p:sp>
@@ -4973,7 +5004,7 @@
           </p:cNvSpPr>
           <p:nvPr>
             <p:custDataLst>
-              <p:tags r:id="rId1"/>
+              <p:tags r:id="rId2"/>
             </p:custDataLst>
           </p:nvPr>
         </p:nvSpPr>
@@ -5006,7 +5037,7 @@
         </p:spPr>
         <p:txBody>
           <a:bodyPr wrap="square" lIns="0" tIns="0" rIns="0" bIns="0" anchor="ctr" anchorCtr="0">
-            <a:normAutofit fontScale="52500"/>
+            <a:normAutofit fontScale="60000" lnSpcReduction="10000"/>
           </a:bodyPr>
           <a:lstStyle>
             <a:lvl1pPr>
@@ -5170,20 +5201,12 @@
               </a:rPr>
               <a:t>数据持久层</a:t>
             </a:r>
-            <a:endParaRPr lang="zh-CN" altLang="en-US" sz="3600" b="1" dirty="0">
-              <a:solidFill>
-                <a:schemeClr val="tx2"/>
-              </a:solidFill>
-              <a:latin typeface="+mj-lt"/>
-              <a:ea typeface="+mj-ea"/>
-              <a:cs typeface="+mj-cs"/>
-            </a:endParaRPr>
           </a:p>
         </p:txBody>
       </p:sp>
       <p:graphicFrame>
         <p:nvGraphicFramePr>
-          <p:cNvPr id="0" name="表格 -1"/>
+          <p:cNvPr id="2" name="表格 -1"/>
           <p:cNvGraphicFramePr/>
           <p:nvPr/>
         </p:nvGraphicFramePr>
@@ -5205,6 +5228,7 @@
                 <a:tc>
                   <a:txBody>
                     <a:bodyPr/>
+                    <a:lstStyle/>
                     <a:p>
                       <a:pPr marL="0" indent="0" algn="ctr">
                         <a:buNone/>
@@ -5217,14 +5241,9 @@
                         </a:rPr>
                         <a:t>接口名</a:t>
                       </a:r>
-                      <a:endParaRPr lang="zh-CN" altLang="en-US" sz="1600" b="0" u="none">
-                        <a:latin typeface="宋体" charset="0"/>
-                        <a:ea typeface="宋体" charset="0"/>
-                        <a:cs typeface="宋体" charset="0"/>
-                      </a:endParaRPr>
                     </a:p>
                   </a:txBody>
-                  <a:tcPr marL="68580" marR="68580" marT="0" marB="127000" vert="horz" anchor="t">
+                  <a:tcPr marL="68580" marR="68580" marT="0" marB="127000">
                     <a:lnL w="12700" cap="flat" cmpd="sng">
                       <a:solidFill>
                         <a:srgbClr val="080000"/>
@@ -5269,6 +5288,7 @@
                 <a:tc>
                   <a:txBody>
                     <a:bodyPr/>
+                    <a:lstStyle/>
                     <a:p>
                       <a:pPr marL="0" indent="0" algn="ctr">
                         <a:buNone/>
@@ -5281,14 +5301,9 @@
                         </a:rPr>
                         <a:t>在程序中的命名</a:t>
                       </a:r>
-                      <a:endParaRPr lang="zh-CN" altLang="en-US" sz="1600" b="0" u="none">
-                        <a:latin typeface="宋体" charset="0"/>
-                        <a:ea typeface="宋体" charset="0"/>
-                        <a:cs typeface="宋体" charset="0"/>
-                      </a:endParaRPr>
                     </a:p>
                   </a:txBody>
-                  <a:tcPr marL="68580" marR="68580" marT="0" marB="127000" vert="horz" anchor="t">
+                  <a:tcPr marL="68580" marR="68580" marT="0" marB="127000">
                     <a:lnL w="12700" cap="flat" cmpd="sng">
                       <a:solidFill>
                         <a:srgbClr val="080000"/>
@@ -5335,6 +5350,7 @@
                 <a:tc>
                   <a:txBody>
                     <a:bodyPr/>
+                    <a:lstStyle/>
                     <a:p>
                       <a:pPr marL="0" indent="0" algn="ctr">
                         <a:buNone/>
@@ -5347,14 +5363,9 @@
                         </a:rPr>
                         <a:t>用户数据接口</a:t>
                       </a:r>
-                      <a:endParaRPr lang="zh-CN" altLang="en-US" sz="1600" b="0" u="none">
-                        <a:latin typeface="宋体" charset="0"/>
-                        <a:ea typeface="宋体" charset="0"/>
-                        <a:cs typeface="宋体" charset="0"/>
-                      </a:endParaRPr>
                     </a:p>
                   </a:txBody>
-                  <a:tcPr marL="68580" marR="68580" marT="0" marB="127000" vert="horz" anchor="t">
+                  <a:tcPr marL="68580" marR="68580" marT="0" marB="127000">
                     <a:lnL w="12700" cap="flat" cmpd="sng">
                       <a:solidFill>
                         <a:srgbClr val="080000"/>
@@ -5399,6 +5410,7 @@
                 <a:tc>
                   <a:txBody>
                     <a:bodyPr/>
+                    <a:lstStyle/>
                     <a:p>
                       <a:pPr marL="0" indent="0" algn="ctr">
                         <a:buNone/>
@@ -5435,11 +5447,6 @@
                         </a:rPr>
                         <a:t>Dao.java</a:t>
                       </a:r>
-                      <a:endParaRPr lang="en-US" altLang="zh-CN" sz="1600" b="0" u="none">
-                        <a:latin typeface="Calibri" charset="0"/>
-                        <a:ea typeface="Calibri" charset="0"/>
-                        <a:cs typeface="Calibri" charset="0"/>
-                      </a:endParaRPr>
                     </a:p>
                     <a:p>
                       <a:pPr marL="0" indent="0" algn="ctr">
@@ -5453,14 +5460,9 @@
                         </a:rPr>
                         <a:t>UserDaoImpl.java</a:t>
                       </a:r>
-                      <a:endParaRPr lang="en-US" altLang="zh-CN" sz="1600" b="0" u="none">
-                        <a:latin typeface="宋体" charset="0"/>
-                        <a:ea typeface="宋体" charset="0"/>
-                        <a:cs typeface="宋体" charset="0"/>
-                      </a:endParaRPr>
                     </a:p>
                   </a:txBody>
-                  <a:tcPr marL="68580" marR="68580" marT="0" marB="127000" vert="horz" anchor="t">
+                  <a:tcPr marL="68580" marR="68580" marT="0" marB="127000">
                     <a:lnL w="12700" cap="flat" cmpd="sng">
                       <a:solidFill>
                         <a:srgbClr val="080000"/>
@@ -5507,6 +5509,7 @@
                 <a:tc>
                   <a:txBody>
                     <a:bodyPr/>
+                    <a:lstStyle/>
                     <a:p>
                       <a:pPr marL="0" indent="0" algn="ctr">
                         <a:buNone/>
@@ -5519,14 +5522,9 @@
                         </a:rPr>
                         <a:t>关注数据接口</a:t>
                       </a:r>
-                      <a:endParaRPr lang="zh-CN" altLang="en-US" sz="1600" b="0" u="none">
-                        <a:latin typeface="宋体" charset="0"/>
-                        <a:ea typeface="宋体" charset="0"/>
-                        <a:cs typeface="宋体" charset="0"/>
-                      </a:endParaRPr>
                     </a:p>
                   </a:txBody>
-                  <a:tcPr marL="68580" marR="68580" marT="0" marB="127000" vert="horz" anchor="t">
+                  <a:tcPr marL="68580" marR="68580" marT="0" marB="127000">
                     <a:lnL w="12700" cap="flat" cmpd="sng">
                       <a:solidFill>
                         <a:srgbClr val="080000"/>
@@ -5571,6 +5569,7 @@
                 <a:tc>
                   <a:txBody>
                     <a:bodyPr/>
+                    <a:lstStyle/>
                     <a:p>
                       <a:pPr marL="0" indent="0" algn="ctr">
                         <a:buNone/>
@@ -5583,11 +5582,6 @@
                         </a:rPr>
                         <a:t>ConcernDao.java</a:t>
                       </a:r>
-                      <a:endParaRPr lang="en-US" altLang="zh-CN" sz="1600" b="0" u="none">
-                        <a:latin typeface="宋体" charset="0"/>
-                        <a:ea typeface="宋体" charset="0"/>
-                        <a:cs typeface="宋体" charset="0"/>
-                      </a:endParaRPr>
                     </a:p>
                     <a:p>
                       <a:pPr marL="0" indent="0" algn="ctr">
@@ -5609,14 +5603,9 @@
                         </a:rPr>
                         <a:t>Impl.java</a:t>
                       </a:r>
-                      <a:endParaRPr lang="en-US" altLang="zh-CN" sz="1600" b="0" u="none">
-                        <a:latin typeface="Calibri" charset="0"/>
-                        <a:ea typeface="Calibri" charset="0"/>
-                        <a:cs typeface="Calibri" charset="0"/>
-                      </a:endParaRPr>
                     </a:p>
                   </a:txBody>
-                  <a:tcPr marL="68580" marR="68580" marT="0" marB="127000" vert="horz" anchor="t">
+                  <a:tcPr marL="68580" marR="68580" marT="0" marB="127000">
                     <a:lnL w="12700" cap="flat" cmpd="sng">
                       <a:solidFill>
                         <a:srgbClr val="080000"/>
@@ -5663,6 +5652,7 @@
                 <a:tc>
                   <a:txBody>
                     <a:bodyPr/>
+                    <a:lstStyle/>
                     <a:p>
                       <a:pPr marL="0" indent="0" algn="ctr">
                         <a:buNone/>
@@ -5675,14 +5665,9 @@
                         </a:rPr>
                         <a:t>收藏数据接口</a:t>
                       </a:r>
-                      <a:endParaRPr lang="zh-CN" altLang="en-US" sz="1600" b="0" u="none">
-                        <a:latin typeface="宋体" charset="0"/>
-                        <a:ea typeface="宋体" charset="0"/>
-                        <a:cs typeface="宋体" charset="0"/>
-                      </a:endParaRPr>
                     </a:p>
                   </a:txBody>
-                  <a:tcPr marL="68580" marR="68580" marT="0" marB="127000" vert="horz" anchor="t">
+                  <a:tcPr marL="68580" marR="68580" marT="0" marB="127000">
                     <a:lnL w="12700" cap="flat" cmpd="sng">
                       <a:solidFill>
                         <a:srgbClr val="080000"/>
@@ -5727,6 +5712,7 @@
                 <a:tc>
                   <a:txBody>
                     <a:bodyPr/>
+                    <a:lstStyle/>
                     <a:p>
                       <a:pPr marL="0" indent="0" algn="ctr">
                         <a:buNone/>
@@ -5739,11 +5725,6 @@
                         </a:rPr>
                         <a:t>FavoritesDao.java</a:t>
                       </a:r>
-                      <a:endParaRPr lang="en-US" altLang="zh-CN" sz="1600" b="0" u="none">
-                        <a:latin typeface="Calibri" charset="0"/>
-                        <a:ea typeface="Calibri" charset="0"/>
-                        <a:cs typeface="Calibri" charset="0"/>
-                      </a:endParaRPr>
                     </a:p>
                     <a:p>
                       <a:pPr marL="0" indent="0" algn="ctr">
@@ -5757,14 +5738,9 @@
                         </a:rPr>
                         <a:t>FavoritesDaoImpl.java</a:t>
                       </a:r>
-                      <a:endParaRPr lang="en-US" altLang="zh-CN" sz="1600" b="0" u="none">
-                        <a:latin typeface="Calibri" charset="0"/>
-                        <a:ea typeface="Calibri" charset="0"/>
-                        <a:cs typeface="Calibri" charset="0"/>
-                      </a:endParaRPr>
                     </a:p>
                   </a:txBody>
-                  <a:tcPr marL="68580" marR="68580" marT="0" marB="127000" vert="horz" anchor="t">
+                  <a:tcPr marL="68580" marR="68580" marT="0" marB="127000">
                     <a:lnL w="12700" cap="flat" cmpd="sng">
                       <a:solidFill>
                         <a:srgbClr val="080000"/>
@@ -5811,6 +5787,7 @@
                 <a:tc>
                   <a:txBody>
                     <a:bodyPr/>
+                    <a:lstStyle/>
                     <a:p>
                       <a:pPr marL="0" indent="0" algn="ctr">
                         <a:buNone/>
@@ -5823,14 +5800,9 @@
                         </a:rPr>
                         <a:t>管理员数据接口</a:t>
                       </a:r>
-                      <a:endParaRPr lang="zh-CN" altLang="en-US" sz="1600" b="0" u="none">
-                        <a:latin typeface="宋体" charset="0"/>
-                        <a:ea typeface="宋体" charset="0"/>
-                        <a:cs typeface="宋体" charset="0"/>
-                      </a:endParaRPr>
                     </a:p>
                   </a:txBody>
-                  <a:tcPr marL="68580" marR="68580" marT="0" marB="127000" vert="horz" anchor="t">
+                  <a:tcPr marL="68580" marR="68580" marT="0" marB="127000">
                     <a:lnL w="12700" cap="flat" cmpd="sng">
                       <a:solidFill>
                         <a:srgbClr val="080000"/>
@@ -5875,6 +5847,7 @@
                 <a:tc>
                   <a:txBody>
                     <a:bodyPr/>
+                    <a:lstStyle/>
                     <a:p>
                       <a:pPr marL="0" indent="0" algn="ctr">
                         <a:buNone/>
@@ -5887,11 +5860,6 @@
                         </a:rPr>
                         <a:t>AdminDao.java</a:t>
                       </a:r>
-                      <a:endParaRPr lang="en-US" altLang="zh-CN" sz="1600" b="0" u="none">
-                        <a:latin typeface="Calibri" charset="0"/>
-                        <a:ea typeface="Calibri" charset="0"/>
-                        <a:cs typeface="Calibri" charset="0"/>
-                      </a:endParaRPr>
                     </a:p>
                     <a:p>
                       <a:pPr marL="0" indent="0" algn="ctr">
@@ -5905,14 +5873,9 @@
                         </a:rPr>
                         <a:t>AdminDaoImpl.java</a:t>
                       </a:r>
-                      <a:endParaRPr lang="en-US" altLang="zh-CN" sz="1600" b="0" u="none">
-                        <a:latin typeface="Calibri" charset="0"/>
-                        <a:ea typeface="Calibri" charset="0"/>
-                        <a:cs typeface="Calibri" charset="0"/>
-                      </a:endParaRPr>
                     </a:p>
                   </a:txBody>
-                  <a:tcPr marL="68580" marR="68580" marT="0" marB="127000" vert="horz" anchor="t">
+                  <a:tcPr marL="68580" marR="68580" marT="0" marB="127000">
                     <a:lnL w="12700" cap="flat" cmpd="sng">
                       <a:solidFill>
                         <a:srgbClr val="080000"/>
@@ -5959,6 +5922,7 @@
                 <a:tc>
                   <a:txBody>
                     <a:bodyPr/>
+                    <a:lstStyle/>
                     <a:p>
                       <a:pPr marL="0" indent="0" algn="ctr">
                         <a:buNone/>
@@ -5971,14 +5935,9 @@
                         </a:rPr>
                         <a:t>季节套餐数据接口</a:t>
                       </a:r>
-                      <a:endParaRPr lang="zh-CN" altLang="en-US" sz="1600" b="0" u="none">
-                        <a:latin typeface="宋体" charset="0"/>
-                        <a:ea typeface="宋体" charset="0"/>
-                        <a:cs typeface="宋体" charset="0"/>
-                      </a:endParaRPr>
                     </a:p>
                   </a:txBody>
-                  <a:tcPr marL="68580" marR="68580" marT="0" marB="127000" vert="horz" anchor="t">
+                  <a:tcPr marL="68580" marR="68580" marT="0" marB="127000">
                     <a:lnL w="12700" cap="flat" cmpd="sng">
                       <a:solidFill>
                         <a:srgbClr val="080000"/>
@@ -6023,6 +5982,7 @@
                 <a:tc>
                   <a:txBody>
                     <a:bodyPr/>
+                    <a:lstStyle/>
                     <a:p>
                       <a:pPr marL="0" indent="0" algn="ctr">
                         <a:buNone/>
@@ -6043,11 +6003,6 @@
                         </a:rPr>
                         <a:t>Dao.java</a:t>
                       </a:r>
-                      <a:endParaRPr lang="en-US" altLang="zh-CN" sz="1600" b="0" u="none">
-                        <a:latin typeface="Calibri" charset="0"/>
-                        <a:ea typeface="Calibri" charset="0"/>
-                        <a:cs typeface="Calibri" charset="0"/>
-                      </a:endParaRPr>
                     </a:p>
                     <a:p>
                       <a:pPr marL="0" indent="0" algn="ctr">
@@ -6061,14 +6016,9 @@
                         </a:rPr>
                         <a:t>SeasonsetDaoImpl.java</a:t>
                       </a:r>
-                      <a:endParaRPr lang="en-US" altLang="zh-CN" sz="1600" b="0" u="none">
-                        <a:latin typeface="宋体" charset="0"/>
-                        <a:ea typeface="宋体" charset="0"/>
-                        <a:cs typeface="宋体" charset="0"/>
-                      </a:endParaRPr>
                     </a:p>
                   </a:txBody>
-                  <a:tcPr marL="68580" marR="68580" marT="0" marB="127000" vert="horz" anchor="t">
+                  <a:tcPr marL="68580" marR="68580" marT="0" marB="127000">
                     <a:lnL w="12700" cap="flat" cmpd="sng">
                       <a:solidFill>
                         <a:srgbClr val="080000"/>
@@ -6115,6 +6065,7 @@
                 <a:tc>
                   <a:txBody>
                     <a:bodyPr/>
+                    <a:lstStyle/>
                     <a:p>
                       <a:pPr marL="0" indent="0" algn="ctr">
                         <a:buNone/>
@@ -6127,14 +6078,9 @@
                         </a:rPr>
                         <a:t>食谱数据接口</a:t>
                       </a:r>
-                      <a:endParaRPr lang="zh-CN" altLang="en-US" sz="1600" b="0" u="none">
-                        <a:latin typeface="宋体" charset="0"/>
-                        <a:ea typeface="宋体" charset="0"/>
-                        <a:cs typeface="宋体" charset="0"/>
-                      </a:endParaRPr>
                     </a:p>
                   </a:txBody>
-                  <a:tcPr marL="68580" marR="68580" marT="0" marB="127000" vert="horz" anchor="t">
+                  <a:tcPr marL="68580" marR="68580" marT="0" marB="127000">
                     <a:lnL w="12700" cap="flat" cmpd="sng">
                       <a:solidFill>
                         <a:srgbClr val="080000"/>
@@ -6179,6 +6125,7 @@
                 <a:tc>
                   <a:txBody>
                     <a:bodyPr/>
+                    <a:lstStyle/>
                     <a:p>
                       <a:pPr marL="0" indent="0" algn="ctr">
                         <a:buNone/>
@@ -6199,11 +6146,6 @@
                         </a:rPr>
                         <a:t>Dao.java</a:t>
                       </a:r>
-                      <a:endParaRPr lang="en-US" altLang="zh-CN" sz="1600" b="0" u="none">
-                        <a:latin typeface="Calibri" charset="0"/>
-                        <a:ea typeface="Calibri" charset="0"/>
-                        <a:cs typeface="Calibri" charset="0"/>
-                      </a:endParaRPr>
                     </a:p>
                     <a:p>
                       <a:pPr marL="0" indent="0" algn="ctr">
@@ -6217,14 +6159,9 @@
                         </a:rPr>
                         <a:t>RecipeDaoImpl.java</a:t>
                       </a:r>
-                      <a:endParaRPr lang="en-US" altLang="zh-CN" sz="1600" b="0" u="none">
-                        <a:latin typeface="宋体" charset="0"/>
-                        <a:ea typeface="宋体" charset="0"/>
-                        <a:cs typeface="宋体" charset="0"/>
-                      </a:endParaRPr>
                     </a:p>
                   </a:txBody>
-                  <a:tcPr marL="68580" marR="68580" marT="0" marB="127000" vert="horz" anchor="t">
+                  <a:tcPr marL="68580" marR="68580" marT="0" marB="127000">
                     <a:lnL w="12700" cap="flat" cmpd="sng">
                       <a:solidFill>
                         <a:srgbClr val="080000"/>
@@ -6271,6 +6208,7 @@
                 <a:tc>
                   <a:txBody>
                     <a:bodyPr/>
+                    <a:lstStyle/>
                     <a:p>
                       <a:pPr marL="0" indent="0" algn="ctr">
                         <a:buNone/>
@@ -6283,14 +6221,9 @@
                         </a:rPr>
                         <a:t>私房菜数据接口</a:t>
                       </a:r>
-                      <a:endParaRPr lang="zh-CN" altLang="en-US" sz="1600" b="0" u="none">
-                        <a:latin typeface="宋体" charset="0"/>
-                        <a:ea typeface="宋体" charset="0"/>
-                        <a:cs typeface="宋体" charset="0"/>
-                      </a:endParaRPr>
                     </a:p>
                   </a:txBody>
-                  <a:tcPr marL="68580" marR="68580" marT="0" marB="127000" vert="horz" anchor="t">
+                  <a:tcPr marL="68580" marR="68580" marT="0" marB="127000">
                     <a:lnL w="12700" cap="flat" cmpd="sng">
                       <a:solidFill>
                         <a:srgbClr val="080000"/>
@@ -6335,6 +6268,7 @@
                 <a:tc>
                   <a:txBody>
                     <a:bodyPr/>
+                    <a:lstStyle/>
                     <a:p>
                       <a:pPr marL="0" indent="0" algn="ctr">
                         <a:buNone/>
@@ -6347,11 +6281,6 @@
                         </a:rPr>
                         <a:t>HomecuisinDao.java</a:t>
                       </a:r>
-                      <a:endParaRPr lang="en-US" altLang="zh-CN" sz="1600" b="0" u="none">
-                        <a:latin typeface="Calibri" charset="0"/>
-                        <a:ea typeface="Calibri" charset="0"/>
-                        <a:cs typeface="Calibri" charset="0"/>
-                      </a:endParaRPr>
                     </a:p>
                     <a:p>
                       <a:pPr marL="0" indent="0" algn="ctr">
@@ -6365,14 +6294,9 @@
                         </a:rPr>
                         <a:t>HomecuisinDaoImpl.java</a:t>
                       </a:r>
-                      <a:endParaRPr lang="en-US" altLang="zh-CN" sz="1600" b="0" u="none">
-                        <a:latin typeface="Calibri" charset="0"/>
-                        <a:ea typeface="Calibri" charset="0"/>
-                        <a:cs typeface="Calibri" charset="0"/>
-                      </a:endParaRPr>
                     </a:p>
                   </a:txBody>
-                  <a:tcPr marL="68580" marR="68580" marT="0" marB="127000" vert="horz" anchor="t">
+                  <a:tcPr marL="68580" marR="68580" marT="0" marB="127000">
                     <a:lnL w="12700" cap="flat" cmpd="sng">
                       <a:solidFill>
                         <a:srgbClr val="080000"/>
@@ -6419,6 +6343,7 @@
                 <a:tc>
                   <a:txBody>
                     <a:bodyPr/>
+                    <a:lstStyle/>
                     <a:p>
                       <a:pPr marL="0" indent="0" algn="ctr">
                         <a:buNone/>
@@ -6431,14 +6356,9 @@
                         </a:rPr>
                         <a:t>上传数据接口</a:t>
                       </a:r>
-                      <a:endParaRPr lang="zh-CN" altLang="en-US" sz="1600" b="0" u="none">
-                        <a:latin typeface="宋体" charset="0"/>
-                        <a:ea typeface="宋体" charset="0"/>
-                        <a:cs typeface="宋体" charset="0"/>
-                      </a:endParaRPr>
                     </a:p>
                   </a:txBody>
-                  <a:tcPr marL="68580" marR="68580" marT="0" marB="127000" vert="horz" anchor="t">
+                  <a:tcPr marL="68580" marR="68580" marT="0" marB="127000">
                     <a:lnL w="12700" cap="flat" cmpd="sng">
                       <a:solidFill>
                         <a:srgbClr val="080000"/>
@@ -6483,6 +6403,7 @@
                 <a:tc>
                   <a:txBody>
                     <a:bodyPr/>
+                    <a:lstStyle/>
                     <a:p>
                       <a:pPr marL="0" indent="0" algn="ctr">
                         <a:buNone/>
@@ -6503,11 +6424,6 @@
                         </a:rPr>
                         <a:t>Dao.java</a:t>
                       </a:r>
-                      <a:endParaRPr lang="en-US" altLang="zh-CN" sz="1600" b="0" u="none">
-                        <a:latin typeface="Calibri" charset="0"/>
-                        <a:ea typeface="Calibri" charset="0"/>
-                        <a:cs typeface="Calibri" charset="0"/>
-                      </a:endParaRPr>
                     </a:p>
                     <a:p>
                       <a:pPr marL="0" indent="0" algn="ctr">
@@ -6521,14 +6437,9 @@
                         </a:rPr>
                         <a:t>UpRecordsDaoImpl.java</a:t>
                       </a:r>
-                      <a:endParaRPr lang="en-US" altLang="zh-CN" sz="1600" b="0" u="none">
-                        <a:latin typeface="宋体" charset="0"/>
-                        <a:ea typeface="宋体" charset="0"/>
-                        <a:cs typeface="宋体" charset="0"/>
-                      </a:endParaRPr>
                     </a:p>
                   </a:txBody>
-                  <a:tcPr marL="68580" marR="68580" marT="0" marB="127000" vert="horz" anchor="t">
+                  <a:tcPr marL="68580" marR="68580" marT="0" marB="127000">
                     <a:lnL w="12700" cap="flat" cmpd="sng">
                       <a:solidFill>
                         <a:srgbClr val="080000"/>
@@ -6577,7 +6488,7 @@
       </p:graphicFrame>
     </p:spTree>
     <p:custDataLst>
-      <p:tags r:id="rId2"/>
+      <p:tags r:id="rId1"/>
     </p:custDataLst>
   </p:cSld>
   <p:clrMapOvr>
@@ -6611,7 +6522,7 @@
           </p:cNvSpPr>
           <p:nvPr>
             <p:custDataLst>
-              <p:tags r:id="rId1"/>
+              <p:tags r:id="rId2"/>
             </p:custDataLst>
           </p:nvPr>
         </p:nvSpPr>
@@ -6808,20 +6719,12 @@
               </a:rPr>
               <a:t>表现层</a:t>
             </a:r>
-            <a:endParaRPr lang="zh-CN" altLang="en-US" sz="3600" b="1" dirty="0">
-              <a:solidFill>
-                <a:schemeClr val="tx2"/>
-              </a:solidFill>
-              <a:latin typeface="+mj-lt"/>
-              <a:ea typeface="+mj-ea"/>
-              <a:cs typeface="+mj-cs"/>
-            </a:endParaRPr>
           </a:p>
         </p:txBody>
       </p:sp>
       <p:graphicFrame>
         <p:nvGraphicFramePr>
-          <p:cNvPr id="0" name="表格 -1"/>
+          <p:cNvPr id="2" name="表格 -1"/>
           <p:cNvGraphicFramePr/>
           <p:nvPr/>
         </p:nvGraphicFramePr>
@@ -6843,6 +6746,7 @@
                 <a:tc>
                   <a:txBody>
                     <a:bodyPr/>
+                    <a:lstStyle/>
                     <a:p>
                       <a:pPr marL="0" indent="0" algn="ctr">
                         <a:buNone/>
@@ -6855,14 +6759,9 @@
                         </a:rPr>
                         <a:t>页面名</a:t>
                       </a:r>
-                      <a:endParaRPr lang="zh-CN" altLang="en-US" sz="1800" b="0" u="none">
-                        <a:latin typeface="宋体" charset="0"/>
-                        <a:ea typeface="宋体" charset="0"/>
-                        <a:cs typeface="宋体" charset="0"/>
-                      </a:endParaRPr>
                     </a:p>
                   </a:txBody>
-                  <a:tcPr marL="0" marR="68580" marT="0" marB="0" vert="horz" anchor="t">
+                  <a:tcPr marL="0" marR="68580" marT="0" marB="0">
                     <a:lnL w="12700" cap="flat" cmpd="sng">
                       <a:solidFill>
                         <a:srgbClr val="080000"/>
@@ -6907,6 +6806,7 @@
                 <a:tc>
                   <a:txBody>
                     <a:bodyPr/>
+                    <a:lstStyle/>
                     <a:p>
                       <a:pPr marL="0" indent="0" algn="ctr">
                         <a:buNone/>
@@ -6919,14 +6819,9 @@
                         </a:rPr>
                         <a:t>在程序中的命名</a:t>
                       </a:r>
-                      <a:endParaRPr lang="zh-CN" altLang="en-US" sz="1800" b="0" u="none">
-                        <a:latin typeface="宋体" charset="0"/>
-                        <a:ea typeface="宋体" charset="0"/>
-                        <a:cs typeface="宋体" charset="0"/>
-                      </a:endParaRPr>
                     </a:p>
                   </a:txBody>
-                  <a:tcPr marL="0" marR="68580" marT="0" marB="0" vert="horz" anchor="t">
+                  <a:tcPr marL="0" marR="68580" marT="0" marB="0">
                     <a:lnL w="12700" cap="flat" cmpd="sng">
                       <a:solidFill>
                         <a:srgbClr val="080000"/>
@@ -6973,6 +6868,7 @@
                 <a:tc>
                   <a:txBody>
                     <a:bodyPr/>
+                    <a:lstStyle/>
                     <a:p>
                       <a:pPr marL="0" indent="0" algn="ctr">
                         <a:buNone/>
@@ -6985,14 +6881,9 @@
                         </a:rPr>
                         <a:t>用户页面</a:t>
                       </a:r>
-                      <a:endParaRPr lang="zh-CN" altLang="en-US" sz="1800" b="0" u="none">
-                        <a:latin typeface="宋体" charset="0"/>
-                        <a:ea typeface="宋体" charset="0"/>
-                        <a:cs typeface="宋体" charset="0"/>
-                      </a:endParaRPr>
                     </a:p>
                   </a:txBody>
-                  <a:tcPr marL="0" marR="68580" marT="0" marB="0" vert="horz" anchor="t">
+                  <a:tcPr marL="0" marR="68580" marT="0" marB="0">
                     <a:lnL w="12700" cap="flat" cmpd="sng">
                       <a:solidFill>
                         <a:srgbClr val="080000"/>
@@ -7037,6 +6928,7 @@
                 <a:tc>
                   <a:txBody>
                     <a:bodyPr/>
+                    <a:lstStyle/>
                     <a:p>
                       <a:pPr marL="0" indent="0" algn="ctr">
                         <a:buNone/>
@@ -7049,14 +6941,9 @@
                         </a:rPr>
                         <a:t>activity_user.xml</a:t>
                       </a:r>
-                      <a:endParaRPr lang="en-US" altLang="zh-CN" sz="1800" b="0" u="none">
-                        <a:latin typeface="宋体" charset="0"/>
-                        <a:ea typeface="宋体" charset="0"/>
-                        <a:cs typeface="宋体" charset="0"/>
-                      </a:endParaRPr>
                     </a:p>
                   </a:txBody>
-                  <a:tcPr marL="0" marR="68580" marT="0" marB="0" vert="horz" anchor="t">
+                  <a:tcPr marL="0" marR="68580" marT="0" marB="0">
                     <a:lnL w="12700" cap="flat" cmpd="sng">
                       <a:solidFill>
                         <a:srgbClr val="080000"/>
@@ -7103,6 +6990,7 @@
                 <a:tc>
                   <a:txBody>
                     <a:bodyPr/>
+                    <a:lstStyle/>
                     <a:p>
                       <a:pPr marL="0" indent="0" algn="ctr">
                         <a:buNone/>
@@ -7115,14 +7003,9 @@
                         </a:rPr>
                         <a:t>首页页面</a:t>
                       </a:r>
-                      <a:endParaRPr lang="zh-CN" altLang="en-US" sz="1800" b="0" u="none">
-                        <a:latin typeface="宋体" charset="0"/>
-                        <a:ea typeface="宋体" charset="0"/>
-                        <a:cs typeface="宋体" charset="0"/>
-                      </a:endParaRPr>
                     </a:p>
                   </a:txBody>
-                  <a:tcPr marL="0" marR="68580" marT="0" marB="0" vert="horz" anchor="t">
+                  <a:tcPr marL="0" marR="68580" marT="0" marB="0">
                     <a:lnL w="12700" cap="flat" cmpd="sng">
                       <a:solidFill>
                         <a:srgbClr val="080000"/>
@@ -7167,6 +7050,7 @@
                 <a:tc>
                   <a:txBody>
                     <a:bodyPr/>
+                    <a:lstStyle/>
                     <a:p>
                       <a:pPr marL="0" indent="0" algn="ctr">
                         <a:buNone/>
@@ -7179,14 +7063,9 @@
                         </a:rPr>
                         <a:t>activity_main.xml</a:t>
                       </a:r>
-                      <a:endParaRPr lang="en-US" altLang="zh-CN" sz="1800" b="0" u="none">
-                        <a:latin typeface="宋体" charset="0"/>
-                        <a:ea typeface="宋体" charset="0"/>
-                        <a:cs typeface="宋体" charset="0"/>
-                      </a:endParaRPr>
                     </a:p>
                   </a:txBody>
-                  <a:tcPr marL="0" marR="68580" marT="0" marB="0" vert="horz" anchor="t">
+                  <a:tcPr marL="0" marR="68580" marT="0" marB="0">
                     <a:lnL w="12700" cap="flat" cmpd="sng">
                       <a:solidFill>
                         <a:srgbClr val="080000"/>
@@ -7233,6 +7112,7 @@
                 <a:tc>
                   <a:txBody>
                     <a:bodyPr/>
+                    <a:lstStyle/>
                     <a:p>
                       <a:pPr marL="0" indent="0" algn="ctr">
                         <a:buNone/>
@@ -7245,14 +7125,9 @@
                         </a:rPr>
                         <a:t>季节套餐页面</a:t>
                       </a:r>
-                      <a:endParaRPr lang="zh-CN" altLang="en-US" sz="1800" b="0" u="none">
-                        <a:latin typeface="宋体" charset="0"/>
-                        <a:ea typeface="宋体" charset="0"/>
-                        <a:cs typeface="宋体" charset="0"/>
-                      </a:endParaRPr>
                     </a:p>
                   </a:txBody>
-                  <a:tcPr marL="0" marR="68580" marT="0" marB="0" vert="horz" anchor="t">
+                  <a:tcPr marL="0" marR="68580" marT="0" marB="0">
                     <a:lnL w="12700" cap="flat" cmpd="sng">
                       <a:solidFill>
                         <a:srgbClr val="080000"/>
@@ -7297,6 +7172,7 @@
                 <a:tc>
                   <a:txBody>
                     <a:bodyPr/>
+                    <a:lstStyle/>
                     <a:p>
                       <a:pPr marL="0" indent="0" algn="ctr">
                         <a:buNone/>
@@ -7309,14 +7185,9 @@
                         </a:rPr>
                         <a:t>activity_seasonset.xml</a:t>
                       </a:r>
-                      <a:endParaRPr lang="en-US" altLang="zh-CN" sz="1800" b="0" u="none">
-                        <a:latin typeface="宋体" charset="0"/>
-                        <a:ea typeface="宋体" charset="0"/>
-                        <a:cs typeface="宋体" charset="0"/>
-                      </a:endParaRPr>
                     </a:p>
                   </a:txBody>
-                  <a:tcPr marL="0" marR="68580" marT="0" marB="0" vert="horz" anchor="t">
+                  <a:tcPr marL="0" marR="68580" marT="0" marB="0">
                     <a:lnL w="12700" cap="flat" cmpd="sng">
                       <a:solidFill>
                         <a:srgbClr val="080000"/>
@@ -7363,6 +7234,7 @@
                 <a:tc>
                   <a:txBody>
                     <a:bodyPr/>
+                    <a:lstStyle/>
                     <a:p>
                       <a:pPr marL="0" indent="0" algn="ctr">
                         <a:buNone/>
@@ -7375,14 +7247,9 @@
                         </a:rPr>
                         <a:t>美食食谱页面</a:t>
                       </a:r>
-                      <a:endParaRPr lang="zh-CN" altLang="en-US" sz="1800" b="0" u="none">
-                        <a:latin typeface="宋体" charset="0"/>
-                        <a:ea typeface="宋体" charset="0"/>
-                        <a:cs typeface="宋体" charset="0"/>
-                      </a:endParaRPr>
                     </a:p>
                   </a:txBody>
-                  <a:tcPr marL="0" marR="68580" marT="0" marB="0" vert="horz" anchor="t">
+                  <a:tcPr marL="0" marR="68580" marT="0" marB="0">
                     <a:lnL w="12700" cap="flat" cmpd="sng">
                       <a:solidFill>
                         <a:srgbClr val="080000"/>
@@ -7427,6 +7294,7 @@
                 <a:tc>
                   <a:txBody>
                     <a:bodyPr/>
+                    <a:lstStyle/>
                     <a:p>
                       <a:pPr marL="0" indent="0" algn="ctr">
                         <a:buNone/>
@@ -7439,14 +7307,9 @@
                         </a:rPr>
                         <a:t>activity_recipe.xml</a:t>
                       </a:r>
-                      <a:endParaRPr lang="en-US" altLang="zh-CN" sz="1800" b="0" u="none">
-                        <a:latin typeface="宋体" charset="0"/>
-                        <a:ea typeface="宋体" charset="0"/>
-                        <a:cs typeface="宋体" charset="0"/>
-                      </a:endParaRPr>
                     </a:p>
                   </a:txBody>
-                  <a:tcPr marL="0" marR="68580" marT="0" marB="0" vert="horz" anchor="t">
+                  <a:tcPr marL="0" marR="68580" marT="0" marB="0">
                     <a:lnL w="12700" cap="flat" cmpd="sng">
                       <a:solidFill>
                         <a:srgbClr val="080000"/>
@@ -7493,6 +7356,7 @@
                 <a:tc>
                   <a:txBody>
                     <a:bodyPr/>
+                    <a:lstStyle/>
                     <a:p>
                       <a:pPr marL="0" indent="0" algn="ctr">
                         <a:buNone/>
@@ -7505,14 +7369,9 @@
                         </a:rPr>
                         <a:t>美食圈页面</a:t>
                       </a:r>
-                      <a:endParaRPr lang="zh-CN" altLang="en-US" sz="1800" b="0" u="none">
-                        <a:latin typeface="宋体" charset="0"/>
-                        <a:ea typeface="宋体" charset="0"/>
-                        <a:cs typeface="宋体" charset="0"/>
-                      </a:endParaRPr>
                     </a:p>
                   </a:txBody>
-                  <a:tcPr marL="0" marR="68580" marT="0" marB="0" vert="horz" anchor="t">
+                  <a:tcPr marL="0" marR="68580" marT="0" marB="0">
                     <a:lnL w="12700" cap="flat" cmpd="sng">
                       <a:solidFill>
                         <a:srgbClr val="080000"/>
@@ -7557,6 +7416,7 @@
                 <a:tc>
                   <a:txBody>
                     <a:bodyPr/>
+                    <a:lstStyle/>
                     <a:p>
                       <a:pPr marL="0" indent="0" algn="ctr">
                         <a:buNone/>
@@ -7569,14 +7429,9 @@
                         </a:rPr>
                         <a:t>activity_foodcircle.xml</a:t>
                       </a:r>
-                      <a:endParaRPr lang="en-US" altLang="zh-CN" sz="1800" b="0" u="none">
-                        <a:latin typeface="宋体" charset="0"/>
-                        <a:ea typeface="宋体" charset="0"/>
-                        <a:cs typeface="宋体" charset="0"/>
-                      </a:endParaRPr>
                     </a:p>
                   </a:txBody>
-                  <a:tcPr marL="0" marR="68580" marT="0" marB="0" vert="horz" anchor="t">
+                  <a:tcPr marL="0" marR="68580" marT="0" marB="0">
                     <a:lnL w="12700" cap="flat" cmpd="sng">
                       <a:solidFill>
                         <a:srgbClr val="080000"/>
@@ -7623,6 +7478,7 @@
                 <a:tc>
                   <a:txBody>
                     <a:bodyPr/>
+                    <a:lstStyle/>
                     <a:p>
                       <a:pPr marL="0" indent="0" algn="ctr">
                         <a:buNone/>
@@ -7635,14 +7491,9 @@
                         </a:rPr>
                         <a:t>上传页面</a:t>
                       </a:r>
-                      <a:endParaRPr lang="zh-CN" altLang="en-US" sz="1800" b="0" u="none">
-                        <a:latin typeface="宋体" charset="0"/>
-                        <a:ea typeface="宋体" charset="0"/>
-                        <a:cs typeface="宋体" charset="0"/>
-                      </a:endParaRPr>
                     </a:p>
                   </a:txBody>
-                  <a:tcPr marL="0" marR="68580" marT="0" marB="0" vert="horz" anchor="t">
+                  <a:tcPr marL="0" marR="68580" marT="0" marB="0">
                     <a:lnL w="12700" cap="flat" cmpd="sng">
                       <a:solidFill>
                         <a:srgbClr val="080000"/>
@@ -7687,6 +7538,7 @@
                 <a:tc>
                   <a:txBody>
                     <a:bodyPr/>
+                    <a:lstStyle/>
                     <a:p>
                       <a:pPr marL="0" indent="0" algn="ctr">
                         <a:buNone/>
@@ -7699,14 +7551,9 @@
                         </a:rPr>
                         <a:t>activity_up.xml</a:t>
                       </a:r>
-                      <a:endParaRPr lang="en-US" altLang="zh-CN" sz="1800" b="0" u="none">
-                        <a:latin typeface="宋体" charset="0"/>
-                        <a:ea typeface="宋体" charset="0"/>
-                        <a:cs typeface="宋体" charset="0"/>
-                      </a:endParaRPr>
                     </a:p>
                   </a:txBody>
-                  <a:tcPr marL="0" marR="68580" marT="0" marB="0" vert="horz" anchor="t">
+                  <a:tcPr marL="0" marR="68580" marT="0" marB="0">
                     <a:lnL w="12700" cap="flat" cmpd="sng">
                       <a:solidFill>
                         <a:srgbClr val="080000"/>
@@ -7755,7 +7602,7 @@
       </p:graphicFrame>
     </p:spTree>
     <p:custDataLst>
-      <p:tags r:id="rId2"/>
+      <p:tags r:id="rId1"/>
     </p:custDataLst>
   </p:cSld>
   <p:clrMapOvr>
@@ -7789,12 +7636,12 @@
           </p:cNvPicPr>
           <p:nvPr>
             <p:custDataLst>
-              <p:tags r:id="rId1"/>
+              <p:tags r:id="rId2"/>
             </p:custDataLst>
           </p:nvPr>
         </p:nvPicPr>
         <p:blipFill>
-          <a:blip r:embed="rId2"/>
+          <a:blip r:embed="rId5"/>
           <a:srcRect/>
           <a:stretch>
             <a:fillRect/>
@@ -7887,7 +7734,6 @@
               <a:rPr lang="zh-CN" altLang="en-US"/>
               <a:t>个人信息控件</a:t>
             </a:r>
-            <a:endParaRPr lang="zh-CN" altLang="en-US"/>
           </a:p>
         </p:txBody>
       </p:sp>
@@ -7955,11 +7801,6 @@
               </a:rPr>
               <a:t>添加新菜品</a:t>
             </a:r>
-            <a:endParaRPr lang="zh-CN" altLang="en-US">
-              <a:solidFill>
-                <a:schemeClr val="tx2"/>
-              </a:solidFill>
-            </a:endParaRPr>
           </a:p>
         </p:txBody>
       </p:sp>
@@ -8017,7 +7858,6 @@
               <a:rPr lang="zh-CN" altLang="en-US"/>
               <a:t>特色推荐</a:t>
             </a:r>
-            <a:endParaRPr lang="zh-CN" altLang="en-US"/>
           </a:p>
         </p:txBody>
       </p:sp>
@@ -8075,21 +7915,18 @@
               <a:rPr lang="zh-CN" altLang="en-US"/>
               <a:t>季节套餐：按照季节推荐特色营养套餐</a:t>
             </a:r>
-            <a:endParaRPr lang="zh-CN" altLang="en-US"/>
           </a:p>
           <a:p>
             <a:r>
               <a:rPr lang="zh-CN" altLang="en-US"/>
               <a:t>美食食谱：常用菜谱</a:t>
             </a:r>
-            <a:endParaRPr lang="zh-CN" altLang="en-US"/>
           </a:p>
           <a:p>
             <a:r>
               <a:rPr lang="zh-CN" altLang="en-US"/>
               <a:t>美食圈：个人菜品展示</a:t>
             </a:r>
-            <a:endParaRPr lang="zh-CN" altLang="en-US"/>
           </a:p>
         </p:txBody>
       </p:sp>
@@ -8123,13 +7960,12 @@
               <a:rPr lang="en-US" altLang="zh-CN"/>
               <a:t>1</a:t>
             </a:r>
-            <a:endParaRPr lang="en-US" altLang="zh-CN"/>
           </a:p>
         </p:txBody>
       </p:sp>
     </p:spTree>
     <p:custDataLst>
-      <p:tags r:id="rId3"/>
+      <p:tags r:id="rId1"/>
     </p:custDataLst>
   </p:cSld>
   <p:clrMapOvr>
@@ -8164,7 +8000,7 @@
           <p:nvPr/>
         </p:nvPicPr>
         <p:blipFill>
-          <a:blip r:embed="rId1"/>
+          <a:blip r:embed="rId2"/>
           <a:stretch>
             <a:fillRect/>
           </a:stretch>
@@ -8233,7 +8069,6 @@
               <a:rPr lang="zh-CN" altLang="en-US"/>
               <a:t>控件后，跳转入个人菜品添加界面</a:t>
             </a:r>
-            <a:endParaRPr lang="zh-CN" altLang="en-US"/>
           </a:p>
         </p:txBody>
       </p:sp>
@@ -8267,7 +8102,6 @@
               <a:rPr lang="en-US" altLang="zh-CN"/>
               <a:t>2</a:t>
             </a:r>
-            <a:endParaRPr lang="en-US" altLang="zh-CN"/>
           </a:p>
         </p:txBody>
       </p:sp>
@@ -8335,11 +8169,6 @@
               </a:rPr>
               <a:t>导航栏</a:t>
             </a:r>
-            <a:endParaRPr lang="zh-CN" altLang="en-US">
-              <a:solidFill>
-                <a:schemeClr val="tx2"/>
-              </a:solidFill>
-            </a:endParaRPr>
           </a:p>
         </p:txBody>
       </p:sp>
@@ -8397,7 +8226,6 @@
               <a:rPr lang="zh-CN" altLang="en-US"/>
               <a:t>菜品图片展示</a:t>
             </a:r>
-            <a:endParaRPr lang="zh-CN" altLang="en-US"/>
           </a:p>
         </p:txBody>
       </p:sp>
@@ -8487,7 +8315,6 @@
               <a:rPr lang="zh-CN" altLang="en-US"/>
               <a:t>不为空</a:t>
             </a:r>
-            <a:endParaRPr lang="zh-CN" altLang="en-US"/>
           </a:p>
         </p:txBody>
       </p:sp>
@@ -8525,7 +8352,7 @@
           <p:nvPr/>
         </p:nvPicPr>
         <p:blipFill>
-          <a:blip r:embed="rId1"/>
+          <a:blip r:embed="rId2"/>
           <a:stretch>
             <a:fillRect/>
           </a:stretch>
@@ -8586,7 +8413,6 @@
               <a:rPr lang="zh-CN" altLang="en-US"/>
               <a:t>控件，跳转入此页面。</a:t>
             </a:r>
-            <a:endParaRPr lang="zh-CN" altLang="en-US"/>
           </a:p>
         </p:txBody>
       </p:sp>
@@ -8620,7 +8446,6 @@
               <a:rPr lang="zh-CN" altLang="en-US"/>
               <a:t>：本页面按照季节和早中晚餐分类，向用户推荐相应的美食搭配方案，让用户不迷茫，不无所适从。</a:t>
             </a:r>
-            <a:endParaRPr lang="zh-CN" altLang="en-US"/>
           </a:p>
         </p:txBody>
       </p:sp>
@@ -8678,7 +8503,6 @@
               <a:rPr lang="zh-CN" altLang="en-US"/>
               <a:t>美食搭配方案来源：</a:t>
             </a:r>
-            <a:endParaRPr lang="zh-CN" altLang="en-US"/>
           </a:p>
         </p:txBody>
       </p:sp>
@@ -8736,7 +8560,6 @@
               <a:rPr lang="zh-CN" altLang="en-US"/>
               <a:t>健康小提示</a:t>
             </a:r>
-            <a:endParaRPr lang="zh-CN" altLang="en-US"/>
           </a:p>
         </p:txBody>
       </p:sp>
@@ -8770,7 +8593,6 @@
               <a:rPr lang="en-US" altLang="zh-CN"/>
               <a:t>3</a:t>
             </a:r>
-            <a:endParaRPr lang="en-US" altLang="zh-CN"/>
           </a:p>
         </p:txBody>
       </p:sp>
@@ -8808,7 +8630,7 @@
           <p:nvPr/>
         </p:nvPicPr>
         <p:blipFill>
-          <a:blip r:embed="rId1"/>
+          <a:blip r:embed="rId2"/>
           <a:stretch>
             <a:fillRect/>
           </a:stretch>
@@ -8869,7 +8691,6 @@
               <a:rPr lang="zh-CN" altLang="en-US"/>
               <a:t>，跳转到当前页面。</a:t>
             </a:r>
-            <a:endParaRPr lang="zh-CN" altLang="en-US"/>
           </a:p>
         </p:txBody>
       </p:sp>
@@ -8935,7 +8756,6 @@
               <a:rPr lang="zh-CN" altLang="en-US"/>
               <a:t>，下方正文部分为菜品，显示有菜名、配图和简介。</a:t>
             </a:r>
-            <a:endParaRPr lang="zh-CN" altLang="en-US"/>
           </a:p>
         </p:txBody>
       </p:sp>
@@ -8969,7 +8789,6 @@
               <a:rPr lang="en-US" altLang="zh-CN"/>
               <a:t>4</a:t>
             </a:r>
-            <a:endParaRPr lang="en-US" altLang="zh-CN"/>
           </a:p>
         </p:txBody>
       </p:sp>
@@ -9007,7 +8826,7 @@
           <p:nvPr/>
         </p:nvPicPr>
         <p:blipFill>
-          <a:blip r:embed="rId1"/>
+          <a:blip r:embed="rId2"/>
           <a:stretch>
             <a:fillRect/>
           </a:stretch>
@@ -9060,7 +8879,6 @@
               <a:rPr lang="zh-CN" altLang="en-US"/>
               <a:t>页面，点击正文中菜名，跳转入菜品制作介绍页面。</a:t>
             </a:r>
-            <a:endParaRPr lang="zh-CN" altLang="en-US"/>
           </a:p>
         </p:txBody>
       </p:sp>
@@ -9094,7 +8912,6 @@
               <a:rPr lang="zh-CN" altLang="en-US"/>
               <a:t>：本页面主要介绍对应菜品的详细制作步骤，附有菜品样图，同时允许添加关注。</a:t>
             </a:r>
-            <a:endParaRPr lang="zh-CN" altLang="en-US"/>
           </a:p>
         </p:txBody>
       </p:sp>
@@ -9128,7 +8945,6 @@
               <a:rPr lang="en-US" altLang="zh-CN"/>
               <a:t>5</a:t>
             </a:r>
-            <a:endParaRPr lang="en-US" altLang="zh-CN"/>
           </a:p>
         </p:txBody>
       </p:sp>
@@ -9186,7 +9002,6 @@
               <a:rPr lang="zh-CN" altLang="en-US"/>
               <a:t>添加对此用户的关注</a:t>
             </a:r>
-            <a:endParaRPr lang="zh-CN" altLang="en-US"/>
           </a:p>
         </p:txBody>
       </p:sp>
@@ -9244,7 +9059,6 @@
               <a:rPr lang="zh-CN" altLang="en-US"/>
               <a:t>菜品制作用户的头像</a:t>
             </a:r>
-            <a:endParaRPr lang="zh-CN" altLang="en-US"/>
           </a:p>
         </p:txBody>
       </p:sp>
@@ -9282,7 +9096,7 @@
           <p:nvPr/>
         </p:nvPicPr>
         <p:blipFill>
-          <a:blip r:embed="rId1"/>
+          <a:blip r:embed="rId2"/>
           <a:stretch>
             <a:fillRect/>
           </a:stretch>
@@ -9343,7 +9157,6 @@
               <a:rPr lang="zh-CN" altLang="en-US"/>
               <a:t>，选中特定菜肴之后，跳转到当前制作页面。</a:t>
             </a:r>
-            <a:endParaRPr lang="zh-CN" altLang="en-US"/>
           </a:p>
         </p:txBody>
       </p:sp>
@@ -9377,7 +9190,6 @@
               <a:rPr lang="zh-CN" altLang="en-US"/>
               <a:t>：左上角是菜式分类，右上角是菜肴配图，下方是菜肴的具体制作步骤。</a:t>
             </a:r>
-            <a:endParaRPr lang="zh-CN" altLang="en-US"/>
           </a:p>
         </p:txBody>
       </p:sp>
@@ -9415,7 +9227,7 @@
           <p:nvPr/>
         </p:nvPicPr>
         <p:blipFill>
-          <a:blip r:embed="rId1"/>
+          <a:blip r:embed="rId2"/>
           <a:stretch>
             <a:fillRect/>
           </a:stretch>
@@ -9460,7 +9272,6 @@
               <a:rPr lang="zh-CN" altLang="en-US"/>
               <a:t>：点击左上角头像进入此页面</a:t>
             </a:r>
-            <a:endParaRPr lang="zh-CN" altLang="en-US"/>
           </a:p>
         </p:txBody>
       </p:sp>
@@ -9558,7 +9369,6 @@
               <a:rPr lang="zh-CN" altLang="en-US"/>
               <a:t>部分</a:t>
             </a:r>
-            <a:endParaRPr lang="zh-CN" altLang="en-US"/>
           </a:p>
         </p:txBody>
       </p:sp>
@@ -9596,7 +9406,7 @@
           <p:nvPr>
             <p:ph type="ctrTitle"/>
             <p:custDataLst>
-              <p:tags r:id="rId1"/>
+              <p:tags r:id="rId2"/>
             </p:custDataLst>
           </p:nvPr>
         </p:nvSpPr>
@@ -9612,16 +9422,12 @@
               </a:rPr>
               <a:t>THANKS</a:t>
             </a:r>
-            <a:endParaRPr lang="en-US" altLang="zh-CN" smtClean="0">
-              <a:latin typeface="+mj-lt"/>
-              <a:ea typeface="+mj-ea"/>
-            </a:endParaRPr>
           </a:p>
         </p:txBody>
       </p:sp>
     </p:spTree>
     <p:custDataLst>
-      <p:tags r:id="rId2"/>
+      <p:tags r:id="rId1"/>
     </p:custDataLst>
   </p:cSld>
   <p:clrMapOvr>
@@ -9655,7 +9461,7 @@
           </p:cNvSpPr>
           <p:nvPr>
             <p:custDataLst>
-              <p:tags r:id="rId1"/>
+              <p:tags r:id="rId2"/>
             </p:custDataLst>
           </p:nvPr>
         </p:nvSpPr>
@@ -9856,7 +9662,7 @@
           </p:cNvSpPr>
           <p:nvPr>
             <p:custDataLst>
-              <p:tags r:id="rId2"/>
+              <p:tags r:id="rId3"/>
             </p:custDataLst>
           </p:nvPr>
         </p:nvSpPr>
@@ -10036,10 +9842,6 @@
               </a:rPr>
               <a:t>项目背景</a:t>
             </a:r>
-            <a:endParaRPr lang="zh-CN" altLang="zh-CN" sz="2000" dirty="0">
-              <a:latin typeface="+mn-lt"/>
-              <a:ea typeface="+mn-ea"/>
-            </a:endParaRPr>
           </a:p>
         </p:txBody>
       </p:sp>
@@ -10051,7 +9853,7 @@
           </p:cNvSpPr>
           <p:nvPr>
             <p:custDataLst>
-              <p:tags r:id="rId3"/>
+              <p:tags r:id="rId4"/>
             </p:custDataLst>
           </p:nvPr>
         </p:nvSpPr>
@@ -10231,10 +10033,6 @@
               </a:rPr>
               <a:t>项目目标</a:t>
             </a:r>
-            <a:endParaRPr lang="zh-CN" altLang="zh-CN" sz="2000" dirty="0">
-              <a:latin typeface="+mn-lt"/>
-              <a:ea typeface="+mn-ea"/>
-            </a:endParaRPr>
           </a:p>
         </p:txBody>
       </p:sp>
@@ -10244,7 +10042,7 @@
           <p:cNvSpPr txBox="1"/>
           <p:nvPr>
             <p:custDataLst>
-              <p:tags r:id="rId4"/>
+              <p:tags r:id="rId5"/>
             </p:custDataLst>
           </p:nvPr>
         </p:nvSpPr>
@@ -10424,11 +10222,6 @@
               </a:rPr>
               <a:t>本次面向领域的实训中，我们课题目标是：嵌入式软件开发。应用所掌握的知识，做一款手机端APP，我们的选题是“美食天下”。</a:t>
             </a:r>
-            <a:endParaRPr lang="zh-CN" altLang="en-US" dirty="0">
-              <a:solidFill>
-                <a:schemeClr val="tx1"/>
-              </a:solidFill>
-            </a:endParaRPr>
           </a:p>
         </p:txBody>
       </p:sp>
@@ -10438,7 +10231,7 @@
           <p:cNvSpPr txBox="1"/>
           <p:nvPr>
             <p:custDataLst>
-              <p:tags r:id="rId5"/>
+              <p:tags r:id="rId6"/>
             </p:custDataLst>
           </p:nvPr>
         </p:nvSpPr>
@@ -10611,11 +10404,6 @@
               </a:rPr>
               <a:t>在这个“民以食为天”的时代，人们不再满足于温饱问题，而对于美食有了更多的追求，本款“美食天下”APP致力于汇聚天下美食，让你足不出户，尝遍天下美食，分享你的私家厨房，让你成为美食的掌舵者。</a:t>
             </a:r>
-            <a:endParaRPr lang="zh-CN" altLang="en-US" dirty="0">
-              <a:solidFill>
-                <a:schemeClr val="tx1"/>
-              </a:solidFill>
-            </a:endParaRPr>
           </a:p>
         </p:txBody>
       </p:sp>
@@ -10625,7 +10413,7 @@
           <p:cNvSpPr txBox="1"/>
           <p:nvPr>
             <p:custDataLst>
-              <p:tags r:id="rId6"/>
+              <p:tags r:id="rId7"/>
             </p:custDataLst>
           </p:nvPr>
         </p:nvSpPr>
@@ -10821,11 +10609,6 @@
               </a:rPr>
               <a:t>在不登录的状态下以游客身份仍可以使用除上传食谱和关注等的其他功能。</a:t>
             </a:r>
-            <a:endParaRPr lang="zh-CN" altLang="zh-CN" dirty="0">
-              <a:solidFill>
-                <a:schemeClr val="accent3"/>
-              </a:solidFill>
-            </a:endParaRPr>
           </a:p>
           <a:p>
             <a:pPr lvl="0"/>
@@ -10877,11 +10660,6 @@
               </a:rPr>
               <a:t>上的所有功能，包括：查看季节套餐、美食食谱，逛美食圈，发布自己的食谱，关注他人和收藏他人食谱。</a:t>
             </a:r>
-            <a:endParaRPr lang="zh-CN" altLang="zh-CN" dirty="0">
-              <a:solidFill>
-                <a:schemeClr val="accent3"/>
-              </a:solidFill>
-            </a:endParaRPr>
           </a:p>
           <a:p>
             <a:pPr lvl="0"/>
@@ -10917,11 +10695,6 @@
               </a:rPr>
               <a:t>需要有管理页面，用以审核用户发布的食谱；同时对数据库进行相关的维护。</a:t>
             </a:r>
-            <a:endParaRPr lang="zh-CN" altLang="zh-CN" dirty="0">
-              <a:solidFill>
-                <a:schemeClr val="accent3"/>
-              </a:solidFill>
-            </a:endParaRPr>
           </a:p>
         </p:txBody>
       </p:sp>
@@ -10933,7 +10706,7 @@
           </p:cNvSpPr>
           <p:nvPr>
             <p:custDataLst>
-              <p:tags r:id="rId7"/>
+              <p:tags r:id="rId8"/>
             </p:custDataLst>
           </p:nvPr>
         </p:nvSpPr>
@@ -11130,7 +10903,7 @@
           <p:cNvSpPr txBox="1"/>
           <p:nvPr>
             <p:custDataLst>
-              <p:tags r:id="rId8"/>
+              <p:tags r:id="rId9"/>
             </p:custDataLst>
           </p:nvPr>
         </p:nvSpPr>
@@ -11276,7 +11049,6 @@
               <a:rPr lang="zh-CN" altLang="en-US" dirty="0"/>
               <a:t>项目简介</a:t>
             </a:r>
-            <a:endParaRPr lang="zh-CN" altLang="en-US" dirty="0"/>
           </a:p>
         </p:txBody>
       </p:sp>
@@ -11338,7 +11110,7 @@
       </p:cxnSp>
     </p:spTree>
     <p:custDataLst>
-      <p:tags r:id="rId9"/>
+      <p:tags r:id="rId1"/>
     </p:custDataLst>
   </p:cSld>
   <p:clrMapOvr>
@@ -11372,7 +11144,7 @@
           </p:cNvSpPr>
           <p:nvPr>
             <p:custDataLst>
-              <p:tags r:id="rId1"/>
+              <p:tags r:id="rId2"/>
             </p:custDataLst>
           </p:nvPr>
         </p:nvSpPr>
@@ -11567,7 +11339,7 @@
           <p:cNvSpPr txBox="1"/>
           <p:nvPr>
             <p:custDataLst>
-              <p:tags r:id="rId2"/>
+              <p:tags r:id="rId3"/>
             </p:custDataLst>
           </p:nvPr>
         </p:nvSpPr>
@@ -11713,7 +11485,6 @@
               <a:rPr lang="zh-CN" altLang="en-US" dirty="0"/>
               <a:t>软件功能结构回顾</a:t>
             </a:r>
-            <a:endParaRPr lang="zh-CN" altLang="en-US" dirty="0"/>
           </a:p>
         </p:txBody>
       </p:sp>
@@ -11747,21 +11518,18 @@
               <a:rPr lang="zh-CN" altLang="en-US"/>
               <a:t>界面分为三个部分，健康饮食搭配、常用菜谱、个人菜谱。</a:t>
             </a:r>
-            <a:endParaRPr lang="zh-CN" altLang="en-US"/>
           </a:p>
           <a:p>
             <a:r>
               <a:rPr lang="zh-CN" altLang="en-US"/>
               <a:t>        健康饮食搭配部分根据时令的变化更新搭配方式，信息多从医书及饮食书籍中获取；常用菜谱按照菜系进行分类，菜肴的具体做法从饮食书籍及饮食网站获取；个人菜谱是由用户个人记录，可以在用户之间分享。</a:t>
             </a:r>
-            <a:endParaRPr lang="zh-CN" altLang="en-US"/>
           </a:p>
           <a:p>
             <a:r>
               <a:rPr lang="zh-CN" altLang="en-US"/>
               <a:t>        在具体实现时，将以上三个部分分为右图各项功能。</a:t>
             </a:r>
-            <a:endParaRPr lang="zh-CN" altLang="en-US"/>
           </a:p>
         </p:txBody>
       </p:sp>
@@ -11791,7 +11559,6 @@
               <a:rPr lang="zh-CN" altLang="en-US"/>
               <a:t>功能结构图</a:t>
             </a:r>
-            <a:endParaRPr lang="zh-CN" altLang="en-US"/>
           </a:p>
         </p:txBody>
       </p:sp>
@@ -11804,7 +11571,7 @@
           <p:nvPr/>
         </p:nvPicPr>
         <p:blipFill>
-          <a:blip r:embed="rId3"/>
+          <a:blip r:embed="rId6"/>
           <a:stretch>
             <a:fillRect/>
           </a:stretch>
@@ -11821,7 +11588,7 @@
       </p:pic>
     </p:spTree>
     <p:custDataLst>
-      <p:tags r:id="rId4"/>
+      <p:tags r:id="rId1"/>
     </p:custDataLst>
   </p:cSld>
   <p:clrMapOvr>
@@ -11853,7 +11620,7 @@
           <p:cNvGrpSpPr/>
           <p:nvPr>
             <p:custDataLst>
-              <p:tags r:id="rId1"/>
+              <p:tags r:id="rId2"/>
             </p:custDataLst>
           </p:nvPr>
         </p:nvGrpSpPr>
@@ -11871,7 +11638,7 @@
             <p:cNvSpPr/>
             <p:nvPr>
               <p:custDataLst>
-                <p:tags r:id="rId2"/>
+                <p:tags r:id="rId11"/>
               </p:custDataLst>
             </p:nvPr>
           </p:nvSpPr>
@@ -11944,15 +11711,6 @@
                 </a:rPr>
                 <a:t>1</a:t>
               </a:r>
-              <a:endParaRPr lang="en-US" altLang="zh-CN" sz="2400" dirty="0">
-                <a:solidFill>
-                  <a:schemeClr val="bg1"/>
-                </a:solidFill>
-                <a:latin typeface="+mj-lt"/>
-                <a:ea typeface="+mj-ea"/>
-                <a:cs typeface="+mj-cs"/>
-                <a:sym typeface="Arial" pitchFamily="34" charset="0"/>
-              </a:endParaRPr>
             </a:p>
             <a:p>
               <a:pPr algn="ctr"/>
@@ -12040,15 +11798,6 @@
                 </a:rPr>
                 <a:t>周</a:t>
               </a:r>
-              <a:endParaRPr lang="zh-CN" altLang="en-US" sz="2000" dirty="0">
-                <a:solidFill>
-                  <a:schemeClr val="bg1"/>
-                </a:solidFill>
-                <a:latin typeface="+mj-lt"/>
-                <a:ea typeface="+mj-ea"/>
-                <a:cs typeface="+mj-cs"/>
-                <a:sym typeface="Arial" pitchFamily="34" charset="0"/>
-              </a:endParaRPr>
             </a:p>
           </p:txBody>
         </p:sp>
@@ -12058,7 +11807,7 @@
             <p:cNvSpPr/>
             <p:nvPr>
               <p:custDataLst>
-                <p:tags r:id="rId3"/>
+                <p:tags r:id="rId12"/>
               </p:custDataLst>
             </p:nvPr>
           </p:nvSpPr>
@@ -12073,7 +11822,7 @@
           </p:spPr>
           <p:txBody>
             <a:bodyPr wrap="square">
-              <a:normAutofit lnSpcReduction="20000"/>
+              <a:normAutofit fontScale="92500"/>
             </a:bodyPr>
             <a:lstStyle/>
             <a:p>
@@ -12100,12 +11849,6 @@
                 </a:rPr>
                 <a:t>、需求规格说明书</a:t>
               </a:r>
-              <a:endParaRPr lang="zh-CN" altLang="en-US" dirty="0">
-                <a:solidFill>
-                  <a:schemeClr val="tx2"/>
-                </a:solidFill>
-                <a:sym typeface="Arial" pitchFamily="34" charset="0"/>
-              </a:endParaRPr>
             </a:p>
             <a:p>
               <a:pPr>
@@ -12131,12 +11874,6 @@
                 </a:rPr>
                 <a:t>、系统设计文档</a:t>
               </a:r>
-              <a:endParaRPr lang="zh-CN" altLang="en-US" dirty="0">
-                <a:solidFill>
-                  <a:schemeClr val="tx2"/>
-                </a:solidFill>
-                <a:sym typeface="Arial" pitchFamily="34" charset="0"/>
-              </a:endParaRPr>
             </a:p>
             <a:p>
               <a:pPr>
@@ -12162,12 +11899,6 @@
                 </a:rPr>
                 <a:t>、原型设计</a:t>
               </a:r>
-              <a:endParaRPr lang="zh-CN" altLang="en-US" dirty="0">
-                <a:solidFill>
-                  <a:schemeClr val="tx2"/>
-                </a:solidFill>
-                <a:sym typeface="Arial" pitchFamily="34" charset="0"/>
-              </a:endParaRPr>
             </a:p>
             <a:p>
               <a:pPr>
@@ -12193,12 +11924,6 @@
                 </a:rPr>
                 <a:t>、系统开发要完成的任务</a:t>
               </a:r>
-              <a:endParaRPr lang="zh-CN" altLang="en-US" dirty="0">
-                <a:solidFill>
-                  <a:schemeClr val="tx2"/>
-                </a:solidFill>
-                <a:sym typeface="Arial" pitchFamily="34" charset="0"/>
-              </a:endParaRPr>
             </a:p>
             <a:p>
               <a:pPr>
@@ -12269,12 +11994,6 @@
                 </a:rPr>
                 <a:t>的编写</a:t>
               </a:r>
-              <a:endParaRPr lang="zh-CN" altLang="en-US" dirty="0">
-                <a:solidFill>
-                  <a:schemeClr val="tx2"/>
-                </a:solidFill>
-                <a:sym typeface="Arial" pitchFamily="34" charset="0"/>
-              </a:endParaRPr>
             </a:p>
             <a:p>
               <a:pPr>
@@ -12309,12 +12028,6 @@
                 </a:rPr>
                 <a:t>）后台实现登录、注册模块，季节套餐、美食食谱模块</a:t>
               </a:r>
-              <a:endParaRPr lang="zh-CN" altLang="en-US" dirty="0">
-                <a:solidFill>
-                  <a:schemeClr val="tx2"/>
-                </a:solidFill>
-                <a:sym typeface="Arial" pitchFamily="34" charset="0"/>
-              </a:endParaRPr>
             </a:p>
             <a:p>
               <a:pPr>
@@ -12349,12 +12062,6 @@
                 </a:rPr>
                 <a:t>）数据库搭建并录入数据</a:t>
               </a:r>
-              <a:endParaRPr lang="zh-CN" altLang="en-US" dirty="0">
-                <a:solidFill>
-                  <a:schemeClr val="tx2"/>
-                </a:solidFill>
-                <a:sym typeface="Arial" pitchFamily="34" charset="0"/>
-              </a:endParaRPr>
             </a:p>
           </p:txBody>
         </p:sp>
@@ -12365,7 +12072,7 @@
           <p:cNvGrpSpPr/>
           <p:nvPr>
             <p:custDataLst>
-              <p:tags r:id="rId4"/>
+              <p:tags r:id="rId3"/>
             </p:custDataLst>
           </p:nvPr>
         </p:nvGrpSpPr>
@@ -12383,7 +12090,7 @@
             <p:cNvSpPr/>
             <p:nvPr>
               <p:custDataLst>
-                <p:tags r:id="rId5"/>
+                <p:tags r:id="rId9"/>
               </p:custDataLst>
             </p:nvPr>
           </p:nvSpPr>
@@ -12523,15 +12230,6 @@
                 </a:rPr>
                 <a:t>2</a:t>
               </a:r>
-              <a:endParaRPr lang="en-US" altLang="zh-CN" sz="2400" dirty="0">
-                <a:solidFill>
-                  <a:schemeClr val="bg1"/>
-                </a:solidFill>
-                <a:latin typeface="+mj-lt"/>
-                <a:ea typeface="+mj-ea"/>
-                <a:cs typeface="+mj-cs"/>
-                <a:sym typeface="Arial" pitchFamily="34" charset="0"/>
-              </a:endParaRPr>
             </a:p>
             <a:p>
               <a:pPr algn="ctr"/>
@@ -12571,15 +12269,6 @@
                 </a:rPr>
                 <a:t>周</a:t>
               </a:r>
-              <a:endParaRPr lang="zh-CN" altLang="en-US" sz="2000" dirty="0">
-                <a:solidFill>
-                  <a:schemeClr val="bg1"/>
-                </a:solidFill>
-                <a:latin typeface="+mj-lt"/>
-                <a:ea typeface="+mj-ea"/>
-                <a:cs typeface="+mj-cs"/>
-                <a:sym typeface="Arial" pitchFamily="34" charset="0"/>
-              </a:endParaRPr>
             </a:p>
           </p:txBody>
         </p:sp>
@@ -12589,7 +12278,7 @@
             <p:cNvSpPr/>
             <p:nvPr>
               <p:custDataLst>
-                <p:tags r:id="rId6"/>
+                <p:tags r:id="rId10"/>
               </p:custDataLst>
             </p:nvPr>
           </p:nvSpPr>
@@ -12622,12 +12311,6 @@
                 </a:rPr>
                 <a:t>实现剩余功能：</a:t>
               </a:r>
-              <a:endParaRPr lang="zh-CN" altLang="en-US" dirty="0">
-                <a:solidFill>
-                  <a:schemeClr val="tx2"/>
-                </a:solidFill>
-                <a:sym typeface="Arial" pitchFamily="34" charset="0"/>
-              </a:endParaRPr>
             </a:p>
             <a:p>
               <a:pPr>
@@ -12662,12 +12345,6 @@
                 </a:rPr>
                 <a:t>）美食圈模块（上传、关注、收藏）</a:t>
               </a:r>
-              <a:endParaRPr lang="zh-CN" altLang="en-US" dirty="0">
-                <a:solidFill>
-                  <a:schemeClr val="tx2"/>
-                </a:solidFill>
-                <a:sym typeface="Arial" pitchFamily="34" charset="0"/>
-              </a:endParaRPr>
             </a:p>
             <a:p>
               <a:pPr>
@@ -12702,12 +12379,6 @@
                 </a:rPr>
                 <a:t>）后台实现发布审核和数据管理</a:t>
               </a:r>
-              <a:endParaRPr lang="zh-CN" altLang="en-US" dirty="0">
-                <a:solidFill>
-                  <a:schemeClr val="tx2"/>
-                </a:solidFill>
-                <a:sym typeface="Arial" pitchFamily="34" charset="0"/>
-              </a:endParaRPr>
             </a:p>
             <a:p>
               <a:pPr>
@@ -12742,12 +12413,6 @@
                 </a:rPr>
                 <a:t>）如有时间实现首页个性推荐功能</a:t>
               </a:r>
-              <a:endParaRPr lang="zh-CN" altLang="en-US" dirty="0">
-                <a:solidFill>
-                  <a:schemeClr val="tx2"/>
-                </a:solidFill>
-                <a:sym typeface="Arial" pitchFamily="34" charset="0"/>
-              </a:endParaRPr>
             </a:p>
           </p:txBody>
         </p:sp>
@@ -12758,7 +12423,7 @@
           <p:cNvGrpSpPr/>
           <p:nvPr>
             <p:custDataLst>
-              <p:tags r:id="rId7"/>
+              <p:tags r:id="rId4"/>
             </p:custDataLst>
           </p:nvPr>
         </p:nvGrpSpPr>
@@ -12776,7 +12441,7 @@
             <p:cNvSpPr/>
             <p:nvPr>
               <p:custDataLst>
-                <p:tags r:id="rId8"/>
+                <p:tags r:id="rId7"/>
               </p:custDataLst>
             </p:nvPr>
           </p:nvSpPr>
@@ -12916,15 +12581,6 @@
                 </a:rPr>
                 <a:t>3</a:t>
               </a:r>
-              <a:endParaRPr lang="en-US" altLang="zh-CN" sz="2400" dirty="0">
-                <a:solidFill>
-                  <a:schemeClr val="bg1"/>
-                </a:solidFill>
-                <a:latin typeface="+mj-lt"/>
-                <a:ea typeface="+mj-ea"/>
-                <a:cs typeface="+mj-cs"/>
-                <a:sym typeface="Arial" pitchFamily="34" charset="0"/>
-              </a:endParaRPr>
             </a:p>
             <a:p>
               <a:pPr algn="ctr"/>
@@ -12964,15 +12620,6 @@
                 </a:rPr>
                 <a:t>周</a:t>
               </a:r>
-              <a:endParaRPr lang="zh-CN" altLang="en-US" sz="2000" dirty="0">
-                <a:solidFill>
-                  <a:schemeClr val="bg1"/>
-                </a:solidFill>
-                <a:latin typeface="+mj-lt"/>
-                <a:ea typeface="+mj-ea"/>
-                <a:cs typeface="+mj-cs"/>
-                <a:sym typeface="Arial" pitchFamily="34" charset="0"/>
-              </a:endParaRPr>
             </a:p>
           </p:txBody>
         </p:sp>
@@ -12982,7 +12629,7 @@
             <p:cNvSpPr/>
             <p:nvPr>
               <p:custDataLst>
-                <p:tags r:id="rId9"/>
+                <p:tags r:id="rId8"/>
               </p:custDataLst>
             </p:nvPr>
           </p:nvSpPr>
@@ -13024,12 +12671,6 @@
                 </a:rPr>
                 <a:t>、系统测试与调优</a:t>
               </a:r>
-              <a:endParaRPr lang="zh-CN" altLang="en-US" dirty="0">
-                <a:solidFill>
-                  <a:schemeClr val="tx2"/>
-                </a:solidFill>
-                <a:sym typeface="Arial" pitchFamily="34" charset="0"/>
-              </a:endParaRPr>
             </a:p>
             <a:p>
               <a:pPr>
@@ -13055,12 +12696,6 @@
                 </a:rPr>
                 <a:t>、系统界面进一步美化</a:t>
               </a:r>
-              <a:endParaRPr lang="zh-CN" altLang="en-US" dirty="0">
-                <a:solidFill>
-                  <a:schemeClr val="tx2"/>
-                </a:solidFill>
-                <a:sym typeface="Arial" pitchFamily="34" charset="0"/>
-              </a:endParaRPr>
             </a:p>
           </p:txBody>
         </p:sp>
@@ -13073,7 +12708,7 @@
           </p:cNvSpPr>
           <p:nvPr>
             <p:custDataLst>
-              <p:tags r:id="rId10"/>
+              <p:tags r:id="rId5"/>
             </p:custDataLst>
           </p:nvPr>
         </p:nvSpPr>
@@ -13106,7 +12741,7 @@
         </p:spPr>
         <p:txBody>
           <a:bodyPr wrap="square">
-            <a:normAutofit fontScale="77500"/>
+            <a:normAutofit fontScale="85000" lnSpcReduction="10000"/>
           </a:bodyPr>
           <a:lstStyle>
             <a:lvl1pPr>
@@ -13270,7 +12905,7 @@
           <p:cNvSpPr txBox="1"/>
           <p:nvPr>
             <p:custDataLst>
-              <p:tags r:id="rId11"/>
+              <p:tags r:id="rId6"/>
             </p:custDataLst>
           </p:nvPr>
         </p:nvSpPr>
@@ -13416,13 +13051,12 @@
               <a:rPr lang="zh-CN" altLang="en-US" dirty="0"/>
               <a:t>项目总体规划</a:t>
             </a:r>
-            <a:endParaRPr lang="zh-CN" altLang="en-US" dirty="0"/>
           </a:p>
         </p:txBody>
       </p:sp>
     </p:spTree>
     <p:custDataLst>
-      <p:tags r:id="rId12"/>
+      <p:tags r:id="rId1"/>
     </p:custDataLst>
   </p:cSld>
   <p:clrMapOvr>
@@ -13456,7 +13090,7 @@
           </p:cNvSpPr>
           <p:nvPr>
             <p:custDataLst>
-              <p:tags r:id="rId1"/>
+              <p:tags r:id="rId2"/>
             </p:custDataLst>
           </p:nvPr>
         </p:nvSpPr>
@@ -13489,7 +13123,7 @@
         </p:spPr>
         <p:txBody>
           <a:bodyPr wrap="square" lIns="0" tIns="0" rIns="0" bIns="0" anchor="ctr" anchorCtr="0">
-            <a:normAutofit lnSpcReduction="20000"/>
+            <a:normAutofit/>
           </a:bodyPr>
           <a:lstStyle>
             <a:lvl1pPr>
@@ -13653,35 +13287,33 @@
               </a:rPr>
               <a:t>系统分层结构</a:t>
             </a:r>
-            <a:endParaRPr lang="zh-CN" altLang="en-US" sz="3600" b="1" dirty="0">
-              <a:solidFill>
-                <a:schemeClr val="tx2"/>
-              </a:solidFill>
-              <a:latin typeface="+mj-lt"/>
-              <a:ea typeface="+mj-ea"/>
-              <a:cs typeface="+mj-cs"/>
-            </a:endParaRPr>
           </a:p>
         </p:txBody>
       </p:sp>
       <p:pic>
         <p:nvPicPr>
-          <p:cNvPr id="8" name="图片 3" descr="面向领域-详细设计"/>
+          <p:cNvPr id="2" name="图片 1"/>
           <p:cNvPicPr>
             <a:picLocks noChangeAspect="1"/>
           </p:cNvPicPr>
           <p:nvPr/>
         </p:nvPicPr>
         <p:blipFill>
-          <a:blip r:embed="rId2"/>
+          <a:blip r:embed="rId5">
+            <a:extLst>
+              <a:ext uri="{28A0092B-C50C-407E-A947-70E740481C1C}">
+                <a14:useLocalDpi xmlns:a14="http://schemas.microsoft.com/office/drawing/2010/main" val="0"/>
+              </a:ext>
+            </a:extLst>
+          </a:blip>
           <a:stretch>
             <a:fillRect/>
           </a:stretch>
         </p:blipFill>
         <p:spPr>
           <a:xfrm>
-            <a:off x="2235200" y="-189865"/>
-            <a:ext cx="7317105" cy="7284085"/>
+            <a:off x="2082800" y="-334309"/>
+            <a:ext cx="7368939" cy="7335482"/>
           </a:xfrm>
           <a:prstGeom prst="rect">
             <a:avLst/>
@@ -13690,7 +13322,7 @@
       </p:pic>
     </p:spTree>
     <p:custDataLst>
-      <p:tags r:id="rId3"/>
+      <p:tags r:id="rId1"/>
     </p:custDataLst>
   </p:cSld>
   <p:clrMapOvr>
@@ -13724,7 +13356,7 @@
           </p:cNvSpPr>
           <p:nvPr>
             <p:custDataLst>
-              <p:tags r:id="rId1"/>
+              <p:tags r:id="rId2"/>
             </p:custDataLst>
           </p:nvPr>
         </p:nvSpPr>
@@ -13908,10 +13540,6 @@
               </a:rPr>
               <a:t>彭伟</a:t>
             </a:r>
-            <a:endParaRPr lang="zh-CN" altLang="en-US" sz="2800">
-              <a:latin typeface="+mn-lt"/>
-              <a:ea typeface="+mn-ea"/>
-            </a:endParaRPr>
           </a:p>
         </p:txBody>
       </p:sp>
@@ -13923,7 +13551,7 @@
           </p:cNvSpPr>
           <p:nvPr>
             <p:custDataLst>
-              <p:tags r:id="rId2"/>
+              <p:tags r:id="rId3"/>
             </p:custDataLst>
           </p:nvPr>
         </p:nvSpPr>
@@ -13950,7 +13578,7 @@
         </p:spPr>
         <p:txBody>
           <a:bodyPr wrap="square" anchor="ctr">
-            <a:normAutofit fontScale="67500" lnSpcReduction="10000"/>
+            <a:normAutofit fontScale="75000" lnSpcReduction="20000"/>
           </a:bodyPr>
           <a:lstStyle>
             <a:lvl1pPr>
@@ -14107,10 +13735,6 @@
               </a:rPr>
               <a:t>毕洪青</a:t>
             </a:r>
-            <a:endParaRPr lang="zh-CN" altLang="en-US" sz="2800">
-              <a:latin typeface="+mn-lt"/>
-              <a:ea typeface="+mn-ea"/>
-            </a:endParaRPr>
           </a:p>
         </p:txBody>
       </p:sp>
@@ -14122,7 +13746,7 @@
           </p:cNvSpPr>
           <p:nvPr>
             <p:custDataLst>
-              <p:tags r:id="rId3"/>
+              <p:tags r:id="rId4"/>
             </p:custDataLst>
           </p:nvPr>
         </p:nvSpPr>
@@ -14149,7 +13773,7 @@
         </p:spPr>
         <p:txBody>
           <a:bodyPr wrap="square" anchor="ctr">
-            <a:normAutofit fontScale="67500" lnSpcReduction="10000"/>
+            <a:normAutofit fontScale="82500" lnSpcReduction="20000"/>
           </a:bodyPr>
           <a:lstStyle>
             <a:lvl1pPr>
@@ -14306,10 +13930,6 @@
               </a:rPr>
               <a:t>黎东东</a:t>
             </a:r>
-            <a:endParaRPr lang="zh-CN" altLang="en-US" sz="2800">
-              <a:latin typeface="+mn-lt"/>
-              <a:ea typeface="+mn-ea"/>
-            </a:endParaRPr>
           </a:p>
         </p:txBody>
       </p:sp>
@@ -14321,7 +13941,7 @@
           </p:cNvSpPr>
           <p:nvPr>
             <p:custDataLst>
-              <p:tags r:id="rId4"/>
+              <p:tags r:id="rId5"/>
             </p:custDataLst>
           </p:nvPr>
         </p:nvSpPr>
@@ -14348,7 +13968,7 @@
         </p:spPr>
         <p:txBody>
           <a:bodyPr wrap="square" anchor="ctr">
-            <a:normAutofit fontScale="67500" lnSpcReduction="10000"/>
+            <a:normAutofit fontScale="75000" lnSpcReduction="20000"/>
           </a:bodyPr>
           <a:lstStyle>
             <a:lvl1pPr>
@@ -14505,10 +14125,6 @@
               </a:rPr>
               <a:t>杜天运</a:t>
             </a:r>
-            <a:endParaRPr lang="zh-CN" altLang="en-US" sz="2800" dirty="0">
-              <a:latin typeface="+mn-lt"/>
-              <a:ea typeface="+mn-ea"/>
-            </a:endParaRPr>
           </a:p>
         </p:txBody>
       </p:sp>
@@ -14518,7 +14134,7 @@
           <p:cNvGrpSpPr/>
           <p:nvPr>
             <p:custDataLst>
-              <p:tags r:id="rId5"/>
+              <p:tags r:id="rId6"/>
             </p:custDataLst>
           </p:nvPr>
         </p:nvGrpSpPr>
@@ -14541,7 +14157,7 @@
             </p:cNvSpPr>
             <p:nvPr>
               <p:custDataLst>
-                <p:tags r:id="rId6"/>
+                <p:tags r:id="rId21"/>
               </p:custDataLst>
             </p:nvPr>
           </p:nvSpPr>
@@ -14591,7 +14207,7 @@
             </p:cNvSpPr>
             <p:nvPr>
               <p:custDataLst>
-                <p:tags r:id="rId7"/>
+                <p:tags r:id="rId22"/>
               </p:custDataLst>
             </p:nvPr>
           </p:nvSpPr>
@@ -14642,7 +14258,7 @@
           </p:cNvSpPr>
           <p:nvPr>
             <p:custDataLst>
-              <p:tags r:id="rId8"/>
+              <p:tags r:id="rId7"/>
             </p:custDataLst>
           </p:nvPr>
         </p:nvSpPr>
@@ -14695,7 +14311,7 @@
           <p:cNvGrpSpPr/>
           <p:nvPr>
             <p:custDataLst>
-              <p:tags r:id="rId9"/>
+              <p:tags r:id="rId8"/>
             </p:custDataLst>
           </p:nvPr>
         </p:nvGrpSpPr>
@@ -14718,7 +14334,7 @@
             </p:cNvSpPr>
             <p:nvPr>
               <p:custDataLst>
-                <p:tags r:id="rId10"/>
+                <p:tags r:id="rId19"/>
               </p:custDataLst>
             </p:nvPr>
           </p:nvSpPr>
@@ -14768,7 +14384,7 @@
             </p:cNvSpPr>
             <p:nvPr>
               <p:custDataLst>
-                <p:tags r:id="rId11"/>
+                <p:tags r:id="rId20"/>
               </p:custDataLst>
             </p:nvPr>
           </p:nvSpPr>
@@ -14819,7 +14435,7 @@
           </p:cNvSpPr>
           <p:nvPr>
             <p:custDataLst>
-              <p:tags r:id="rId12"/>
+              <p:tags r:id="rId9"/>
             </p:custDataLst>
           </p:nvPr>
         </p:nvSpPr>
@@ -14874,7 +14490,7 @@
           </p:cNvSpPr>
           <p:nvPr>
             <p:custDataLst>
-              <p:tags r:id="rId13"/>
+              <p:tags r:id="rId10"/>
             </p:custDataLst>
           </p:nvPr>
         </p:nvSpPr>
@@ -14901,7 +14517,7 @@
         </p:spPr>
         <p:txBody>
           <a:bodyPr wrap="square" anchor="ctr">
-            <a:normAutofit fontScale="67500" lnSpcReduction="10000"/>
+            <a:normAutofit fontScale="82500" lnSpcReduction="20000"/>
           </a:bodyPr>
           <a:lstStyle>
             <a:lvl1pPr>
@@ -15058,10 +14674,6 @@
               </a:rPr>
               <a:t>马晓芸</a:t>
             </a:r>
-            <a:endParaRPr lang="zh-CN" altLang="en-US" sz="2800">
-              <a:latin typeface="+mn-lt"/>
-              <a:ea typeface="+mn-ea"/>
-            </a:endParaRPr>
           </a:p>
         </p:txBody>
       </p:sp>
@@ -15073,7 +14685,7 @@
           </p:cNvSpPr>
           <p:nvPr>
             <p:custDataLst>
-              <p:tags r:id="rId14"/>
+              <p:tags r:id="rId11"/>
             </p:custDataLst>
           </p:nvPr>
         </p:nvSpPr>
@@ -15126,7 +14738,7 @@
           <p:cNvSpPr txBox="1"/>
           <p:nvPr>
             <p:custDataLst>
-              <p:tags r:id="rId15"/>
+              <p:tags r:id="rId12"/>
             </p:custDataLst>
           </p:nvPr>
         </p:nvSpPr>
@@ -15164,7 +14776,7 @@
         </p:spPr>
         <p:txBody>
           <a:bodyPr vert="horz" wrap="square" lIns="90170" tIns="46990" rIns="90170" bIns="46990" numCol="1" anchor="ctr" anchorCtr="1" compatLnSpc="1">
-            <a:normAutofit lnSpcReduction="10000"/>
+            <a:normAutofit/>
           </a:bodyPr>
           <a:lstStyle>
             <a:lvl1pPr marL="0" indent="0" algn="r" eaLnBrk="1" hangingPunct="1">
@@ -15324,11 +14936,6 @@
               </a:rPr>
               <a:t>的实现</a:t>
             </a:r>
-            <a:endParaRPr lang="zh-CN" altLang="en-US" dirty="0">
-              <a:solidFill>
-                <a:schemeClr val="tx1"/>
-              </a:solidFill>
-            </a:endParaRPr>
           </a:p>
         </p:txBody>
       </p:sp>
@@ -15338,7 +14945,7 @@
           <p:cNvSpPr txBox="1"/>
           <p:nvPr>
             <p:custDataLst>
-              <p:tags r:id="rId16"/>
+              <p:tags r:id="rId13"/>
             </p:custDataLst>
           </p:nvPr>
         </p:nvSpPr>
@@ -15528,11 +15135,6 @@
               </a:rPr>
               <a:t>层（数据持久层）方法的编写</a:t>
             </a:r>
-            <a:endParaRPr lang="zh-CN" altLang="en-US" dirty="0">
-              <a:solidFill>
-                <a:schemeClr val="tx1"/>
-              </a:solidFill>
-            </a:endParaRPr>
           </a:p>
         </p:txBody>
       </p:sp>
@@ -15542,7 +15144,7 @@
           <p:cNvSpPr txBox="1"/>
           <p:nvPr>
             <p:custDataLst>
-              <p:tags r:id="rId17"/>
+              <p:tags r:id="rId14"/>
             </p:custDataLst>
           </p:nvPr>
         </p:nvSpPr>
@@ -15739,11 +15341,6 @@
               </a:rPr>
               <a:t>端界面的实现、登录注册的实现</a:t>
             </a:r>
-            <a:endParaRPr lang="zh-CN" altLang="en-US" dirty="0">
-              <a:solidFill>
-                <a:schemeClr val="tx1"/>
-              </a:solidFill>
-            </a:endParaRPr>
           </a:p>
           <a:p>
             <a:endParaRPr lang="zh-CN" altLang="en-US" dirty="0">
@@ -15760,7 +15357,7 @@
           <p:cNvSpPr txBox="1"/>
           <p:nvPr>
             <p:custDataLst>
-              <p:tags r:id="rId18"/>
+              <p:tags r:id="rId15"/>
             </p:custDataLst>
           </p:nvPr>
         </p:nvSpPr>
@@ -15798,7 +15395,7 @@
         </p:spPr>
         <p:txBody>
           <a:bodyPr vert="horz" wrap="square" lIns="90170" tIns="46990" rIns="90170" bIns="46990" numCol="1" anchor="ctr" anchorCtr="1" compatLnSpc="1">
-            <a:normAutofit lnSpcReduction="10000"/>
+            <a:normAutofit/>
           </a:bodyPr>
           <a:lstStyle>
             <a:lvl1pPr marL="15875" indent="-15875" eaLnBrk="1" hangingPunct="1">
@@ -15933,11 +15530,6 @@
               </a:rPr>
               <a:t>套餐及美食食谱Service实现</a:t>
             </a:r>
-            <a:endParaRPr lang="zh-CN" altLang="en-US">
-              <a:solidFill>
-                <a:schemeClr val="tx1"/>
-              </a:solidFill>
-            </a:endParaRPr>
           </a:p>
         </p:txBody>
       </p:sp>
@@ -15947,7 +15539,7 @@
           <p:cNvSpPr txBox="1"/>
           <p:nvPr>
             <p:custDataLst>
-              <p:tags r:id="rId19"/>
+              <p:tags r:id="rId16"/>
             </p:custDataLst>
           </p:nvPr>
         </p:nvSpPr>
@@ -15985,7 +15577,7 @@
         </p:spPr>
         <p:txBody>
           <a:bodyPr vert="horz" wrap="square" lIns="90170" tIns="46990" rIns="90170" bIns="46990" numCol="1" anchor="ctr" anchorCtr="1" compatLnSpc="1">
-            <a:normAutofit lnSpcReduction="10000"/>
+            <a:normAutofit/>
           </a:bodyPr>
           <a:lstStyle>
             <a:lvl1pPr marL="8255" indent="-8255" eaLnBrk="1" hangingPunct="1">
@@ -16152,11 +15744,6 @@
               </a:rPr>
               <a:t>编写</a:t>
             </a:r>
-            <a:endParaRPr lang="zh-CN" altLang="en-US">
-              <a:solidFill>
-                <a:schemeClr val="tx1"/>
-              </a:solidFill>
-            </a:endParaRPr>
           </a:p>
         </p:txBody>
       </p:sp>
@@ -16168,7 +15755,7 @@
           </p:cNvSpPr>
           <p:nvPr>
             <p:custDataLst>
-              <p:tags r:id="rId20"/>
+              <p:tags r:id="rId17"/>
             </p:custDataLst>
           </p:nvPr>
         </p:nvSpPr>
@@ -16365,7 +15952,7 @@
           <p:cNvSpPr txBox="1"/>
           <p:nvPr>
             <p:custDataLst>
-              <p:tags r:id="rId21"/>
+              <p:tags r:id="rId18"/>
             </p:custDataLst>
           </p:nvPr>
         </p:nvSpPr>
@@ -16519,13 +16106,12 @@
               <a:rPr lang="zh-CN" altLang="en-US" dirty="0"/>
               <a:t>具体任务分工</a:t>
             </a:r>
-            <a:endParaRPr lang="zh-CN" altLang="en-US" dirty="0"/>
           </a:p>
         </p:txBody>
       </p:sp>
     </p:spTree>
     <p:custDataLst>
-      <p:tags r:id="rId22"/>
+      <p:tags r:id="rId1"/>
     </p:custDataLst>
   </p:cSld>
   <p:clrMapOvr>
@@ -16559,7 +16145,7 @@
           </p:cNvSpPr>
           <p:nvPr>
             <p:custDataLst>
-              <p:tags r:id="rId1"/>
+              <p:tags r:id="rId2"/>
             </p:custDataLst>
           </p:nvPr>
         </p:nvSpPr>
@@ -16756,14 +16342,6 @@
               </a:rPr>
               <a:t>控制层</a:t>
             </a:r>
-            <a:endParaRPr lang="en-US" altLang="zh-CN" sz="3600" b="1" dirty="0">
-              <a:solidFill>
-                <a:schemeClr val="tx2"/>
-              </a:solidFill>
-              <a:latin typeface="+mj-lt"/>
-              <a:ea typeface="+mj-ea"/>
-              <a:cs typeface="+mj-cs"/>
-            </a:endParaRPr>
           </a:p>
         </p:txBody>
       </p:sp>
@@ -16791,6 +16369,7 @@
                 <a:tc>
                   <a:txBody>
                     <a:bodyPr/>
+                    <a:lstStyle/>
                     <a:p>
                       <a:pPr marL="0" indent="0" algn="ctr">
                         <a:buNone/>
@@ -16803,14 +16382,9 @@
                         </a:rPr>
                         <a:t>活动名</a:t>
                       </a:r>
-                      <a:endParaRPr lang="zh-CN" altLang="en-US" sz="1800" b="0" u="none">
-                        <a:latin typeface="宋体" charset="0"/>
-                        <a:ea typeface="宋体" charset="0"/>
-                        <a:cs typeface="宋体" charset="0"/>
-                      </a:endParaRPr>
                     </a:p>
                   </a:txBody>
-                  <a:tcPr marL="0" marR="68580" marT="0" marB="0" vert="horz" anchor="t">
+                  <a:tcPr marL="0" marR="68580" marT="0" marB="0">
                     <a:lnL w="12700" cap="flat" cmpd="sng">
                       <a:solidFill>
                         <a:srgbClr val="080000"/>
@@ -16855,6 +16429,7 @@
                 <a:tc>
                   <a:txBody>
                     <a:bodyPr/>
+                    <a:lstStyle/>
                     <a:p>
                       <a:pPr marL="0" indent="0" algn="ctr">
                         <a:buNone/>
@@ -16867,14 +16442,9 @@
                         </a:rPr>
                         <a:t>在程序中的命名</a:t>
                       </a:r>
-                      <a:endParaRPr lang="zh-CN" altLang="en-US" sz="1800" b="0" u="none">
-                        <a:latin typeface="宋体" charset="0"/>
-                        <a:ea typeface="宋体" charset="0"/>
-                        <a:cs typeface="宋体" charset="0"/>
-                      </a:endParaRPr>
                     </a:p>
                   </a:txBody>
-                  <a:tcPr marL="0" marR="68580" marT="0" marB="0" vert="horz" anchor="t">
+                  <a:tcPr marL="0" marR="68580" marT="0" marB="0">
                     <a:lnL w="12700" cap="flat" cmpd="sng">
                       <a:solidFill>
                         <a:srgbClr val="080000"/>
@@ -16921,6 +16491,7 @@
                 <a:tc>
                   <a:txBody>
                     <a:bodyPr/>
+                    <a:lstStyle/>
                     <a:p>
                       <a:pPr marL="0" indent="0" algn="ctr">
                         <a:buNone/>
@@ -16941,14 +16512,9 @@
                         </a:rPr>
                         <a:t>Activity</a:t>
                       </a:r>
-                      <a:endParaRPr lang="en-US" altLang="zh-CN" sz="1800" b="0" u="none">
-                        <a:latin typeface="宋体" charset="0"/>
-                        <a:ea typeface="宋体" charset="0"/>
-                        <a:cs typeface="宋体" charset="0"/>
-                      </a:endParaRPr>
                     </a:p>
                   </a:txBody>
-                  <a:tcPr marL="0" marR="68580" marT="0" marB="0" vert="horz" anchor="t">
+                  <a:tcPr marL="0" marR="68580" marT="0" marB="0">
                     <a:lnL w="12700" cap="flat" cmpd="sng">
                       <a:solidFill>
                         <a:srgbClr val="080000"/>
@@ -16993,6 +16559,7 @@
                 <a:tc>
                   <a:txBody>
                     <a:bodyPr/>
+                    <a:lstStyle/>
                     <a:p>
                       <a:pPr marL="0" indent="0" algn="ctr">
                         <a:buNone/>
@@ -17005,14 +16572,9 @@
                         </a:rPr>
                         <a:t>UserActivity.java</a:t>
                       </a:r>
-                      <a:endParaRPr lang="en-US" altLang="zh-CN" sz="1800" b="0" u="none">
-                        <a:latin typeface="宋体" charset="0"/>
-                        <a:ea typeface="宋体" charset="0"/>
-                        <a:cs typeface="宋体" charset="0"/>
-                      </a:endParaRPr>
                     </a:p>
                   </a:txBody>
-                  <a:tcPr marL="0" marR="68580" marT="0" marB="0" vert="horz" anchor="t">
+                  <a:tcPr marL="0" marR="68580" marT="0" marB="0">
                     <a:lnL w="12700" cap="flat" cmpd="sng">
                       <a:solidFill>
                         <a:srgbClr val="080000"/>
@@ -17059,6 +16621,7 @@
                 <a:tc>
                   <a:txBody>
                     <a:bodyPr/>
+                    <a:lstStyle/>
                     <a:p>
                       <a:pPr marL="0" indent="0" algn="ctr">
                         <a:buNone/>
@@ -17079,14 +16642,9 @@
                         </a:rPr>
                         <a:t>Activity</a:t>
                       </a:r>
-                      <a:endParaRPr lang="en-US" altLang="zh-CN" sz="1800" b="0" u="none">
-                        <a:latin typeface="宋体" charset="0"/>
-                        <a:ea typeface="宋体" charset="0"/>
-                        <a:cs typeface="宋体" charset="0"/>
-                      </a:endParaRPr>
                     </a:p>
                   </a:txBody>
-                  <a:tcPr marL="0" marR="68580" marT="0" marB="0" vert="horz" anchor="t">
+                  <a:tcPr marL="0" marR="68580" marT="0" marB="0">
                     <a:lnL w="12700" cap="flat" cmpd="sng">
                       <a:solidFill>
                         <a:srgbClr val="080000"/>
@@ -17131,6 +16689,7 @@
                 <a:tc>
                   <a:txBody>
                     <a:bodyPr/>
+                    <a:lstStyle/>
                     <a:p>
                       <a:pPr marL="0" indent="0" algn="ctr">
                         <a:buNone/>
@@ -17143,14 +16702,9 @@
                         </a:rPr>
                         <a:t>MainActivity.java</a:t>
                       </a:r>
-                      <a:endParaRPr lang="en-US" altLang="zh-CN" sz="1800" b="0" u="none">
-                        <a:latin typeface="宋体" charset="0"/>
-                        <a:ea typeface="宋体" charset="0"/>
-                        <a:cs typeface="宋体" charset="0"/>
-                      </a:endParaRPr>
                     </a:p>
                   </a:txBody>
-                  <a:tcPr marL="0" marR="68580" marT="0" marB="0" vert="horz" anchor="t">
+                  <a:tcPr marL="0" marR="68580" marT="0" marB="0">
                     <a:lnL w="12700" cap="flat" cmpd="sng">
                       <a:solidFill>
                         <a:srgbClr val="080000"/>
@@ -17197,6 +16751,7 @@
                 <a:tc>
                   <a:txBody>
                     <a:bodyPr/>
+                    <a:lstStyle/>
                     <a:p>
                       <a:pPr marL="0" indent="0" algn="ctr">
                         <a:buNone/>
@@ -17217,14 +16772,9 @@
                         </a:rPr>
                         <a:t>Activity</a:t>
                       </a:r>
-                      <a:endParaRPr lang="en-US" altLang="zh-CN" sz="1800" b="0" u="none">
-                        <a:latin typeface="宋体" charset="0"/>
-                        <a:ea typeface="宋体" charset="0"/>
-                        <a:cs typeface="宋体" charset="0"/>
-                      </a:endParaRPr>
                     </a:p>
                   </a:txBody>
-                  <a:tcPr marL="0" marR="68580" marT="0" marB="0" vert="horz" anchor="t">
+                  <a:tcPr marL="0" marR="68580" marT="0" marB="0">
                     <a:lnL w="12700" cap="flat" cmpd="sng">
                       <a:solidFill>
                         <a:srgbClr val="080000"/>
@@ -17269,6 +16819,7 @@
                 <a:tc>
                   <a:txBody>
                     <a:bodyPr/>
+                    <a:lstStyle/>
                     <a:p>
                       <a:pPr marL="0" indent="0" algn="ctr">
                         <a:buNone/>
@@ -17281,14 +16832,9 @@
                         </a:rPr>
                         <a:t>SeasonsetActivity.java</a:t>
                       </a:r>
-                      <a:endParaRPr lang="en-US" altLang="zh-CN" sz="1800" b="0" u="none">
-                        <a:latin typeface="宋体" charset="0"/>
-                        <a:ea typeface="宋体" charset="0"/>
-                        <a:cs typeface="宋体" charset="0"/>
-                      </a:endParaRPr>
                     </a:p>
                   </a:txBody>
-                  <a:tcPr marL="0" marR="68580" marT="0" marB="0" vert="horz" anchor="t">
+                  <a:tcPr marL="0" marR="68580" marT="0" marB="0">
                     <a:lnL w="12700" cap="flat" cmpd="sng">
                       <a:solidFill>
                         <a:srgbClr val="080000"/>
@@ -17335,6 +16881,7 @@
                 <a:tc>
                   <a:txBody>
                     <a:bodyPr/>
+                    <a:lstStyle/>
                     <a:p>
                       <a:pPr marL="0" indent="0" algn="ctr">
                         <a:buNone/>
@@ -17355,14 +16902,9 @@
                         </a:rPr>
                         <a:t>Activity</a:t>
                       </a:r>
-                      <a:endParaRPr lang="en-US" altLang="zh-CN" sz="1800" b="0" u="none">
-                        <a:latin typeface="宋体" charset="0"/>
-                        <a:ea typeface="宋体" charset="0"/>
-                        <a:cs typeface="宋体" charset="0"/>
-                      </a:endParaRPr>
                     </a:p>
                   </a:txBody>
-                  <a:tcPr marL="0" marR="68580" marT="0" marB="0" vert="horz" anchor="t">
+                  <a:tcPr marL="0" marR="68580" marT="0" marB="0">
                     <a:lnL w="12700" cap="flat" cmpd="sng">
                       <a:solidFill>
                         <a:srgbClr val="080000"/>
@@ -17407,6 +16949,7 @@
                 <a:tc>
                   <a:txBody>
                     <a:bodyPr/>
+                    <a:lstStyle/>
                     <a:p>
                       <a:pPr marL="0" indent="0" algn="ctr">
                         <a:buNone/>
@@ -17419,14 +16962,9 @@
                         </a:rPr>
                         <a:t>RecipeActivity.java</a:t>
                       </a:r>
-                      <a:endParaRPr lang="en-US" altLang="zh-CN" sz="1800" b="0" u="none">
-                        <a:latin typeface="宋体" charset="0"/>
-                        <a:ea typeface="宋体" charset="0"/>
-                        <a:cs typeface="宋体" charset="0"/>
-                      </a:endParaRPr>
                     </a:p>
                   </a:txBody>
-                  <a:tcPr marL="0" marR="68580" marT="0" marB="0" vert="horz" anchor="t">
+                  <a:tcPr marL="0" marR="68580" marT="0" marB="0">
                     <a:lnL w="12700" cap="flat" cmpd="sng">
                       <a:solidFill>
                         <a:srgbClr val="080000"/>
@@ -17473,6 +17011,7 @@
                 <a:tc>
                   <a:txBody>
                     <a:bodyPr/>
+                    <a:lstStyle/>
                     <a:p>
                       <a:pPr marL="0" indent="0" algn="ctr">
                         <a:buNone/>
@@ -17493,14 +17032,9 @@
                         </a:rPr>
                         <a:t>Activity</a:t>
                       </a:r>
-                      <a:endParaRPr lang="en-US" altLang="zh-CN" sz="1800" b="0" u="none">
-                        <a:latin typeface="宋体" charset="0"/>
-                        <a:ea typeface="宋体" charset="0"/>
-                        <a:cs typeface="宋体" charset="0"/>
-                      </a:endParaRPr>
                     </a:p>
                   </a:txBody>
-                  <a:tcPr marL="0" marR="68580" marT="0" marB="0" vert="horz" anchor="t">
+                  <a:tcPr marL="0" marR="68580" marT="0" marB="0">
                     <a:lnL w="12700" cap="flat" cmpd="sng">
                       <a:solidFill>
                         <a:srgbClr val="080000"/>
@@ -17545,6 +17079,7 @@
                 <a:tc>
                   <a:txBody>
                     <a:bodyPr/>
+                    <a:lstStyle/>
                     <a:p>
                       <a:pPr marL="0" indent="0" algn="ctr">
                         <a:buNone/>
@@ -17557,14 +17092,9 @@
                         </a:rPr>
                         <a:t>FoodCircleActivity.java</a:t>
                       </a:r>
-                      <a:endParaRPr lang="en-US" altLang="zh-CN" sz="1800" b="0" u="none">
-                        <a:latin typeface="宋体" charset="0"/>
-                        <a:ea typeface="宋体" charset="0"/>
-                        <a:cs typeface="宋体" charset="0"/>
-                      </a:endParaRPr>
                     </a:p>
                   </a:txBody>
-                  <a:tcPr marL="0" marR="68580" marT="0" marB="0" vert="horz" anchor="t">
+                  <a:tcPr marL="0" marR="68580" marT="0" marB="0">
                     <a:lnL w="12700" cap="flat" cmpd="sng">
                       <a:solidFill>
                         <a:srgbClr val="080000"/>
@@ -17611,6 +17141,7 @@
                 <a:tc>
                   <a:txBody>
                     <a:bodyPr/>
+                    <a:lstStyle/>
                     <a:p>
                       <a:pPr marL="0" indent="0" algn="ctr">
                         <a:buNone/>
@@ -17631,14 +17162,9 @@
                         </a:rPr>
                         <a:t>Activity</a:t>
                       </a:r>
-                      <a:endParaRPr lang="en-US" altLang="zh-CN" sz="1800" b="0" u="none">
-                        <a:latin typeface="宋体" charset="0"/>
-                        <a:ea typeface="宋体" charset="0"/>
-                        <a:cs typeface="宋体" charset="0"/>
-                      </a:endParaRPr>
                     </a:p>
                   </a:txBody>
-                  <a:tcPr marL="0" marR="68580" marT="0" marB="0" vert="horz" anchor="t">
+                  <a:tcPr marL="0" marR="68580" marT="0" marB="0">
                     <a:lnL w="12700" cap="flat" cmpd="sng">
                       <a:solidFill>
                         <a:srgbClr val="080000"/>
@@ -17683,6 +17209,7 @@
                 <a:tc>
                   <a:txBody>
                     <a:bodyPr/>
+                    <a:lstStyle/>
                     <a:p>
                       <a:pPr marL="0" indent="0" algn="ctr">
                         <a:buNone/>
@@ -17695,14 +17222,9 @@
                         </a:rPr>
                         <a:t>UpActivity.java</a:t>
                       </a:r>
-                      <a:endParaRPr lang="en-US" altLang="zh-CN" sz="1800" b="0" u="none">
-                        <a:latin typeface="宋体" charset="0"/>
-                        <a:ea typeface="宋体" charset="0"/>
-                        <a:cs typeface="宋体" charset="0"/>
-                      </a:endParaRPr>
                     </a:p>
                   </a:txBody>
-                  <a:tcPr marL="0" marR="68580" marT="0" marB="0" vert="horz" anchor="t">
+                  <a:tcPr marL="0" marR="68580" marT="0" marB="0">
                     <a:lnL w="12700" cap="flat" cmpd="sng">
                       <a:solidFill>
                         <a:srgbClr val="080000"/>
@@ -17751,7 +17273,7 @@
       </p:graphicFrame>
     </p:spTree>
     <p:custDataLst>
-      <p:tags r:id="rId2"/>
+      <p:tags r:id="rId1"/>
     </p:custDataLst>
   </p:cSld>
   <p:clrMapOvr>
@@ -17785,7 +17307,7 @@
           </p:cNvSpPr>
           <p:nvPr>
             <p:custDataLst>
-              <p:tags r:id="rId1"/>
+              <p:tags r:id="rId2"/>
             </p:custDataLst>
           </p:nvPr>
         </p:nvSpPr>
@@ -17982,20 +17504,12 @@
               </a:rPr>
               <a:t>业务逻辑层</a:t>
             </a:r>
-            <a:endParaRPr lang="zh-CN" altLang="en-US" sz="3600" b="1" dirty="0">
-              <a:solidFill>
-                <a:schemeClr val="tx2"/>
-              </a:solidFill>
-              <a:latin typeface="+mj-lt"/>
-              <a:ea typeface="+mj-ea"/>
-              <a:cs typeface="+mj-cs"/>
-            </a:endParaRPr>
           </a:p>
         </p:txBody>
       </p:sp>
       <p:graphicFrame>
         <p:nvGraphicFramePr>
-          <p:cNvPr id="0" name="表格 -1"/>
+          <p:cNvPr id="2" name="表格 -1"/>
           <p:cNvGraphicFramePr/>
           <p:nvPr/>
         </p:nvGraphicFramePr>
@@ -18017,6 +17531,7 @@
                 <a:tc>
                   <a:txBody>
                     <a:bodyPr/>
+                    <a:lstStyle/>
                     <a:p>
                       <a:pPr marL="0" indent="0" algn="ctr">
                         <a:buNone/>
@@ -18029,14 +17544,9 @@
                         </a:rPr>
                         <a:t>接口名</a:t>
                       </a:r>
-                      <a:endParaRPr lang="zh-CN" altLang="en-US" sz="2000" b="0" u="none">
-                        <a:latin typeface="宋体" charset="0"/>
-                        <a:ea typeface="宋体" charset="0"/>
-                        <a:cs typeface="宋体" charset="0"/>
-                      </a:endParaRPr>
                     </a:p>
                   </a:txBody>
-                  <a:tcPr marL="68580" marR="68580" marT="0" marB="127000" vert="horz" anchor="t">
+                  <a:tcPr marL="68580" marR="68580" marT="0" marB="127000">
                     <a:lnL w="12700" cap="flat" cmpd="sng">
                       <a:solidFill>
                         <a:srgbClr val="080000"/>
@@ -18081,6 +17591,7 @@
                 <a:tc>
                   <a:txBody>
                     <a:bodyPr/>
+                    <a:lstStyle/>
                     <a:p>
                       <a:pPr marL="0" indent="0" algn="ctr">
                         <a:buNone/>
@@ -18093,14 +17604,9 @@
                         </a:rPr>
                         <a:t>在程序中的命名</a:t>
                       </a:r>
-                      <a:endParaRPr lang="zh-CN" altLang="en-US" sz="2000" b="0" u="none">
-                        <a:latin typeface="宋体" charset="0"/>
-                        <a:ea typeface="宋体" charset="0"/>
-                        <a:cs typeface="宋体" charset="0"/>
-                      </a:endParaRPr>
                     </a:p>
                   </a:txBody>
-                  <a:tcPr marL="68580" marR="68580" marT="0" marB="127000" vert="horz" anchor="t">
+                  <a:tcPr marL="68580" marR="68580" marT="0" marB="127000">
                     <a:lnL w="12700" cap="flat" cmpd="sng">
                       <a:solidFill>
                         <a:srgbClr val="080000"/>
@@ -18147,6 +17653,7 @@
                 <a:tc>
                   <a:txBody>
                     <a:bodyPr/>
+                    <a:lstStyle/>
                     <a:p>
                       <a:pPr marL="0" indent="0" algn="ctr">
                         <a:buNone/>
@@ -18167,14 +17674,9 @@
                         </a:rPr>
                         <a:t>ServiceService</a:t>
                       </a:r>
-                      <a:endParaRPr lang="en-US" altLang="zh-CN" sz="2000" b="0" u="none">
-                        <a:latin typeface="宋体" charset="0"/>
-                        <a:ea typeface="宋体" charset="0"/>
-                        <a:cs typeface="宋体" charset="0"/>
-                      </a:endParaRPr>
                     </a:p>
                   </a:txBody>
-                  <a:tcPr marL="68580" marR="68580" marT="0" marB="127000" vert="horz" anchor="t">
+                  <a:tcPr marL="68580" marR="68580" marT="0" marB="127000">
                     <a:lnL w="12700" cap="flat" cmpd="sng">
                       <a:solidFill>
                         <a:srgbClr val="080000"/>
@@ -18219,6 +17721,7 @@
                 <a:tc>
                   <a:txBody>
                     <a:bodyPr/>
+                    <a:lstStyle/>
                     <a:p>
                       <a:pPr marL="0" indent="0" algn="ctr">
                         <a:buNone/>
@@ -18255,11 +17758,6 @@
                         </a:rPr>
                         <a:t>.java</a:t>
                       </a:r>
-                      <a:endParaRPr lang="en-US" altLang="zh-CN" sz="2000" b="0" u="none">
-                        <a:latin typeface="Calibri" charset="0"/>
-                        <a:ea typeface="Calibri" charset="0"/>
-                        <a:cs typeface="Calibri" charset="0"/>
-                      </a:endParaRPr>
                     </a:p>
                     <a:p>
                       <a:pPr marL="0" indent="0" algn="ctr">
@@ -18273,14 +17771,9 @@
                         </a:rPr>
                         <a:t>UserServiceImpl.java</a:t>
                       </a:r>
-                      <a:endParaRPr lang="en-US" altLang="zh-CN" sz="2000" b="0" u="none">
-                        <a:latin typeface="宋体" charset="0"/>
-                        <a:ea typeface="宋体" charset="0"/>
-                        <a:cs typeface="宋体" charset="0"/>
-                      </a:endParaRPr>
                     </a:p>
                   </a:txBody>
-                  <a:tcPr marL="68580" marR="68580" marT="0" marB="127000" vert="horz" anchor="t">
+                  <a:tcPr marL="68580" marR="68580" marT="0" marB="127000">
                     <a:lnL w="12700" cap="flat" cmpd="sng">
                       <a:solidFill>
                         <a:srgbClr val="080000"/>
@@ -18327,6 +17820,7 @@
                 <a:tc>
                   <a:txBody>
                     <a:bodyPr/>
+                    <a:lstStyle/>
                     <a:p>
                       <a:pPr marL="0" indent="0" algn="ctr">
                         <a:buNone/>
@@ -18347,14 +17841,9 @@
                         </a:rPr>
                         <a:t>ServiceService</a:t>
                       </a:r>
-                      <a:endParaRPr lang="en-US" altLang="zh-CN" sz="2000" b="0" u="none">
-                        <a:latin typeface="宋体" charset="0"/>
-                        <a:ea typeface="宋体" charset="0"/>
-                        <a:cs typeface="宋体" charset="0"/>
-                      </a:endParaRPr>
                     </a:p>
                   </a:txBody>
-                  <a:tcPr marL="68580" marR="68580" marT="0" marB="127000" vert="horz" anchor="t">
+                  <a:tcPr marL="68580" marR="68580" marT="0" marB="127000">
                     <a:lnL w="12700" cap="flat" cmpd="sng">
                       <a:solidFill>
                         <a:srgbClr val="080000"/>
@@ -18399,6 +17888,7 @@
                 <a:tc>
                   <a:txBody>
                     <a:bodyPr/>
+                    <a:lstStyle/>
                     <a:p>
                       <a:pPr marL="0" indent="0" algn="ctr">
                         <a:buNone/>
@@ -18411,11 +17901,6 @@
                         </a:rPr>
                         <a:t>HomePageService.java</a:t>
                       </a:r>
-                      <a:endParaRPr lang="en-US" altLang="zh-CN" sz="2000" b="0" u="none">
-                        <a:latin typeface="宋体" charset="0"/>
-                        <a:ea typeface="宋体" charset="0"/>
-                        <a:cs typeface="宋体" charset="0"/>
-                      </a:endParaRPr>
                     </a:p>
                     <a:p>
                       <a:pPr marL="0" indent="0" algn="ctr">
@@ -18429,14 +17914,9 @@
                         </a:rPr>
                         <a:t>HomePageServiceImpl.java</a:t>
                       </a:r>
-                      <a:endParaRPr lang="en-US" altLang="zh-CN" sz="2000" b="0" u="none">
-                        <a:latin typeface="宋体" charset="0"/>
-                        <a:ea typeface="宋体" charset="0"/>
-                        <a:cs typeface="宋体" charset="0"/>
-                      </a:endParaRPr>
                     </a:p>
                   </a:txBody>
-                  <a:tcPr marL="68580" marR="68580" marT="0" marB="127000" vert="horz" anchor="t">
+                  <a:tcPr marL="68580" marR="68580" marT="0" marB="127000">
                     <a:lnL w="12700" cap="flat" cmpd="sng">
                       <a:solidFill>
                         <a:srgbClr val="080000"/>
@@ -18483,6 +17963,7 @@
                 <a:tc>
                   <a:txBody>
                     <a:bodyPr/>
+                    <a:lstStyle/>
                     <a:p>
                       <a:pPr marL="0" indent="0" algn="ctr">
                         <a:buNone/>
@@ -18503,14 +17984,9 @@
                         </a:rPr>
                         <a:t>ServiceService</a:t>
                       </a:r>
-                      <a:endParaRPr lang="en-US" altLang="zh-CN" sz="2000" b="0" u="none">
-                        <a:latin typeface="宋体" charset="0"/>
-                        <a:ea typeface="宋体" charset="0"/>
-                        <a:cs typeface="宋体" charset="0"/>
-                      </a:endParaRPr>
                     </a:p>
                   </a:txBody>
-                  <a:tcPr marL="68580" marR="68580" marT="0" marB="127000" vert="horz" anchor="t">
+                  <a:tcPr marL="68580" marR="68580" marT="0" marB="127000">
                     <a:lnL w="12700" cap="flat" cmpd="sng">
                       <a:solidFill>
                         <a:srgbClr val="080000"/>
@@ -18555,6 +18031,7 @@
                 <a:tc>
                   <a:txBody>
                     <a:bodyPr/>
+                    <a:lstStyle/>
                     <a:p>
                       <a:pPr marL="0" indent="0" algn="ctr">
                         <a:buNone/>
@@ -18575,11 +18052,6 @@
                         </a:rPr>
                         <a:t>.java</a:t>
                       </a:r>
-                      <a:endParaRPr lang="en-US" altLang="zh-CN" sz="2000" b="0" u="none">
-                        <a:latin typeface="Calibri" charset="0"/>
-                        <a:ea typeface="Calibri" charset="0"/>
-                        <a:cs typeface="Calibri" charset="0"/>
-                      </a:endParaRPr>
                     </a:p>
                     <a:p>
                       <a:pPr marL="0" indent="0" algn="ctr">
@@ -18601,14 +18073,9 @@
                         </a:rPr>
                         <a:t>Impl.java</a:t>
                       </a:r>
-                      <a:endParaRPr lang="en-US" altLang="zh-CN" sz="2000" b="0" u="none">
-                        <a:latin typeface="Calibri" charset="0"/>
-                        <a:ea typeface="Calibri" charset="0"/>
-                        <a:cs typeface="Calibri" charset="0"/>
-                      </a:endParaRPr>
                     </a:p>
                   </a:txBody>
-                  <a:tcPr marL="68580" marR="68580" marT="0" marB="127000" vert="horz" anchor="t">
+                  <a:tcPr marL="68580" marR="68580" marT="0" marB="127000">
                     <a:lnL w="12700" cap="flat" cmpd="sng">
                       <a:solidFill>
                         <a:srgbClr val="080000"/>
@@ -18655,6 +18122,7 @@
                 <a:tc>
                   <a:txBody>
                     <a:bodyPr/>
+                    <a:lstStyle/>
                     <a:p>
                       <a:pPr marL="0" indent="0" algn="ctr">
                         <a:buNone/>
@@ -18675,14 +18143,9 @@
                         </a:rPr>
                         <a:t>ServiceService</a:t>
                       </a:r>
-                      <a:endParaRPr lang="en-US" altLang="zh-CN" sz="2000" b="0" u="none">
-                        <a:latin typeface="宋体" charset="0"/>
-                        <a:ea typeface="宋体" charset="0"/>
-                        <a:cs typeface="宋体" charset="0"/>
-                      </a:endParaRPr>
                     </a:p>
                   </a:txBody>
-                  <a:tcPr marL="68580" marR="68580" marT="0" marB="127000" vert="horz" anchor="t">
+                  <a:tcPr marL="68580" marR="68580" marT="0" marB="127000">
                     <a:lnL w="12700" cap="flat" cmpd="sng">
                       <a:solidFill>
                         <a:srgbClr val="080000"/>
@@ -18727,6 +18190,7 @@
                 <a:tc>
                   <a:txBody>
                     <a:bodyPr/>
+                    <a:lstStyle/>
                     <a:p>
                       <a:pPr marL="0" indent="0" algn="ctr">
                         <a:buNone/>
@@ -18747,11 +18211,6 @@
                         </a:rPr>
                         <a:t>.java</a:t>
                       </a:r>
-                      <a:endParaRPr lang="en-US" altLang="zh-CN" sz="2000" b="0" u="none">
-                        <a:latin typeface="Calibri" charset="0"/>
-                        <a:ea typeface="Calibri" charset="0"/>
-                        <a:cs typeface="Calibri" charset="0"/>
-                      </a:endParaRPr>
                     </a:p>
                     <a:p>
                       <a:pPr marL="0" indent="0" algn="ctr">
@@ -18765,14 +18224,9 @@
                         </a:rPr>
                         <a:t>FoodCircleServiceImpl.java</a:t>
                       </a:r>
-                      <a:endParaRPr lang="en-US" altLang="zh-CN" sz="2000" b="0" u="none">
-                        <a:latin typeface="宋体" charset="0"/>
-                        <a:ea typeface="宋体" charset="0"/>
-                        <a:cs typeface="宋体" charset="0"/>
-                      </a:endParaRPr>
                     </a:p>
                   </a:txBody>
-                  <a:tcPr marL="68580" marR="68580" marT="0" marB="127000" vert="horz" anchor="t">
+                  <a:tcPr marL="68580" marR="68580" marT="0" marB="127000">
                     <a:lnL w="12700" cap="flat" cmpd="sng">
                       <a:solidFill>
                         <a:srgbClr val="080000"/>
@@ -18819,6 +18273,7 @@
                 <a:tc>
                   <a:txBody>
                     <a:bodyPr/>
+                    <a:lstStyle/>
                     <a:p>
                       <a:pPr marL="0" indent="0" algn="ctr">
                         <a:buNone/>
@@ -18839,14 +18294,9 @@
                         </a:rPr>
                         <a:t>ServiceService</a:t>
                       </a:r>
-                      <a:endParaRPr lang="en-US" altLang="zh-CN" sz="2000" b="0" u="none">
-                        <a:latin typeface="宋体" charset="0"/>
-                        <a:ea typeface="宋体" charset="0"/>
-                        <a:cs typeface="宋体" charset="0"/>
-                      </a:endParaRPr>
                     </a:p>
                   </a:txBody>
-                  <a:tcPr marL="68580" marR="68580" marT="0" marB="127000" vert="horz" anchor="t">
+                  <a:tcPr marL="68580" marR="68580" marT="0" marB="127000">
                     <a:lnL w="12700" cap="flat" cmpd="sng">
                       <a:solidFill>
                         <a:srgbClr val="080000"/>
@@ -18891,6 +18341,7 @@
                 <a:tc>
                   <a:txBody>
                     <a:bodyPr/>
+                    <a:lstStyle/>
                     <a:p>
                       <a:pPr marL="0" indent="0" algn="ctr">
                         <a:buNone/>
@@ -18911,11 +18362,6 @@
                         </a:rPr>
                         <a:t>.java</a:t>
                       </a:r>
-                      <a:endParaRPr lang="en-US" altLang="zh-CN" sz="2000" b="0" u="none">
-                        <a:latin typeface="Calibri" charset="0"/>
-                        <a:ea typeface="Calibri" charset="0"/>
-                        <a:cs typeface="Calibri" charset="0"/>
-                      </a:endParaRPr>
                     </a:p>
                     <a:p>
                       <a:pPr marL="0" indent="0" algn="ctr">
@@ -18929,14 +18375,9 @@
                         </a:rPr>
                         <a:t>AdminServiceImpl.java</a:t>
                       </a:r>
-                      <a:endParaRPr lang="en-US" altLang="zh-CN" sz="2000" b="0" u="none">
-                        <a:latin typeface="宋体" charset="0"/>
-                        <a:ea typeface="宋体" charset="0"/>
-                        <a:cs typeface="宋体" charset="0"/>
-                      </a:endParaRPr>
                     </a:p>
                   </a:txBody>
-                  <a:tcPr marL="68580" marR="68580" marT="0" marB="127000" vert="horz" anchor="t">
+                  <a:tcPr marL="68580" marR="68580" marT="0" marB="127000">
                     <a:lnL w="12700" cap="flat" cmpd="sng">
                       <a:solidFill>
                         <a:srgbClr val="080000"/>
@@ -18985,7 +18426,7 @@
       </p:graphicFrame>
     </p:spTree>
     <p:custDataLst>
-      <p:tags r:id="rId2"/>
+      <p:tags r:id="rId1"/>
     </p:custDataLst>
   </p:cSld>
   <p:clrMapOvr>
@@ -19019,7 +18460,7 @@
           </p:cNvSpPr>
           <p:nvPr>
             <p:custDataLst>
-              <p:tags r:id="rId1"/>
+              <p:tags r:id="rId2"/>
             </p:custDataLst>
           </p:nvPr>
         </p:nvSpPr>
@@ -19216,14 +18657,6 @@
               </a:rPr>
               <a:t>数据持久层</a:t>
             </a:r>
-            <a:endParaRPr lang="zh-CN" altLang="en-US" sz="3600" b="1" dirty="0">
-              <a:solidFill>
-                <a:schemeClr val="tx2"/>
-              </a:solidFill>
-              <a:latin typeface="+mj-lt"/>
-              <a:ea typeface="+mj-ea"/>
-              <a:cs typeface="+mj-cs"/>
-            </a:endParaRPr>
           </a:p>
         </p:txBody>
       </p:sp>
@@ -19236,7 +18669,7 @@
           <p:nvPr/>
         </p:nvPicPr>
         <p:blipFill>
-          <a:blip r:embed="rId2"/>
+          <a:blip r:embed="rId5"/>
           <a:stretch>
             <a:fillRect/>
           </a:stretch>
@@ -19271,6 +18704,7 @@
           <a:bodyPr wrap="none" rtlCol="0">
             <a:spAutoFit/>
           </a:bodyPr>
+          <a:lstStyle/>
           <a:p>
             <a:r>
               <a:rPr lang="en-US" altLang="zh-CN"/>
@@ -19280,13 +18714,12 @@
               <a:rPr lang="zh-CN" altLang="en-US"/>
               <a:t>图</a:t>
             </a:r>
-            <a:endParaRPr lang="zh-CN" altLang="en-US"/>
           </a:p>
         </p:txBody>
       </p:sp>
     </p:spTree>
     <p:custDataLst>
-      <p:tags r:id="rId3"/>
+      <p:tags r:id="rId1"/>
     </p:custDataLst>
   </p:cSld>
   <p:clrMapOvr>
@@ -19296,7 +18729,7 @@
 </file>
 
 <file path=ppt/tags/tag1.xml><?xml version="1.0" encoding="utf-8"?>
-<p:tagLst xmlns:p="http://schemas.openxmlformats.org/presentationml/2006/main">
+<p:tagLst xmlns:a="http://schemas.openxmlformats.org/drawingml/2006/main" xmlns:r="http://schemas.openxmlformats.org/officeDocument/2006/relationships" xmlns:p="http://schemas.openxmlformats.org/presentationml/2006/main">
   <p:tag name="KSO_WM_BEAUTIFY_FLAG" val="#wm#"/>
   <p:tag name="KSO_WM_UNIT_TYPE" val="i"/>
   <p:tag name="KSO_WM_UNIT_ID" val="281*i*3"/>
@@ -19306,7 +18739,27 @@
 </file>
 
 <file path=ppt/tags/tag10.xml><?xml version="1.0" encoding="utf-8"?>
-<p:tagLst xmlns:p="http://schemas.openxmlformats.org/presentationml/2006/main">
+<p:tagLst xmlns:a="http://schemas.openxmlformats.org/drawingml/2006/main" xmlns:r="http://schemas.openxmlformats.org/officeDocument/2006/relationships" xmlns:p="http://schemas.openxmlformats.org/presentationml/2006/main">
+  <p:tag name="KSO_WM_TAG_VERSION" val="1.0"/>
+  <p:tag name="KSO_WM_BEAUTIFY_FLAG" val="#wm#"/>
+  <p:tag name="KSO_WM_TEMPLATE_CATEGORY" val="custom"/>
+  <p:tag name="KSO_WM_TEMPLATE_INDEX" val="160003"/>
+  <p:tag name="KSO_WM_UNIT_TYPE" val="l_h_f"/>
+  <p:tag name="KSO_WM_UNIT_INDEX" val="1_1_1"/>
+  <p:tag name="KSO_WM_UNIT_CLEAR" val="1"/>
+  <p:tag name="KSO_WM_UNIT_LAYERLEVEL" val="1_1_1"/>
+  <p:tag name="KSO_WM_UNIT_VALUE" val="75"/>
+  <p:tag name="KSO_WM_UNIT_HIGHLIGHT" val="0"/>
+  <p:tag name="KSO_WM_UNIT_COMPATIBLE" val="0"/>
+  <p:tag name="KSO_WM_UNIT_ID" val="custom160003_19*l_h_f*1_1_1"/>
+  <p:tag name="KSO_WM_UNIT_PRESET_TEXT_INDEX" val="2"/>
+  <p:tag name="KSO_WM_UNIT_PRESET_TEXT_LEN" val="40"/>
+  <p:tag name="KSO_WM_DIAGRAM_GROUP_CODE" val="l1-3"/>
+</p:tagLst>
+</file>
+
+<file path=ppt/tags/tag11.xml><?xml version="1.0" encoding="utf-8"?>
+<p:tagLst xmlns:a="http://schemas.openxmlformats.org/drawingml/2006/main" xmlns:r="http://schemas.openxmlformats.org/officeDocument/2006/relationships" xmlns:p="http://schemas.openxmlformats.org/presentationml/2006/main">
   <p:tag name="KSO_WM_TAG_VERSION" val="1.0"/>
   <p:tag name="KSO_WM_BEAUTIFY_FLAG" val="#wm#"/>
   <p:tag name="KSO_WM_TEMPLATE_CATEGORY" val="custom"/>
@@ -19325,8 +18778,8 @@
 </p:tagLst>
 </file>
 
-<file path=ppt/tags/tag11.xml><?xml version="1.0" encoding="utf-8"?>
-<p:tagLst xmlns:p="http://schemas.openxmlformats.org/presentationml/2006/main">
+<file path=ppt/tags/tag12.xml><?xml version="1.0" encoding="utf-8"?>
+<p:tagLst xmlns:a="http://schemas.openxmlformats.org/drawingml/2006/main" xmlns:r="http://schemas.openxmlformats.org/officeDocument/2006/relationships" xmlns:p="http://schemas.openxmlformats.org/presentationml/2006/main">
   <p:tag name="KSO_WM_TAG_VERSION" val="1.0"/>
   <p:tag name="KSO_WM_BEAUTIFY_FLAG" val="#wm#"/>
   <p:tag name="KSO_WM_TEMPLATE_CATEGORY" val="custom"/>
@@ -19345,8 +18798,8 @@
 </p:tagLst>
 </file>
 
-<file path=ppt/tags/tag12.xml><?xml version="1.0" encoding="utf-8"?>
-<p:tagLst xmlns:p="http://schemas.openxmlformats.org/presentationml/2006/main">
+<file path=ppt/tags/tag13.xml><?xml version="1.0" encoding="utf-8"?>
+<p:tagLst xmlns:a="http://schemas.openxmlformats.org/drawingml/2006/main" xmlns:r="http://schemas.openxmlformats.org/officeDocument/2006/relationships" xmlns:p="http://schemas.openxmlformats.org/presentationml/2006/main">
   <p:tag name="KSO_WM_TAG_VERSION" val="1.0"/>
   <p:tag name="KSO_WM_BEAUTIFY_FLAG" val="#wm#"/>
   <p:tag name="KSO_WM_UNIT_TYPE" val="i"/>
@@ -19357,8 +18810,8 @@
 </p:tagLst>
 </file>
 
-<file path=ppt/tags/tag13.xml><?xml version="1.0" encoding="utf-8"?>
-<p:tagLst xmlns:p="http://schemas.openxmlformats.org/presentationml/2006/main">
+<file path=ppt/tags/tag14.xml><?xml version="1.0" encoding="utf-8"?>
+<p:tagLst xmlns:a="http://schemas.openxmlformats.org/drawingml/2006/main" xmlns:r="http://schemas.openxmlformats.org/officeDocument/2006/relationships" xmlns:p="http://schemas.openxmlformats.org/presentationml/2006/main">
   <p:tag name="KSO_WM_TAG_VERSION" val="1.0"/>
   <p:tag name="KSO_WM_BEAUTIFY_FLAG" val="#wm#"/>
   <p:tag name="KSO_WM_TEMPLATE_CATEGORY" val="custom"/>
@@ -19377,26 +18830,26 @@
 </p:tagLst>
 </file>
 
-<file path=ppt/tags/tag14.xml><?xml version="1.0" encoding="utf-8"?>
-<p:tagLst xmlns:p="http://schemas.openxmlformats.org/presentationml/2006/main">
-  <p:tag name="KSO_WM_SLIDE_ID" val="custom160003_19"/>
-  <p:tag name="KSO_WM_SLIDE_INDEX" val="19"/>
-  <p:tag name="KSO_WM_SLIDE_LAYOUT" val="a_l"/>
+<file path=ppt/tags/tag15.xml><?xml version="1.0" encoding="utf-8"?>
+<p:tagLst xmlns:a="http://schemas.openxmlformats.org/drawingml/2006/main" xmlns:r="http://schemas.openxmlformats.org/officeDocument/2006/relationships" xmlns:p="http://schemas.openxmlformats.org/presentationml/2006/main">
+  <p:tag name="KSO_WM_SLIDE_ID" val="custom160003_23"/>
+  <p:tag name="KSO_WM_SLIDE_INDEX" val="23"/>
+  <p:tag name="KSO_WM_SLIDE_LAYOUT" val="a_q"/>
   <p:tag name="KSO_WM_SLIDE_LAYOUT_CNT" val="1_1"/>
   <p:tag name="KSO_WM_SLIDE_TYPE" val="text"/>
   <p:tag name="KSO_WM_BEAUTIFY_FLAG" val="#wm#"/>
-  <p:tag name="KSO_WM_SLIDE_POSITION" val="197*130"/>
-  <p:tag name="KSO_WM_SLIDE_SIZE" val="592*342"/>
-  <p:tag name="KSO_WM_SLIDE_ITEM_CNT" val="3"/>
+  <p:tag name="KSO_WM_SLIDE_POSITION" val="61*149"/>
+  <p:tag name="KSO_WM_SLIDE_SIZE" val="831*292"/>
+  <p:tag name="KSO_WM_SLIDE_ITEM_CNT" val="2"/>
   <p:tag name="KSO_WM_TEMPLATE_CATEGORY" val="custom"/>
   <p:tag name="KSO_WM_TEMPLATE_INDEX" val="160003"/>
   <p:tag name="KSO_WM_TAG_VERSION" val="1.0"/>
-  <p:tag name="KSO_WM_DIAGRAM_GROUP_CODE" val="l1-3"/>
+  <p:tag name="KSO_WM_DIAGRAM_GROUP_CODE" val="q1-1"/>
 </p:tagLst>
 </file>
 
-<file path=ppt/tags/tag15.xml><?xml version="1.0" encoding="utf-8"?>
-<p:tagLst xmlns:p="http://schemas.openxmlformats.org/presentationml/2006/main">
+<file path=ppt/tags/tag16.xml><?xml version="1.0" encoding="utf-8"?>
+<p:tagLst xmlns:a="http://schemas.openxmlformats.org/drawingml/2006/main" xmlns:r="http://schemas.openxmlformats.org/officeDocument/2006/relationships" xmlns:p="http://schemas.openxmlformats.org/presentationml/2006/main">
   <p:tag name="KSO_WM_TAG_VERSION" val="1.0"/>
   <p:tag name="KSO_WM_BEAUTIFY_FLAG" val="#wm#"/>
   <p:tag name="KSO_WM_UNIT_TYPE" val="i"/>
@@ -19407,8 +18860,8 @@
 </p:tagLst>
 </file>
 
-<file path=ppt/tags/tag16.xml><?xml version="1.0" encoding="utf-8"?>
-<p:tagLst xmlns:p="http://schemas.openxmlformats.org/presentationml/2006/main">
+<file path=ppt/tags/tag17.xml><?xml version="1.0" encoding="utf-8"?>
+<p:tagLst xmlns:a="http://schemas.openxmlformats.org/drawingml/2006/main" xmlns:r="http://schemas.openxmlformats.org/officeDocument/2006/relationships" xmlns:p="http://schemas.openxmlformats.org/presentationml/2006/main">
   <p:tag name="KSO_WM_TAG_VERSION" val="1.0"/>
   <p:tag name="KSO_WM_BEAUTIFY_FLAG" val="#wm#"/>
   <p:tag name="KSO_WM_TEMPLATE_CATEGORY" val="custom"/>
@@ -19427,26 +18880,26 @@
 </p:tagLst>
 </file>
 
-<file path=ppt/tags/tag17.xml><?xml version="1.0" encoding="utf-8"?>
-<p:tagLst xmlns:p="http://schemas.openxmlformats.org/presentationml/2006/main">
-  <p:tag name="KSO_WM_SLIDE_ID" val="custom160003_23"/>
-  <p:tag name="KSO_WM_SLIDE_INDEX" val="23"/>
-  <p:tag name="KSO_WM_SLIDE_LAYOUT" val="a_q"/>
+<file path=ppt/tags/tag18.xml><?xml version="1.0" encoding="utf-8"?>
+<p:tagLst xmlns:a="http://schemas.openxmlformats.org/drawingml/2006/main" xmlns:r="http://schemas.openxmlformats.org/officeDocument/2006/relationships" xmlns:p="http://schemas.openxmlformats.org/presentationml/2006/main">
+  <p:tag name="KSO_WM_SLIDE_ID" val="diagram160353_2"/>
+  <p:tag name="KSO_WM_SLIDE_INDEX" val="2"/>
+  <p:tag name="KSO_WM_SLIDE_ITEM_CNT" val="5"/>
+  <p:tag name="KSO_WM_SLIDE_LAYOUT" val="m_a"/>
   <p:tag name="KSO_WM_SLIDE_LAYOUT_CNT" val="1_1"/>
   <p:tag name="KSO_WM_SLIDE_TYPE" val="text"/>
   <p:tag name="KSO_WM_BEAUTIFY_FLAG" val="#wm#"/>
-  <p:tag name="KSO_WM_SLIDE_POSITION" val="61*149"/>
-  <p:tag name="KSO_WM_SLIDE_SIZE" val="831*292"/>
-  <p:tag name="KSO_WM_SLIDE_ITEM_CNT" val="2"/>
-  <p:tag name="KSO_WM_TEMPLATE_CATEGORY" val="custom"/>
-  <p:tag name="KSO_WM_TEMPLATE_INDEX" val="160003"/>
+  <p:tag name="KSO_WM_SLIDE_POSITION" val="50*175"/>
+  <p:tag name="KSO_WM_SLIDE_SIZE" val="868*288"/>
+  <p:tag name="KSO_WM_TEMPLATE_CATEGORY" val="diagram"/>
+  <p:tag name="KSO_WM_TEMPLATE_INDEX" val="160353"/>
+  <p:tag name="KSO_WM_DIAGRAM_GROUP_CODE" val="m1-1"/>
   <p:tag name="KSO_WM_TAG_VERSION" val="1.0"/>
-  <p:tag name="KSO_WM_DIAGRAM_GROUP_CODE" val="q1-1"/>
 </p:tagLst>
 </file>
 
-<file path=ppt/tags/tag18.xml><?xml version="1.0" encoding="utf-8"?>
-<p:tagLst xmlns:p="http://schemas.openxmlformats.org/presentationml/2006/main">
+<file path=ppt/tags/tag19.xml><?xml version="1.0" encoding="utf-8"?>
+<p:tagLst xmlns:a="http://schemas.openxmlformats.org/drawingml/2006/main" xmlns:r="http://schemas.openxmlformats.org/officeDocument/2006/relationships" xmlns:p="http://schemas.openxmlformats.org/presentationml/2006/main">
   <p:tag name="KSO_WM_TAG_VERSION" val="1.0"/>
   <p:tag name="KSO_WM_BEAUTIFY_FLAG" val="#wm#"/>
   <p:tag name="KSO_WM_UNIT_TYPE" val="i"/>
@@ -19456,8 +18909,152 @@
 </p:tagLst>
 </file>
 
-<file path=ppt/tags/tag19.xml><?xml version="1.0" encoding="utf-8"?>
-<p:tagLst xmlns:p="http://schemas.openxmlformats.org/presentationml/2006/main">
+<file path=ppt/tags/tag2.xml><?xml version="1.0" encoding="utf-8"?>
+<p:tagLst xmlns:a="http://schemas.openxmlformats.org/drawingml/2006/main" xmlns:r="http://schemas.openxmlformats.org/officeDocument/2006/relationships" xmlns:p="http://schemas.openxmlformats.org/presentationml/2006/main">
+  <p:tag name="KSO_WM_BEAUTIFY_FLAG" val="#wm#"/>
+  <p:tag name="KSO_WM_UNIT_TYPE" val="i"/>
+  <p:tag name="KSO_WM_UNIT_ID" val="281*i*7"/>
+  <p:tag name="KSO_WM_TEMPLATE_CATEGORY" val="custom"/>
+  <p:tag name="KSO_WM_TEMPLATE_INDEX" val="3"/>
+</p:tagLst>
+</file>
+
+<file path=ppt/tags/tag20.xml><?xml version="1.0" encoding="utf-8"?>
+<p:tagLst xmlns:a="http://schemas.openxmlformats.org/drawingml/2006/main" xmlns:r="http://schemas.openxmlformats.org/officeDocument/2006/relationships" xmlns:p="http://schemas.openxmlformats.org/presentationml/2006/main">
+  <p:tag name="KSO_WM_TAG_VERSION" val="1.0"/>
+  <p:tag name="KSO_WM_BEAUTIFY_FLAG" val="#wm#"/>
+  <p:tag name="KSO_WM_UNIT_TYPE" val="i"/>
+  <p:tag name="KSO_WM_UNIT_ID" val="diagram160353_2*i*5"/>
+  <p:tag name="KSO_WM_TEMPLATE_CATEGORY" val="diagram"/>
+  <p:tag name="KSO_WM_TEMPLATE_INDEX" val="160353"/>
+</p:tagLst>
+</file>
+
+<file path=ppt/tags/tag21.xml><?xml version="1.0" encoding="utf-8"?>
+<p:tagLst xmlns:a="http://schemas.openxmlformats.org/drawingml/2006/main" xmlns:r="http://schemas.openxmlformats.org/officeDocument/2006/relationships" xmlns:p="http://schemas.openxmlformats.org/presentationml/2006/main">
+  <p:tag name="KSO_WM_TAG_VERSION" val="1.0"/>
+  <p:tag name="KSO_WM_BEAUTIFY_FLAG" val="#wm#"/>
+  <p:tag name="KSO_WM_UNIT_TYPE" val="i"/>
+  <p:tag name="KSO_WM_UNIT_ID" val="diagram160353_2*i*10"/>
+  <p:tag name="KSO_WM_TEMPLATE_CATEGORY" val="diagram"/>
+  <p:tag name="KSO_WM_TEMPLATE_INDEX" val="160353"/>
+</p:tagLst>
+</file>
+
+<file path=ppt/tags/tag22.xml><?xml version="1.0" encoding="utf-8"?>
+<p:tagLst xmlns:a="http://schemas.openxmlformats.org/drawingml/2006/main" xmlns:r="http://schemas.openxmlformats.org/officeDocument/2006/relationships" xmlns:p="http://schemas.openxmlformats.org/presentationml/2006/main">
+  <p:tag name="KSO_WM_TAG_VERSION" val="1.0"/>
+  <p:tag name="KSO_WM_BEAUTIFY_FLAG" val="#wm#"/>
+  <p:tag name="KSO_WM_UNIT_TYPE" val="i"/>
+  <p:tag name="KSO_WM_UNIT_ID" val="custom160003_27*i*26"/>
+  <p:tag name="KSO_WM_TEMPLATE_CATEGORY" val="custom"/>
+  <p:tag name="KSO_WM_TEMPLATE_INDEX" val="160003"/>
+  <p:tag name="KSO_WM_UNIT_INDEX" val="26"/>
+</p:tagLst>
+</file>
+
+<file path=ppt/tags/tag23.xml><?xml version="1.0" encoding="utf-8"?>
+<p:tagLst xmlns:a="http://schemas.openxmlformats.org/drawingml/2006/main" xmlns:r="http://schemas.openxmlformats.org/officeDocument/2006/relationships" xmlns:p="http://schemas.openxmlformats.org/presentationml/2006/main">
+  <p:tag name="KSO_WM_TAG_VERSION" val="1.0"/>
+  <p:tag name="KSO_WM_BEAUTIFY_FLAG" val="#wm#"/>
+  <p:tag name="KSO_WM_TEMPLATE_CATEGORY" val="custom"/>
+  <p:tag name="KSO_WM_TEMPLATE_INDEX" val="160003"/>
+  <p:tag name="KSO_WM_UNIT_TYPE" val="a"/>
+  <p:tag name="KSO_WM_UNIT_INDEX" val="1"/>
+  <p:tag name="KSO_WM_UNIT_ID" val="custom160003_27*a*1"/>
+  <p:tag name="KSO_WM_UNIT_CLEAR" val="1"/>
+  <p:tag name="KSO_WM_UNIT_LAYERLEVEL" val="1"/>
+  <p:tag name="KSO_WM_UNIT_VALUE" val="15"/>
+  <p:tag name="KSO_WM_UNIT_ISCONTENTSTITLE" val="0"/>
+  <p:tag name="KSO_WM_UNIT_HIGHLIGHT" val="0"/>
+  <p:tag name="KSO_WM_UNIT_COMPATIBLE" val="0"/>
+  <p:tag name="KSO_WM_UNIT_PRESET_TEXT_INDEX" val="0"/>
+  <p:tag name="KSO_WM_UNIT_PRESET_TEXT_LEN" val="9"/>
+</p:tagLst>
+</file>
+
+<file path=ppt/tags/tag24.xml><?xml version="1.0" encoding="utf-8"?>
+<p:tagLst xmlns:a="http://schemas.openxmlformats.org/drawingml/2006/main" xmlns:r="http://schemas.openxmlformats.org/officeDocument/2006/relationships" xmlns:p="http://schemas.openxmlformats.org/presentationml/2006/main">
+  <p:tag name="KSO_WM_TAG_VERSION" val="1.0"/>
+  <p:tag name="KSO_WM_BEAUTIFY_FLAG" val="#wm#"/>
+  <p:tag name="KSO_WM_TEMPLATE_CATEGORY" val="diagram"/>
+  <p:tag name="KSO_WM_TEMPLATE_INDEX" val="160353"/>
+  <p:tag name="KSO_WM_UNIT_TYPE" val="m_h_a"/>
+  <p:tag name="KSO_WM_UNIT_INDEX" val="1_3_1"/>
+  <p:tag name="KSO_WM_UNIT_ID" val="diagram160353_2*m_h_a*1_3_1"/>
+  <p:tag name="KSO_WM_UNIT_CLEAR" val="1"/>
+  <p:tag name="KSO_WM_UNIT_LAYERLEVEL" val="1_1_1"/>
+  <p:tag name="KSO_WM_UNIT_VALUE" val="16"/>
+  <p:tag name="KSO_WM_UNIT_HIGHLIGHT" val="0"/>
+  <p:tag name="KSO_WM_UNIT_COMPATIBLE" val="0"/>
+  <p:tag name="KSO_WM_UNIT_PRESET_TEXT_INDEX" val="3"/>
+  <p:tag name="KSO_WM_UNIT_PRESET_TEXT_LEN" val="12"/>
+  <p:tag name="KSO_WM_DIAGRAM_GROUP_CODE" val="m1-1"/>
+</p:tagLst>
+</file>
+
+<file path=ppt/tags/tag25.xml><?xml version="1.0" encoding="utf-8"?>
+<p:tagLst xmlns:a="http://schemas.openxmlformats.org/drawingml/2006/main" xmlns:r="http://schemas.openxmlformats.org/officeDocument/2006/relationships" xmlns:p="http://schemas.openxmlformats.org/presentationml/2006/main">
+  <p:tag name="KSO_WM_TAG_VERSION" val="1.0"/>
+  <p:tag name="KSO_WM_BEAUTIFY_FLAG" val="#wm#"/>
+  <p:tag name="KSO_WM_TEMPLATE_CATEGORY" val="diagram"/>
+  <p:tag name="KSO_WM_TEMPLATE_INDEX" val="160353"/>
+  <p:tag name="KSO_WM_UNIT_TYPE" val="m_h_f"/>
+  <p:tag name="KSO_WM_UNIT_INDEX" val="1_3_1"/>
+  <p:tag name="KSO_WM_UNIT_ID" val="diagram160353_2*m_h_f*1_3_1"/>
+  <p:tag name="KSO_WM_UNIT_CLEAR" val="1"/>
+  <p:tag name="KSO_WM_UNIT_LAYERLEVEL" val="1_1_1"/>
+  <p:tag name="KSO_WM_UNIT_VALUE" val="49"/>
+  <p:tag name="KSO_WM_UNIT_HIGHLIGHT" val="0"/>
+  <p:tag name="KSO_WM_UNIT_COMPATIBLE" val="0"/>
+  <p:tag name="KSO_WM_UNIT_PRESET_TEXT_INDEX" val="4"/>
+  <p:tag name="KSO_WM_UNIT_PRESET_TEXT_LEN" val="74"/>
+  <p:tag name="KSO_WM_DIAGRAM_GROUP_CODE" val="m1-1"/>
+</p:tagLst>
+</file>
+
+<file path=ppt/tags/tag26.xml><?xml version="1.0" encoding="utf-8"?>
+<p:tagLst xmlns:a="http://schemas.openxmlformats.org/drawingml/2006/main" xmlns:r="http://schemas.openxmlformats.org/officeDocument/2006/relationships" xmlns:p="http://schemas.openxmlformats.org/presentationml/2006/main">
+  <p:tag name="KSO_WM_TAG_VERSION" val="1.0"/>
+  <p:tag name="KSO_WM_BEAUTIFY_FLAG" val="#wm#"/>
+  <p:tag name="KSO_WM_TEMPLATE_CATEGORY" val="diagram"/>
+  <p:tag name="KSO_WM_TEMPLATE_INDEX" val="160353"/>
+  <p:tag name="KSO_WM_UNIT_TYPE" val="m_h_a"/>
+  <p:tag name="KSO_WM_UNIT_INDEX" val="1_2_1"/>
+  <p:tag name="KSO_WM_UNIT_ID" val="diagram160353_2*m_h_a*1_2_1"/>
+  <p:tag name="KSO_WM_UNIT_CLEAR" val="1"/>
+  <p:tag name="KSO_WM_UNIT_LAYERLEVEL" val="1_1_1"/>
+  <p:tag name="KSO_WM_UNIT_VALUE" val="16"/>
+  <p:tag name="KSO_WM_UNIT_HIGHLIGHT" val="0"/>
+  <p:tag name="KSO_WM_UNIT_COMPATIBLE" val="0"/>
+  <p:tag name="KSO_WM_UNIT_PRESET_TEXT_INDEX" val="3"/>
+  <p:tag name="KSO_WM_UNIT_PRESET_TEXT_LEN" val="12"/>
+  <p:tag name="KSO_WM_DIAGRAM_GROUP_CODE" val="m1-1"/>
+</p:tagLst>
+</file>
+
+<file path=ppt/tags/tag27.xml><?xml version="1.0" encoding="utf-8"?>
+<p:tagLst xmlns:a="http://schemas.openxmlformats.org/drawingml/2006/main" xmlns:r="http://schemas.openxmlformats.org/officeDocument/2006/relationships" xmlns:p="http://schemas.openxmlformats.org/presentationml/2006/main">
+  <p:tag name="KSO_WM_TAG_VERSION" val="1.0"/>
+  <p:tag name="KSO_WM_BEAUTIFY_FLAG" val="#wm#"/>
+  <p:tag name="KSO_WM_TEMPLATE_CATEGORY" val="diagram"/>
+  <p:tag name="KSO_WM_TEMPLATE_INDEX" val="160353"/>
+  <p:tag name="KSO_WM_UNIT_TYPE" val="m_h_f"/>
+  <p:tag name="KSO_WM_UNIT_INDEX" val="1_2_1"/>
+  <p:tag name="KSO_WM_UNIT_ID" val="diagram160353_2*m_h_f*1_2_1"/>
+  <p:tag name="KSO_WM_UNIT_CLEAR" val="1"/>
+  <p:tag name="KSO_WM_UNIT_LAYERLEVEL" val="1_1_1"/>
+  <p:tag name="KSO_WM_UNIT_VALUE" val="49"/>
+  <p:tag name="KSO_WM_UNIT_HIGHLIGHT" val="0"/>
+  <p:tag name="KSO_WM_UNIT_COMPATIBLE" val="0"/>
+  <p:tag name="KSO_WM_UNIT_PRESET_TEXT_INDEX" val="4"/>
+  <p:tag name="KSO_WM_UNIT_PRESET_TEXT_LEN" val="74"/>
+  <p:tag name="KSO_WM_DIAGRAM_GROUP_CODE" val="m1-1"/>
+</p:tagLst>
+</file>
+
+<file path=ppt/tags/tag28.xml><?xml version="1.0" encoding="utf-8"?>
+<p:tagLst xmlns:a="http://schemas.openxmlformats.org/drawingml/2006/main" xmlns:r="http://schemas.openxmlformats.org/officeDocument/2006/relationships" xmlns:p="http://schemas.openxmlformats.org/presentationml/2006/main">
   <p:tag name="KSO_WM_TAG_VERSION" val="1.0"/>
   <p:tag name="KSO_WM_BEAUTIFY_FLAG" val="#wm#"/>
   <p:tag name="KSO_WM_TEMPLATE_CATEGORY" val="diagram"/>
@@ -19476,18 +19073,8 @@
 </p:tagLst>
 </file>
 
-<file path=ppt/tags/tag2.xml><?xml version="1.0" encoding="utf-8"?>
-<p:tagLst xmlns:p="http://schemas.openxmlformats.org/presentationml/2006/main">
-  <p:tag name="KSO_WM_BEAUTIFY_FLAG" val="#wm#"/>
-  <p:tag name="KSO_WM_UNIT_TYPE" val="i"/>
-  <p:tag name="KSO_WM_UNIT_ID" val="281*i*7"/>
-  <p:tag name="KSO_WM_TEMPLATE_CATEGORY" val="custom"/>
-  <p:tag name="KSO_WM_TEMPLATE_INDEX" val="3"/>
-</p:tagLst>
-</file>
-
-<file path=ppt/tags/tag20.xml><?xml version="1.0" encoding="utf-8"?>
-<p:tagLst xmlns:p="http://schemas.openxmlformats.org/presentationml/2006/main">
+<file path=ppt/tags/tag29.xml><?xml version="1.0" encoding="utf-8"?>
+<p:tagLst xmlns:a="http://schemas.openxmlformats.org/drawingml/2006/main" xmlns:r="http://schemas.openxmlformats.org/officeDocument/2006/relationships" xmlns:p="http://schemas.openxmlformats.org/presentationml/2006/main">
   <p:tag name="KSO_WM_TAG_VERSION" val="1.0"/>
   <p:tag name="KSO_WM_BEAUTIFY_FLAG" val="#wm#"/>
   <p:tag name="KSO_WM_TEMPLATE_CATEGORY" val="diagram"/>
@@ -19506,110 +19093,328 @@
 </p:tagLst>
 </file>
 
-<file path=ppt/tags/tag21.xml><?xml version="1.0" encoding="utf-8"?>
-<p:tagLst xmlns:p="http://schemas.openxmlformats.org/presentationml/2006/main">
+<file path=ppt/tags/tag3.xml><?xml version="1.0" encoding="utf-8"?>
+<p:tagLst xmlns:a="http://schemas.openxmlformats.org/drawingml/2006/main" xmlns:r="http://schemas.openxmlformats.org/officeDocument/2006/relationships" xmlns:p="http://schemas.openxmlformats.org/presentationml/2006/main">
+  <p:tag name="KSO_WM_BEAUTIFY_FLAG" val="#wm#"/>
+  <p:tag name="KSO_WM_UNIT_TYPE" val="i"/>
+  <p:tag name="KSO_WM_UNIT_ID" val="281*i*8"/>
+  <p:tag name="KSO_WM_TEMPLATE_CATEGORY" val="custom"/>
+  <p:tag name="KSO_WM_TEMPLATE_INDEX" val="3"/>
+</p:tagLst>
+</file>
+
+<file path=ppt/tags/tag30.xml><?xml version="1.0" encoding="utf-8"?>
+<p:tagLst xmlns:a="http://schemas.openxmlformats.org/drawingml/2006/main" xmlns:r="http://schemas.openxmlformats.org/officeDocument/2006/relationships" xmlns:p="http://schemas.openxmlformats.org/presentationml/2006/main">
+  <p:tag name="KSO_WM_SLIDE_ID" val="custom160003_7"/>
+  <p:tag name="KSO_WM_SLIDE_INDEX" val="7"/>
+  <p:tag name="KSO_WM_SLIDE_LAYOUT" val="a_l"/>
+  <p:tag name="KSO_WM_SLIDE_LAYOUT_CNT" val="1_1"/>
+  <p:tag name="KSO_WM_SLIDE_TYPE" val="text"/>
+  <p:tag name="KSO_WM_BEAUTIFY_FLAG" val="#wm#"/>
+  <p:tag name="KSO_WM_SLIDE_POSITION" val="115*111"/>
+  <p:tag name="KSO_WM_SLIDE_SIZE" val="704*385"/>
+  <p:tag name="KSO_WM_SLIDE_ITEM_CNT" val="3"/>
+  <p:tag name="KSO_WM_TEMPLATE_CATEGORY" val="custom"/>
+  <p:tag name="KSO_WM_TEMPLATE_INDEX" val="160003"/>
+  <p:tag name="KSO_WM_TAG_VERSION" val="1.0"/>
+  <p:tag name="KSO_WM_DIAGRAM_GROUP_CODE" val="l1-1"/>
+</p:tagLst>
+</file>
+
+<file path=ppt/tags/tag31.xml><?xml version="1.0" encoding="utf-8"?>
+<p:tagLst xmlns:a="http://schemas.openxmlformats.org/drawingml/2006/main" xmlns:r="http://schemas.openxmlformats.org/officeDocument/2006/relationships" xmlns:p="http://schemas.openxmlformats.org/presentationml/2006/main">
+  <p:tag name="KSO_WM_TAG_VERSION" val="1.0"/>
+  <p:tag name="KSO_WM_BEAUTIFY_FLAG" val="#wm#"/>
+  <p:tag name="KSO_WM_TEMPLATE_CATEGORY" val="custom"/>
+  <p:tag name="KSO_WM_TEMPLATE_INDEX" val="160003"/>
+  <p:tag name="KSO_WM_UNIT_TYPE" val="a"/>
+  <p:tag name="KSO_WM_UNIT_INDEX" val="1"/>
+  <p:tag name="KSO_WM_UNIT_CLEAR" val="1"/>
+  <p:tag name="KSO_WM_UNIT_LAYERLEVEL" val="1"/>
+  <p:tag name="KSO_WM_UNIT_VALUE" val="14"/>
+  <p:tag name="KSO_WM_UNIT_ISCONTENTSTITLE" val="0"/>
+  <p:tag name="KSO_WM_UNIT_HIGHLIGHT" val="0"/>
+  <p:tag name="KSO_WM_UNIT_COMPATIBLE" val="0"/>
+  <p:tag name="KSO_WM_UNIT_ID" val="custom160003_7*a*1"/>
+  <p:tag name="KSO_WM_UNIT_PRESET_TEXT_INDEX" val="0"/>
+  <p:tag name="KSO_WM_UNIT_PRESET_TEXT_LEN" val="9"/>
+</p:tagLst>
+</file>
+
+<file path=ppt/tags/tag32.xml><?xml version="1.0" encoding="utf-8"?>
+<p:tagLst xmlns:a="http://schemas.openxmlformats.org/drawingml/2006/main" xmlns:r="http://schemas.openxmlformats.org/officeDocument/2006/relationships" xmlns:p="http://schemas.openxmlformats.org/presentationml/2006/main">
+  <p:tag name="KSO_WM_SLIDE_ID" val="custom160003_27"/>
+  <p:tag name="KSO_WM_SLIDE_INDEX" val="27"/>
+  <p:tag name="KSO_WM_SLIDE_LAYOUT" val="a_q"/>
+  <p:tag name="KSO_WM_SLIDE_LAYOUT_CNT" val="1_1"/>
+  <p:tag name="KSO_WM_SLIDE_TYPE" val="text"/>
+  <p:tag name="KSO_WM_BEAUTIFY_FLAG" val="#wm#"/>
+  <p:tag name="KSO_WM_SLIDE_POSITION" val="82*136"/>
+  <p:tag name="KSO_WM_SLIDE_SIZE" val="761*396"/>
+  <p:tag name="KSO_WM_SLIDE_ITEM_CNT" val="6"/>
+  <p:tag name="KSO_WM_TEMPLATE_CATEGORY" val="custom"/>
+  <p:tag name="KSO_WM_TEMPLATE_INDEX" val="160003"/>
+  <p:tag name="KSO_WM_TAG_VERSION" val="1.0"/>
+  <p:tag name="KSO_WM_DIAGRAM_GROUP_CODE" val="q1-1"/>
+</p:tagLst>
+</file>
+
+<file path=ppt/tags/tag33.xml><?xml version="1.0" encoding="utf-8"?>
+<p:tagLst xmlns:a="http://schemas.openxmlformats.org/drawingml/2006/main" xmlns:r="http://schemas.openxmlformats.org/officeDocument/2006/relationships" xmlns:p="http://schemas.openxmlformats.org/presentationml/2006/main">
+  <p:tag name="KSO_WM_TAG_VERSION" val="1.0"/>
+  <p:tag name="KSO_WM_BEAUTIFY_FLAG" val="#wm#"/>
+  <p:tag name="KSO_WM_TEMPLATE_CATEGORY" val="custom"/>
+  <p:tag name="KSO_WM_TEMPLATE_INDEX" val="160003"/>
+  <p:tag name="KSO_WM_UNIT_TYPE" val="q_i"/>
+  <p:tag name="KSO_WM_UNIT_INDEX" val="1_1"/>
+  <p:tag name="KSO_WM_UNIT_ID" val="custom160003_27*q_i*1_1"/>
+  <p:tag name="KSO_WM_UNIT_CLEAR" val="1"/>
+  <p:tag name="KSO_WM_UNIT_LAYERLEVEL" val="1_1"/>
+  <p:tag name="KSO_WM_DIAGRAM_GROUP_CODE" val="q1-1"/>
+</p:tagLst>
+</file>
+
+<file path=ppt/tags/tag34.xml><?xml version="1.0" encoding="utf-8"?>
+<p:tagLst xmlns:a="http://schemas.openxmlformats.org/drawingml/2006/main" xmlns:r="http://schemas.openxmlformats.org/officeDocument/2006/relationships" xmlns:p="http://schemas.openxmlformats.org/presentationml/2006/main">
+  <p:tag name="KSO_WM_TAG_VERSION" val="1.0"/>
+  <p:tag name="KSO_WM_BEAUTIFY_FLAG" val="#wm#"/>
+  <p:tag name="KSO_WM_TEMPLATE_CATEGORY" val="custom"/>
+  <p:tag name="KSO_WM_TEMPLATE_INDEX" val="160003"/>
+  <p:tag name="KSO_WM_UNIT_TYPE" val="q_i"/>
+  <p:tag name="KSO_WM_UNIT_INDEX" val="1_2"/>
+  <p:tag name="KSO_WM_UNIT_ID" val="custom160003_27*q_i*1_2"/>
+  <p:tag name="KSO_WM_UNIT_CLEAR" val="1"/>
+  <p:tag name="KSO_WM_UNIT_LAYERLEVEL" val="1_1"/>
+  <p:tag name="KSO_WM_DIAGRAM_GROUP_CODE" val="q1-1"/>
+</p:tagLst>
+</file>
+
+<file path=ppt/tags/tag35.xml><?xml version="1.0" encoding="utf-8"?>
+<p:tagLst xmlns:a="http://schemas.openxmlformats.org/drawingml/2006/main" xmlns:r="http://schemas.openxmlformats.org/officeDocument/2006/relationships" xmlns:p="http://schemas.openxmlformats.org/presentationml/2006/main">
+  <p:tag name="KSO_WM_TAG_VERSION" val="1.0"/>
+  <p:tag name="KSO_WM_BEAUTIFY_FLAG" val="#wm#"/>
+  <p:tag name="KSO_WM_TEMPLATE_CATEGORY" val="custom"/>
+  <p:tag name="KSO_WM_TEMPLATE_INDEX" val="160003"/>
+  <p:tag name="KSO_WM_UNIT_TYPE" val="q_i"/>
+  <p:tag name="KSO_WM_UNIT_INDEX" val="1_3"/>
+  <p:tag name="KSO_WM_UNIT_ID" val="custom160003_27*q_i*1_3"/>
+  <p:tag name="KSO_WM_UNIT_CLEAR" val="1"/>
+  <p:tag name="KSO_WM_UNIT_LAYERLEVEL" val="1_1"/>
+  <p:tag name="KSO_WM_DIAGRAM_GROUP_CODE" val="q1-1"/>
+</p:tagLst>
+</file>
+
+<file path=ppt/tags/tag36.xml><?xml version="1.0" encoding="utf-8"?>
+<p:tagLst xmlns:a="http://schemas.openxmlformats.org/drawingml/2006/main" xmlns:r="http://schemas.openxmlformats.org/officeDocument/2006/relationships" xmlns:p="http://schemas.openxmlformats.org/presentationml/2006/main">
+  <p:tag name="KSO_WM_TAG_VERSION" val="1.0"/>
+  <p:tag name="KSO_WM_BEAUTIFY_FLAG" val="#wm#"/>
+  <p:tag name="KSO_WM_TEMPLATE_CATEGORY" val="custom"/>
+  <p:tag name="KSO_WM_TEMPLATE_INDEX" val="160003"/>
+  <p:tag name="KSO_WM_UNIT_TYPE" val="q_i"/>
+  <p:tag name="KSO_WM_UNIT_INDEX" val="1_4"/>
+  <p:tag name="KSO_WM_UNIT_ID" val="custom160003_27*q_i*1_4"/>
+  <p:tag name="KSO_WM_UNIT_CLEAR" val="1"/>
+  <p:tag name="KSO_WM_UNIT_LAYERLEVEL" val="1_1"/>
+  <p:tag name="KSO_WM_DIAGRAM_GROUP_CODE" val="q1-1"/>
+</p:tagLst>
+</file>
+
+<file path=ppt/tags/tag37.xml><?xml version="1.0" encoding="utf-8"?>
+<p:tagLst xmlns:a="http://schemas.openxmlformats.org/drawingml/2006/main" xmlns:r="http://schemas.openxmlformats.org/officeDocument/2006/relationships" xmlns:p="http://schemas.openxmlformats.org/presentationml/2006/main">
   <p:tag name="KSO_WM_TAG_VERSION" val="1.0"/>
   <p:tag name="KSO_WM_BEAUTIFY_FLAG" val="#wm#"/>
   <p:tag name="KSO_WM_UNIT_TYPE" val="i"/>
-  <p:tag name="KSO_WM_UNIT_ID" val="diagram160353_2*i*5"/>
-  <p:tag name="KSO_WM_TEMPLATE_CATEGORY" val="diagram"/>
-  <p:tag name="KSO_WM_TEMPLATE_INDEX" val="160353"/>
+  <p:tag name="KSO_WM_UNIT_ID" val="custom160003_27*i*4"/>
+  <p:tag name="KSO_WM_TEMPLATE_CATEGORY" val="custom"/>
+  <p:tag name="KSO_WM_TEMPLATE_INDEX" val="160003"/>
+  <p:tag name="KSO_WM_UNIT_INDEX" val="4"/>
 </p:tagLst>
 </file>
 
-<file path=ppt/tags/tag22.xml><?xml version="1.0" encoding="utf-8"?>
-<p:tagLst xmlns:p="http://schemas.openxmlformats.org/presentationml/2006/main">
+<file path=ppt/tags/tag38.xml><?xml version="1.0" encoding="utf-8"?>
+<p:tagLst xmlns:a="http://schemas.openxmlformats.org/drawingml/2006/main" xmlns:r="http://schemas.openxmlformats.org/officeDocument/2006/relationships" xmlns:p="http://schemas.openxmlformats.org/presentationml/2006/main">
   <p:tag name="KSO_WM_TAG_VERSION" val="1.0"/>
   <p:tag name="KSO_WM_BEAUTIFY_FLAG" val="#wm#"/>
-  <p:tag name="KSO_WM_TEMPLATE_CATEGORY" val="diagram"/>
-  <p:tag name="KSO_WM_TEMPLATE_INDEX" val="160353"/>
-  <p:tag name="KSO_WM_UNIT_TYPE" val="m_h_a"/>
-  <p:tag name="KSO_WM_UNIT_INDEX" val="1_2_1"/>
-  <p:tag name="KSO_WM_UNIT_ID" val="diagram160353_2*m_h_a*1_2_1"/>
+  <p:tag name="KSO_WM_TEMPLATE_CATEGORY" val="custom"/>
+  <p:tag name="KSO_WM_TEMPLATE_INDEX" val="160003"/>
+  <p:tag name="KSO_WM_UNIT_TYPE" val="q_i"/>
+  <p:tag name="KSO_WM_UNIT_INDEX" val="1_7"/>
+  <p:tag name="KSO_WM_UNIT_ID" val="custom160003_27*q_i*1_7"/>
   <p:tag name="KSO_WM_UNIT_CLEAR" val="1"/>
-  <p:tag name="KSO_WM_UNIT_LAYERLEVEL" val="1_1_1"/>
-  <p:tag name="KSO_WM_UNIT_VALUE" val="16"/>
-  <p:tag name="KSO_WM_UNIT_HIGHLIGHT" val="0"/>
-  <p:tag name="KSO_WM_UNIT_COMPATIBLE" val="0"/>
-  <p:tag name="KSO_WM_UNIT_PRESET_TEXT_INDEX" val="3"/>
-  <p:tag name="KSO_WM_UNIT_PRESET_TEXT_LEN" val="12"/>
-  <p:tag name="KSO_WM_DIAGRAM_GROUP_CODE" val="m1-1"/>
+  <p:tag name="KSO_WM_UNIT_LAYERLEVEL" val="1_1"/>
+  <p:tag name="KSO_WM_DIAGRAM_GROUP_CODE" val="q1-1"/>
 </p:tagLst>
 </file>
 
-<file path=ppt/tags/tag23.xml><?xml version="1.0" encoding="utf-8"?>
-<p:tagLst xmlns:p="http://schemas.openxmlformats.org/presentationml/2006/main">
+<file path=ppt/tags/tag39.xml><?xml version="1.0" encoding="utf-8"?>
+<p:tagLst xmlns:a="http://schemas.openxmlformats.org/drawingml/2006/main" xmlns:r="http://schemas.openxmlformats.org/officeDocument/2006/relationships" xmlns:p="http://schemas.openxmlformats.org/presentationml/2006/main">
   <p:tag name="KSO_WM_TAG_VERSION" val="1.0"/>
   <p:tag name="KSO_WM_BEAUTIFY_FLAG" val="#wm#"/>
-  <p:tag name="KSO_WM_TEMPLATE_CATEGORY" val="diagram"/>
-  <p:tag name="KSO_WM_TEMPLATE_INDEX" val="160353"/>
-  <p:tag name="KSO_WM_UNIT_TYPE" val="m_h_f"/>
-  <p:tag name="KSO_WM_UNIT_INDEX" val="1_2_1"/>
-  <p:tag name="KSO_WM_UNIT_ID" val="diagram160353_2*m_h_f*1_2_1"/>
-  <p:tag name="KSO_WM_UNIT_CLEAR" val="1"/>
-  <p:tag name="KSO_WM_UNIT_LAYERLEVEL" val="1_1_1"/>
-  <p:tag name="KSO_WM_UNIT_VALUE" val="49"/>
-  <p:tag name="KSO_WM_UNIT_HIGHLIGHT" val="0"/>
-  <p:tag name="KSO_WM_UNIT_COMPATIBLE" val="0"/>
-  <p:tag name="KSO_WM_UNIT_PRESET_TEXT_INDEX" val="4"/>
-  <p:tag name="KSO_WM_UNIT_PRESET_TEXT_LEN" val="74"/>
-  <p:tag name="KSO_WM_DIAGRAM_GROUP_CODE" val="m1-1"/>
+  <p:tag name="KSO_WM_UNIT_TYPE" val="i"/>
+  <p:tag name="KSO_WM_UNIT_ID" val="custom160003_27*i*10"/>
+  <p:tag name="KSO_WM_TEMPLATE_CATEGORY" val="custom"/>
+  <p:tag name="KSO_WM_TEMPLATE_INDEX" val="160003"/>
+  <p:tag name="KSO_WM_UNIT_INDEX" val="10"/>
 </p:tagLst>
 </file>
 
-<file path=ppt/tags/tag24.xml><?xml version="1.0" encoding="utf-8"?>
-<p:tagLst xmlns:p="http://schemas.openxmlformats.org/presentationml/2006/main">
-  <p:tag name="KSO_WM_TAG_VERSION" val="1.0"/>
+<file path=ppt/tags/tag4.xml><?xml version="1.0" encoding="utf-8"?>
+<p:tagLst xmlns:a="http://schemas.openxmlformats.org/drawingml/2006/main" xmlns:r="http://schemas.openxmlformats.org/officeDocument/2006/relationships" xmlns:p="http://schemas.openxmlformats.org/presentationml/2006/main">
   <p:tag name="KSO_WM_BEAUTIFY_FLAG" val="#wm#"/>
   <p:tag name="KSO_WM_UNIT_TYPE" val="i"/>
-  <p:tag name="KSO_WM_UNIT_ID" val="diagram160353_2*i*10"/>
-  <p:tag name="KSO_WM_TEMPLATE_CATEGORY" val="diagram"/>
-  <p:tag name="KSO_WM_TEMPLATE_INDEX" val="160353"/>
+  <p:tag name="KSO_WM_UNIT_ID" val="281*i*9"/>
+  <p:tag name="KSO_WM_TEMPLATE_CATEGORY" val="custom"/>
+  <p:tag name="KSO_WM_TEMPLATE_INDEX" val="3"/>
 </p:tagLst>
 </file>
 
-<file path=ppt/tags/tag25.xml><?xml version="1.0" encoding="utf-8"?>
-<p:tagLst xmlns:p="http://schemas.openxmlformats.org/presentationml/2006/main">
+<file path=ppt/tags/tag40.xml><?xml version="1.0" encoding="utf-8"?>
+<p:tagLst xmlns:a="http://schemas.openxmlformats.org/drawingml/2006/main" xmlns:r="http://schemas.openxmlformats.org/officeDocument/2006/relationships" xmlns:p="http://schemas.openxmlformats.org/presentationml/2006/main">
   <p:tag name="KSO_WM_TAG_VERSION" val="1.0"/>
   <p:tag name="KSO_WM_BEAUTIFY_FLAG" val="#wm#"/>
-  <p:tag name="KSO_WM_TEMPLATE_CATEGORY" val="diagram"/>
-  <p:tag name="KSO_WM_TEMPLATE_INDEX" val="160353"/>
-  <p:tag name="KSO_WM_UNIT_TYPE" val="m_h_a"/>
-  <p:tag name="KSO_WM_UNIT_INDEX" val="1_3_1"/>
-  <p:tag name="KSO_WM_UNIT_ID" val="diagram160353_2*m_h_a*1_3_1"/>
+  <p:tag name="KSO_WM_TEMPLATE_CATEGORY" val="custom"/>
+  <p:tag name="KSO_WM_TEMPLATE_INDEX" val="160003"/>
+  <p:tag name="KSO_WM_UNIT_TYPE" val="q_i"/>
+  <p:tag name="KSO_WM_UNIT_INDEX" val="1_10"/>
+  <p:tag name="KSO_WM_UNIT_ID" val="custom160003_27*q_i*1_10"/>
   <p:tag name="KSO_WM_UNIT_CLEAR" val="1"/>
-  <p:tag name="KSO_WM_UNIT_LAYERLEVEL" val="1_1_1"/>
-  <p:tag name="KSO_WM_UNIT_VALUE" val="16"/>
-  <p:tag name="KSO_WM_UNIT_HIGHLIGHT" val="0"/>
-  <p:tag name="KSO_WM_UNIT_COMPATIBLE" val="0"/>
-  <p:tag name="KSO_WM_UNIT_PRESET_TEXT_INDEX" val="3"/>
-  <p:tag name="KSO_WM_UNIT_PRESET_TEXT_LEN" val="12"/>
-  <p:tag name="KSO_WM_DIAGRAM_GROUP_CODE" val="m1-1"/>
+  <p:tag name="KSO_WM_UNIT_LAYERLEVEL" val="1_1"/>
+  <p:tag name="KSO_WM_DIAGRAM_GROUP_CODE" val="q1-1"/>
 </p:tagLst>
 </file>
 
-<file path=ppt/tags/tag26.xml><?xml version="1.0" encoding="utf-8"?>
-<p:tagLst xmlns:p="http://schemas.openxmlformats.org/presentationml/2006/main">
+<file path=ppt/tags/tag41.xml><?xml version="1.0" encoding="utf-8"?>
+<p:tagLst xmlns:a="http://schemas.openxmlformats.org/drawingml/2006/main" xmlns:r="http://schemas.openxmlformats.org/officeDocument/2006/relationships" xmlns:p="http://schemas.openxmlformats.org/presentationml/2006/main">
   <p:tag name="KSO_WM_TAG_VERSION" val="1.0"/>
   <p:tag name="KSO_WM_BEAUTIFY_FLAG" val="#wm#"/>
-  <p:tag name="KSO_WM_TEMPLATE_CATEGORY" val="diagram"/>
-  <p:tag name="KSO_WM_TEMPLATE_INDEX" val="160353"/>
-  <p:tag name="KSO_WM_UNIT_TYPE" val="m_h_f"/>
-  <p:tag name="KSO_WM_UNIT_INDEX" val="1_3_1"/>
-  <p:tag name="KSO_WM_UNIT_ID" val="diagram160353_2*m_h_f*1_3_1"/>
+  <p:tag name="KSO_WM_TEMPLATE_CATEGORY" val="custom"/>
+  <p:tag name="KSO_WM_TEMPLATE_INDEX" val="160003"/>
+  <p:tag name="KSO_WM_UNIT_TYPE" val="q_i"/>
+  <p:tag name="KSO_WM_UNIT_INDEX" val="1_11"/>
+  <p:tag name="KSO_WM_UNIT_ID" val="custom160003_27*q_i*1_11"/>
   <p:tag name="KSO_WM_UNIT_CLEAR" val="1"/>
-  <p:tag name="KSO_WM_UNIT_LAYERLEVEL" val="1_1_1"/>
-  <p:tag name="KSO_WM_UNIT_VALUE" val="49"/>
-  <p:tag name="KSO_WM_UNIT_HIGHLIGHT" val="0"/>
-  <p:tag name="KSO_WM_UNIT_COMPATIBLE" val="0"/>
-  <p:tag name="KSO_WM_UNIT_PRESET_TEXT_INDEX" val="4"/>
-  <p:tag name="KSO_WM_UNIT_PRESET_TEXT_LEN" val="74"/>
-  <p:tag name="KSO_WM_DIAGRAM_GROUP_CODE" val="m1-1"/>
+  <p:tag name="KSO_WM_UNIT_LAYERLEVEL" val="1_1"/>
+  <p:tag name="KSO_WM_DIAGRAM_GROUP_CODE" val="q1-1"/>
 </p:tagLst>
 </file>
 
-<file path=ppt/tags/tag27.xml><?xml version="1.0" encoding="utf-8"?>
-<p:tagLst xmlns:p="http://schemas.openxmlformats.org/presentationml/2006/main">
+<file path=ppt/tags/tag42.xml><?xml version="1.0" encoding="utf-8"?>
+<p:tagLst xmlns:a="http://schemas.openxmlformats.org/drawingml/2006/main" xmlns:r="http://schemas.openxmlformats.org/officeDocument/2006/relationships" xmlns:p="http://schemas.openxmlformats.org/presentationml/2006/main">
+  <p:tag name="KSO_WM_TAG_VERSION" val="1.0"/>
+  <p:tag name="KSO_WM_BEAUTIFY_FLAG" val="#wm#"/>
+  <p:tag name="KSO_WM_TEMPLATE_CATEGORY" val="custom"/>
+  <p:tag name="KSO_WM_TEMPLATE_INDEX" val="160003"/>
+  <p:tag name="KSO_WM_UNIT_TYPE" val="q_i"/>
+  <p:tag name="KSO_WM_UNIT_INDEX" val="1_12"/>
+  <p:tag name="KSO_WM_UNIT_ID" val="custom160003_27*q_i*1_12"/>
+  <p:tag name="KSO_WM_UNIT_CLEAR" val="1"/>
+  <p:tag name="KSO_WM_UNIT_LAYERLEVEL" val="1_1"/>
+  <p:tag name="KSO_WM_DIAGRAM_GROUP_CODE" val="q1-1"/>
+</p:tagLst>
+</file>
+
+<file path=ppt/tags/tag43.xml><?xml version="1.0" encoding="utf-8"?>
+<p:tagLst xmlns:a="http://schemas.openxmlformats.org/drawingml/2006/main" xmlns:r="http://schemas.openxmlformats.org/officeDocument/2006/relationships" xmlns:p="http://schemas.openxmlformats.org/presentationml/2006/main">
+  <p:tag name="KSO_WM_TAG_VERSION" val="1.0"/>
+  <p:tag name="KSO_WM_BEAUTIFY_FLAG" val="#wm#"/>
+  <p:tag name="KSO_WM_TEMPLATE_CATEGORY" val="custom"/>
+  <p:tag name="KSO_WM_TEMPLATE_INDEX" val="160003"/>
+  <p:tag name="KSO_WM_UNIT_TYPE" val="q_h_f"/>
+  <p:tag name="KSO_WM_UNIT_INDEX" val="1_1_1"/>
+  <p:tag name="KSO_WM_UNIT_CLEAR" val="1"/>
+  <p:tag name="KSO_WM_UNIT_LAYERLEVEL" val="1_1_1"/>
+  <p:tag name="KSO_WM_UNIT_VALUE" val="48"/>
+  <p:tag name="KSO_WM_UNIT_HIGHLIGHT" val="0"/>
+  <p:tag name="KSO_WM_UNIT_COMPATIBLE" val="0"/>
+  <p:tag name="KSO_WM_UNIT_ID" val="custom160003_27*q_h_f*1_1_1"/>
+  <p:tag name="KSO_WM_UNIT_PRESET_TEXT_INDEX" val="2"/>
+  <p:tag name="KSO_WM_UNIT_PRESET_TEXT_LEN" val="20"/>
+  <p:tag name="KSO_WM_DIAGRAM_GROUP_CODE" val="q1-1"/>
+</p:tagLst>
+</file>
+
+<file path=ppt/tags/tag44.xml><?xml version="1.0" encoding="utf-8"?>
+<p:tagLst xmlns:a="http://schemas.openxmlformats.org/drawingml/2006/main" xmlns:r="http://schemas.openxmlformats.org/officeDocument/2006/relationships" xmlns:p="http://schemas.openxmlformats.org/presentationml/2006/main">
+  <p:tag name="KSO_WM_TAG_VERSION" val="1.0"/>
+  <p:tag name="KSO_WM_BEAUTIFY_FLAG" val="#wm#"/>
+  <p:tag name="KSO_WM_TEMPLATE_CATEGORY" val="custom"/>
+  <p:tag name="KSO_WM_TEMPLATE_INDEX" val="160003"/>
+  <p:tag name="KSO_WM_UNIT_TYPE" val="q_h_f"/>
+  <p:tag name="KSO_WM_UNIT_INDEX" val="1_6_1"/>
+  <p:tag name="KSO_WM_UNIT_CLEAR" val="1"/>
+  <p:tag name="KSO_WM_UNIT_LAYERLEVEL" val="1_1_1"/>
+  <p:tag name="KSO_WM_UNIT_VALUE" val="39"/>
+  <p:tag name="KSO_WM_UNIT_HIGHLIGHT" val="0"/>
+  <p:tag name="KSO_WM_UNIT_COMPATIBLE" val="0"/>
+  <p:tag name="KSO_WM_UNIT_ID" val="custom160003_27*q_h_f*1_6_1"/>
+  <p:tag name="KSO_WM_UNIT_PRESET_TEXT_INDEX" val="2"/>
+  <p:tag name="KSO_WM_UNIT_PRESET_TEXT_LEN" val="20"/>
+  <p:tag name="KSO_WM_DIAGRAM_GROUP_CODE" val="q1-1"/>
+</p:tagLst>
+</file>
+
+<file path=ppt/tags/tag45.xml><?xml version="1.0" encoding="utf-8"?>
+<p:tagLst xmlns:a="http://schemas.openxmlformats.org/drawingml/2006/main" xmlns:r="http://schemas.openxmlformats.org/officeDocument/2006/relationships" xmlns:p="http://schemas.openxmlformats.org/presentationml/2006/main">
+  <p:tag name="KSO_WM_TAG_VERSION" val="1.0"/>
+  <p:tag name="KSO_WM_BEAUTIFY_FLAG" val="#wm#"/>
+  <p:tag name="KSO_WM_TEMPLATE_CATEGORY" val="custom"/>
+  <p:tag name="KSO_WM_TEMPLATE_INDEX" val="160003"/>
+  <p:tag name="KSO_WM_UNIT_TYPE" val="q_h_f"/>
+  <p:tag name="KSO_WM_UNIT_INDEX" val="1_5_1"/>
+  <p:tag name="KSO_WM_UNIT_CLEAR" val="1"/>
+  <p:tag name="KSO_WM_UNIT_LAYERLEVEL" val="1_1_1"/>
+  <p:tag name="KSO_WM_UNIT_VALUE" val="39"/>
+  <p:tag name="KSO_WM_UNIT_HIGHLIGHT" val="0"/>
+  <p:tag name="KSO_WM_UNIT_COMPATIBLE" val="0"/>
+  <p:tag name="KSO_WM_UNIT_ID" val="custom160003_27*q_h_f*1_5_1"/>
+  <p:tag name="KSO_WM_UNIT_PRESET_TEXT_INDEX" val="2"/>
+  <p:tag name="KSO_WM_UNIT_PRESET_TEXT_LEN" val="20"/>
+  <p:tag name="KSO_WM_DIAGRAM_GROUP_CODE" val="q1-1"/>
+</p:tagLst>
+</file>
+
+<file path=ppt/tags/tag46.xml><?xml version="1.0" encoding="utf-8"?>
+<p:tagLst xmlns:a="http://schemas.openxmlformats.org/drawingml/2006/main" xmlns:r="http://schemas.openxmlformats.org/officeDocument/2006/relationships" xmlns:p="http://schemas.openxmlformats.org/presentationml/2006/main">
+  <p:tag name="KSO_WM_TAG_VERSION" val="1.0"/>
+  <p:tag name="KSO_WM_BEAUTIFY_FLAG" val="#wm#"/>
+  <p:tag name="KSO_WM_TEMPLATE_CATEGORY" val="custom"/>
+  <p:tag name="KSO_WM_TEMPLATE_INDEX" val="160003"/>
+  <p:tag name="KSO_WM_UNIT_TYPE" val="q_h_f"/>
+  <p:tag name="KSO_WM_UNIT_INDEX" val="1_2_1"/>
+  <p:tag name="KSO_WM_UNIT_CLEAR" val="1"/>
+  <p:tag name="KSO_WM_UNIT_LAYERLEVEL" val="1_1_1"/>
+  <p:tag name="KSO_WM_UNIT_VALUE" val="39"/>
+  <p:tag name="KSO_WM_UNIT_HIGHLIGHT" val="0"/>
+  <p:tag name="KSO_WM_UNIT_COMPATIBLE" val="0"/>
+  <p:tag name="KSO_WM_UNIT_ID" val="custom160003_27*q_h_f*1_2_1"/>
+  <p:tag name="KSO_WM_UNIT_PRESET_TEXT_INDEX" val="2"/>
+  <p:tag name="KSO_WM_UNIT_PRESET_TEXT_LEN" val="20"/>
+  <p:tag name="KSO_WM_DIAGRAM_GROUP_CODE" val="q1-1"/>
+</p:tagLst>
+</file>
+
+<file path=ppt/tags/tag47.xml><?xml version="1.0" encoding="utf-8"?>
+<p:tagLst xmlns:a="http://schemas.openxmlformats.org/drawingml/2006/main" xmlns:r="http://schemas.openxmlformats.org/officeDocument/2006/relationships" xmlns:p="http://schemas.openxmlformats.org/presentationml/2006/main">
+  <p:tag name="KSO_WM_TAG_VERSION" val="1.0"/>
+  <p:tag name="KSO_WM_BEAUTIFY_FLAG" val="#wm#"/>
+  <p:tag name="KSO_WM_TEMPLATE_CATEGORY" val="custom"/>
+  <p:tag name="KSO_WM_TEMPLATE_INDEX" val="160003"/>
+  <p:tag name="KSO_WM_UNIT_TYPE" val="q_h_f"/>
+  <p:tag name="KSO_WM_UNIT_INDEX" val="1_3_1"/>
+  <p:tag name="KSO_WM_UNIT_CLEAR" val="1"/>
+  <p:tag name="KSO_WM_UNIT_LAYERLEVEL" val="1_1_1"/>
+  <p:tag name="KSO_WM_UNIT_VALUE" val="36"/>
+  <p:tag name="KSO_WM_UNIT_HIGHLIGHT" val="0"/>
+  <p:tag name="KSO_WM_UNIT_COMPATIBLE" val="0"/>
+  <p:tag name="KSO_WM_UNIT_ID" val="custom160003_27*q_h_f*1_3_1"/>
+  <p:tag name="KSO_WM_UNIT_PRESET_TEXT_INDEX" val="2"/>
+  <p:tag name="KSO_WM_UNIT_PRESET_TEXT_LEN" val="20"/>
+  <p:tag name="KSO_WM_DIAGRAM_GROUP_CODE" val="q1-1"/>
+</p:tagLst>
+</file>
+
+<file path=ppt/tags/tag48.xml><?xml version="1.0" encoding="utf-8"?>
+<p:tagLst xmlns:a="http://schemas.openxmlformats.org/drawingml/2006/main" xmlns:r="http://schemas.openxmlformats.org/officeDocument/2006/relationships" xmlns:p="http://schemas.openxmlformats.org/presentationml/2006/main">
   <p:tag name="KSO_WM_TAG_VERSION" val="1.0"/>
   <p:tag name="KSO_WM_BEAUTIFY_FLAG" val="#wm#"/>
   <p:tag name="KSO_WM_UNIT_TYPE" val="i"/>
@@ -19620,8 +19425,8 @@
 </p:tagLst>
 </file>
 
-<file path=ppt/tags/tag28.xml><?xml version="1.0" encoding="utf-8"?>
-<p:tagLst xmlns:p="http://schemas.openxmlformats.org/presentationml/2006/main">
+<file path=ppt/tags/tag49.xml><?xml version="1.0" encoding="utf-8"?>
+<p:tagLst xmlns:a="http://schemas.openxmlformats.org/drawingml/2006/main" xmlns:r="http://schemas.openxmlformats.org/officeDocument/2006/relationships" xmlns:p="http://schemas.openxmlformats.org/presentationml/2006/main">
   <p:tag name="KSO_WM_TAG_VERSION" val="1.0"/>
   <p:tag name="KSO_WM_BEAUTIFY_FLAG" val="#wm#"/>
   <p:tag name="KSO_WM_TEMPLATE_CATEGORY" val="custom"/>
@@ -19640,36 +19445,93 @@
 </p:tagLst>
 </file>
 
-<file path=ppt/tags/tag29.xml><?xml version="1.0" encoding="utf-8"?>
-<p:tagLst xmlns:p="http://schemas.openxmlformats.org/presentationml/2006/main">
-  <p:tag name="KSO_WM_SLIDE_ID" val="diagram160353_2"/>
-  <p:tag name="KSO_WM_SLIDE_INDEX" val="2"/>
-  <p:tag name="KSO_WM_SLIDE_ITEM_CNT" val="5"/>
-  <p:tag name="KSO_WM_SLIDE_LAYOUT" val="m_a"/>
+<file path=ppt/tags/tag5.xml><?xml version="1.0" encoding="utf-8"?>
+<p:tagLst xmlns:a="http://schemas.openxmlformats.org/drawingml/2006/main" xmlns:r="http://schemas.openxmlformats.org/officeDocument/2006/relationships" xmlns:p="http://schemas.openxmlformats.org/presentationml/2006/main">
+  <p:tag name="KSO_WM_TEMPLATE_CATEGORY" val="custom"/>
+  <p:tag name="KSO_WM_TEMPLATE_INDEX" val="160003"/>
+</p:tagLst>
+</file>
+
+<file path=ppt/tags/tag50.xml><?xml version="1.0" encoding="utf-8"?>
+<p:tagLst xmlns:a="http://schemas.openxmlformats.org/drawingml/2006/main" xmlns:r="http://schemas.openxmlformats.org/officeDocument/2006/relationships" xmlns:p="http://schemas.openxmlformats.org/presentationml/2006/main">
+  <p:tag name="KSO_WM_TAG_VERSION" val="1.0"/>
+  <p:tag name="KSO_WM_BEAUTIFY_FLAG" val="#wm#"/>
+  <p:tag name="KSO_WM_TEMPLATE_CATEGORY" val="custom"/>
+  <p:tag name="KSO_WM_TEMPLATE_INDEX" val="160003"/>
+  <p:tag name="KSO_WM_UNIT_TYPE" val="q_i"/>
+  <p:tag name="KSO_WM_UNIT_INDEX" val="1_8"/>
+  <p:tag name="KSO_WM_UNIT_ID" val="custom160003_27*q_i*1_8"/>
+  <p:tag name="KSO_WM_UNIT_CLEAR" val="1"/>
+  <p:tag name="KSO_WM_UNIT_LAYERLEVEL" val="1_1"/>
+  <p:tag name="KSO_WM_DIAGRAM_GROUP_CODE" val="q1-1"/>
+</p:tagLst>
+</file>
+
+<file path=ppt/tags/tag51.xml><?xml version="1.0" encoding="utf-8"?>
+<p:tagLst xmlns:a="http://schemas.openxmlformats.org/drawingml/2006/main" xmlns:r="http://schemas.openxmlformats.org/officeDocument/2006/relationships" xmlns:p="http://schemas.openxmlformats.org/presentationml/2006/main">
+  <p:tag name="KSO_WM_TAG_VERSION" val="1.0"/>
+  <p:tag name="KSO_WM_BEAUTIFY_FLAG" val="#wm#"/>
+  <p:tag name="KSO_WM_TEMPLATE_CATEGORY" val="custom"/>
+  <p:tag name="KSO_WM_TEMPLATE_INDEX" val="160003"/>
+  <p:tag name="KSO_WM_UNIT_TYPE" val="q_i"/>
+  <p:tag name="KSO_WM_UNIT_INDEX" val="1_9"/>
+  <p:tag name="KSO_WM_UNIT_ID" val="custom160003_27*q_i*1_9"/>
+  <p:tag name="KSO_WM_UNIT_CLEAR" val="1"/>
+  <p:tag name="KSO_WM_UNIT_LAYERLEVEL" val="1_1"/>
+  <p:tag name="KSO_WM_DIAGRAM_GROUP_CODE" val="q1-1"/>
+</p:tagLst>
+</file>
+
+<file path=ppt/tags/tag52.xml><?xml version="1.0" encoding="utf-8"?>
+<p:tagLst xmlns:a="http://schemas.openxmlformats.org/drawingml/2006/main" xmlns:r="http://schemas.openxmlformats.org/officeDocument/2006/relationships" xmlns:p="http://schemas.openxmlformats.org/presentationml/2006/main">
+  <p:tag name="KSO_WM_TAG_VERSION" val="1.0"/>
+  <p:tag name="KSO_WM_BEAUTIFY_FLAG" val="#wm#"/>
+  <p:tag name="KSO_WM_TEMPLATE_CATEGORY" val="custom"/>
+  <p:tag name="KSO_WM_TEMPLATE_INDEX" val="160003"/>
+  <p:tag name="KSO_WM_UNIT_TYPE" val="q_i"/>
+  <p:tag name="KSO_WM_UNIT_INDEX" val="1_5"/>
+  <p:tag name="KSO_WM_UNIT_ID" val="custom160003_27*q_i*1_5"/>
+  <p:tag name="KSO_WM_UNIT_CLEAR" val="1"/>
+  <p:tag name="KSO_WM_UNIT_LAYERLEVEL" val="1_1"/>
+  <p:tag name="KSO_WM_DIAGRAM_GROUP_CODE" val="q1-1"/>
+</p:tagLst>
+</file>
+
+<file path=ppt/tags/tag53.xml><?xml version="1.0" encoding="utf-8"?>
+<p:tagLst xmlns:a="http://schemas.openxmlformats.org/drawingml/2006/main" xmlns:r="http://schemas.openxmlformats.org/officeDocument/2006/relationships" xmlns:p="http://schemas.openxmlformats.org/presentationml/2006/main">
+  <p:tag name="KSO_WM_TAG_VERSION" val="1.0"/>
+  <p:tag name="KSO_WM_BEAUTIFY_FLAG" val="#wm#"/>
+  <p:tag name="KSO_WM_TEMPLATE_CATEGORY" val="custom"/>
+  <p:tag name="KSO_WM_TEMPLATE_INDEX" val="160003"/>
+  <p:tag name="KSO_WM_UNIT_TYPE" val="q_i"/>
+  <p:tag name="KSO_WM_UNIT_INDEX" val="1_6"/>
+  <p:tag name="KSO_WM_UNIT_ID" val="custom160003_27*q_i*1_6"/>
+  <p:tag name="KSO_WM_UNIT_CLEAR" val="1"/>
+  <p:tag name="KSO_WM_UNIT_LAYERLEVEL" val="1_1"/>
+  <p:tag name="KSO_WM_DIAGRAM_GROUP_CODE" val="q1-1"/>
+</p:tagLst>
+</file>
+
+<file path=ppt/tags/tag54.xml><?xml version="1.0" encoding="utf-8"?>
+<p:tagLst xmlns:a="http://schemas.openxmlformats.org/drawingml/2006/main" xmlns:r="http://schemas.openxmlformats.org/officeDocument/2006/relationships" xmlns:p="http://schemas.openxmlformats.org/presentationml/2006/main">
+  <p:tag name="KSO_WM_SLIDE_ID" val="custom160003_7"/>
+  <p:tag name="KSO_WM_SLIDE_INDEX" val="7"/>
+  <p:tag name="KSO_WM_SLIDE_LAYOUT" val="a_l"/>
   <p:tag name="KSO_WM_SLIDE_LAYOUT_CNT" val="1_1"/>
   <p:tag name="KSO_WM_SLIDE_TYPE" val="text"/>
   <p:tag name="KSO_WM_BEAUTIFY_FLAG" val="#wm#"/>
-  <p:tag name="KSO_WM_SLIDE_POSITION" val="50*175"/>
-  <p:tag name="KSO_WM_SLIDE_SIZE" val="868*288"/>
-  <p:tag name="KSO_WM_TEMPLATE_CATEGORY" val="diagram"/>
-  <p:tag name="KSO_WM_TEMPLATE_INDEX" val="160353"/>
-  <p:tag name="KSO_WM_DIAGRAM_GROUP_CODE" val="m1-1"/>
+  <p:tag name="KSO_WM_SLIDE_POSITION" val="115*111"/>
+  <p:tag name="KSO_WM_SLIDE_SIZE" val="704*385"/>
+  <p:tag name="KSO_WM_SLIDE_ITEM_CNT" val="3"/>
+  <p:tag name="KSO_WM_TEMPLATE_CATEGORY" val="custom"/>
+  <p:tag name="KSO_WM_TEMPLATE_INDEX" val="160003"/>
   <p:tag name="KSO_WM_TAG_VERSION" val="1.0"/>
+  <p:tag name="KSO_WM_DIAGRAM_GROUP_CODE" val="l1-1"/>
 </p:tagLst>
 </file>
 
-<file path=ppt/tags/tag3.xml><?xml version="1.0" encoding="utf-8"?>
-<p:tagLst xmlns:p="http://schemas.openxmlformats.org/presentationml/2006/main">
-  <p:tag name="KSO_WM_BEAUTIFY_FLAG" val="#wm#"/>
-  <p:tag name="KSO_WM_UNIT_TYPE" val="i"/>
-  <p:tag name="KSO_WM_UNIT_ID" val="281*i*8"/>
-  <p:tag name="KSO_WM_TEMPLATE_CATEGORY" val="custom"/>
-  <p:tag name="KSO_WM_TEMPLATE_INDEX" val="3"/>
-</p:tagLst>
-</file>
-
-<file path=ppt/tags/tag30.xml><?xml version="1.0" encoding="utf-8"?>
-<p:tagLst xmlns:p="http://schemas.openxmlformats.org/presentationml/2006/main">
+<file path=ppt/tags/tag55.xml><?xml version="1.0" encoding="utf-8"?>
+<p:tagLst xmlns:a="http://schemas.openxmlformats.org/drawingml/2006/main" xmlns:r="http://schemas.openxmlformats.org/officeDocument/2006/relationships" xmlns:p="http://schemas.openxmlformats.org/presentationml/2006/main">
   <p:tag name="KSO_WM_TAG_VERSION" val="1.0"/>
   <p:tag name="KSO_WM_BEAUTIFY_FLAG" val="#wm#"/>
   <p:tag name="KSO_WM_TEMPLATE_CATEGORY" val="custom"/>
@@ -19688,8 +19550,8 @@
 </p:tagLst>
 </file>
 
-<file path=ppt/tags/tag31.xml><?xml version="1.0" encoding="utf-8"?>
-<p:tagLst xmlns:p="http://schemas.openxmlformats.org/presentationml/2006/main">
+<file path=ppt/tags/tag56.xml><?xml version="1.0" encoding="utf-8"?>
+<p:tagLst xmlns:a="http://schemas.openxmlformats.org/drawingml/2006/main" xmlns:r="http://schemas.openxmlformats.org/officeDocument/2006/relationships" xmlns:p="http://schemas.openxmlformats.org/presentationml/2006/main">
   <p:tag name="KSO_WM_SLIDE_ID" val="custom160003_7"/>
   <p:tag name="KSO_WM_SLIDE_INDEX" val="7"/>
   <p:tag name="KSO_WM_SLIDE_LAYOUT" val="a_l"/>
@@ -19706,379 +19568,8 @@
 </p:tagLst>
 </file>
 
-<file path=ppt/tags/tag32.xml><?xml version="1.0" encoding="utf-8"?>
-<p:tagLst xmlns:p="http://schemas.openxmlformats.org/presentationml/2006/main">
-  <p:tag name="KSO_WM_TAG_VERSION" val="1.0"/>
-  <p:tag name="KSO_WM_BEAUTIFY_FLAG" val="#wm#"/>
-  <p:tag name="KSO_WM_TEMPLATE_CATEGORY" val="custom"/>
-  <p:tag name="KSO_WM_TEMPLATE_INDEX" val="160003"/>
-  <p:tag name="KSO_WM_UNIT_TYPE" val="q_i"/>
-  <p:tag name="KSO_WM_UNIT_INDEX" val="1_1"/>
-  <p:tag name="KSO_WM_UNIT_ID" val="custom160003_27*q_i*1_1"/>
-  <p:tag name="KSO_WM_UNIT_CLEAR" val="1"/>
-  <p:tag name="KSO_WM_UNIT_LAYERLEVEL" val="1_1"/>
-  <p:tag name="KSO_WM_DIAGRAM_GROUP_CODE" val="q1-1"/>
-</p:tagLst>
-</file>
-
-<file path=ppt/tags/tag33.xml><?xml version="1.0" encoding="utf-8"?>
-<p:tagLst xmlns:p="http://schemas.openxmlformats.org/presentationml/2006/main">
-  <p:tag name="KSO_WM_TAG_VERSION" val="1.0"/>
-  <p:tag name="KSO_WM_BEAUTIFY_FLAG" val="#wm#"/>
-  <p:tag name="KSO_WM_TEMPLATE_CATEGORY" val="custom"/>
-  <p:tag name="KSO_WM_TEMPLATE_INDEX" val="160003"/>
-  <p:tag name="KSO_WM_UNIT_TYPE" val="q_i"/>
-  <p:tag name="KSO_WM_UNIT_INDEX" val="1_2"/>
-  <p:tag name="KSO_WM_UNIT_ID" val="custom160003_27*q_i*1_2"/>
-  <p:tag name="KSO_WM_UNIT_CLEAR" val="1"/>
-  <p:tag name="KSO_WM_UNIT_LAYERLEVEL" val="1_1"/>
-  <p:tag name="KSO_WM_DIAGRAM_GROUP_CODE" val="q1-1"/>
-</p:tagLst>
-</file>
-
-<file path=ppt/tags/tag34.xml><?xml version="1.0" encoding="utf-8"?>
-<p:tagLst xmlns:p="http://schemas.openxmlformats.org/presentationml/2006/main">
-  <p:tag name="KSO_WM_TAG_VERSION" val="1.0"/>
-  <p:tag name="KSO_WM_BEAUTIFY_FLAG" val="#wm#"/>
-  <p:tag name="KSO_WM_TEMPLATE_CATEGORY" val="custom"/>
-  <p:tag name="KSO_WM_TEMPLATE_INDEX" val="160003"/>
-  <p:tag name="KSO_WM_UNIT_TYPE" val="q_i"/>
-  <p:tag name="KSO_WM_UNIT_INDEX" val="1_3"/>
-  <p:tag name="KSO_WM_UNIT_ID" val="custom160003_27*q_i*1_3"/>
-  <p:tag name="KSO_WM_UNIT_CLEAR" val="1"/>
-  <p:tag name="KSO_WM_UNIT_LAYERLEVEL" val="1_1"/>
-  <p:tag name="KSO_WM_DIAGRAM_GROUP_CODE" val="q1-1"/>
-</p:tagLst>
-</file>
-
-<file path=ppt/tags/tag35.xml><?xml version="1.0" encoding="utf-8"?>
-<p:tagLst xmlns:p="http://schemas.openxmlformats.org/presentationml/2006/main">
-  <p:tag name="KSO_WM_TAG_VERSION" val="1.0"/>
-  <p:tag name="KSO_WM_BEAUTIFY_FLAG" val="#wm#"/>
-  <p:tag name="KSO_WM_TEMPLATE_CATEGORY" val="custom"/>
-  <p:tag name="KSO_WM_TEMPLATE_INDEX" val="160003"/>
-  <p:tag name="KSO_WM_UNIT_TYPE" val="q_i"/>
-  <p:tag name="KSO_WM_UNIT_INDEX" val="1_4"/>
-  <p:tag name="KSO_WM_UNIT_ID" val="custom160003_27*q_i*1_4"/>
-  <p:tag name="KSO_WM_UNIT_CLEAR" val="1"/>
-  <p:tag name="KSO_WM_UNIT_LAYERLEVEL" val="1_1"/>
-  <p:tag name="KSO_WM_DIAGRAM_GROUP_CODE" val="q1-1"/>
-</p:tagLst>
-</file>
-
-<file path=ppt/tags/tag36.xml><?xml version="1.0" encoding="utf-8"?>
-<p:tagLst xmlns:p="http://schemas.openxmlformats.org/presentationml/2006/main">
-  <p:tag name="KSO_WM_TAG_VERSION" val="1.0"/>
-  <p:tag name="KSO_WM_BEAUTIFY_FLAG" val="#wm#"/>
-  <p:tag name="KSO_WM_UNIT_TYPE" val="i"/>
-  <p:tag name="KSO_WM_UNIT_ID" val="custom160003_27*i*4"/>
-  <p:tag name="KSO_WM_TEMPLATE_CATEGORY" val="custom"/>
-  <p:tag name="KSO_WM_TEMPLATE_INDEX" val="160003"/>
-  <p:tag name="KSO_WM_UNIT_INDEX" val="4"/>
-</p:tagLst>
-</file>
-
-<file path=ppt/tags/tag37.xml><?xml version="1.0" encoding="utf-8"?>
-<p:tagLst xmlns:p="http://schemas.openxmlformats.org/presentationml/2006/main">
-  <p:tag name="KSO_WM_TAG_VERSION" val="1.0"/>
-  <p:tag name="KSO_WM_BEAUTIFY_FLAG" val="#wm#"/>
-  <p:tag name="KSO_WM_TEMPLATE_CATEGORY" val="custom"/>
-  <p:tag name="KSO_WM_TEMPLATE_INDEX" val="160003"/>
-  <p:tag name="KSO_WM_UNIT_TYPE" val="q_i"/>
-  <p:tag name="KSO_WM_UNIT_INDEX" val="1_5"/>
-  <p:tag name="KSO_WM_UNIT_ID" val="custom160003_27*q_i*1_5"/>
-  <p:tag name="KSO_WM_UNIT_CLEAR" val="1"/>
-  <p:tag name="KSO_WM_UNIT_LAYERLEVEL" val="1_1"/>
-  <p:tag name="KSO_WM_DIAGRAM_GROUP_CODE" val="q1-1"/>
-</p:tagLst>
-</file>
-
-<file path=ppt/tags/tag38.xml><?xml version="1.0" encoding="utf-8"?>
-<p:tagLst xmlns:p="http://schemas.openxmlformats.org/presentationml/2006/main">
-  <p:tag name="KSO_WM_TAG_VERSION" val="1.0"/>
-  <p:tag name="KSO_WM_BEAUTIFY_FLAG" val="#wm#"/>
-  <p:tag name="KSO_WM_TEMPLATE_CATEGORY" val="custom"/>
-  <p:tag name="KSO_WM_TEMPLATE_INDEX" val="160003"/>
-  <p:tag name="KSO_WM_UNIT_TYPE" val="q_i"/>
-  <p:tag name="KSO_WM_UNIT_INDEX" val="1_6"/>
-  <p:tag name="KSO_WM_UNIT_ID" val="custom160003_27*q_i*1_6"/>
-  <p:tag name="KSO_WM_UNIT_CLEAR" val="1"/>
-  <p:tag name="KSO_WM_UNIT_LAYERLEVEL" val="1_1"/>
-  <p:tag name="KSO_WM_DIAGRAM_GROUP_CODE" val="q1-1"/>
-</p:tagLst>
-</file>
-
-<file path=ppt/tags/tag39.xml><?xml version="1.0" encoding="utf-8"?>
-<p:tagLst xmlns:p="http://schemas.openxmlformats.org/presentationml/2006/main">
-  <p:tag name="KSO_WM_TAG_VERSION" val="1.0"/>
-  <p:tag name="KSO_WM_BEAUTIFY_FLAG" val="#wm#"/>
-  <p:tag name="KSO_WM_TEMPLATE_CATEGORY" val="custom"/>
-  <p:tag name="KSO_WM_TEMPLATE_INDEX" val="160003"/>
-  <p:tag name="KSO_WM_UNIT_TYPE" val="q_i"/>
-  <p:tag name="KSO_WM_UNIT_INDEX" val="1_7"/>
-  <p:tag name="KSO_WM_UNIT_ID" val="custom160003_27*q_i*1_7"/>
-  <p:tag name="KSO_WM_UNIT_CLEAR" val="1"/>
-  <p:tag name="KSO_WM_UNIT_LAYERLEVEL" val="1_1"/>
-  <p:tag name="KSO_WM_DIAGRAM_GROUP_CODE" val="q1-1"/>
-</p:tagLst>
-</file>
-
-<file path=ppt/tags/tag4.xml><?xml version="1.0" encoding="utf-8"?>
-<p:tagLst xmlns:p="http://schemas.openxmlformats.org/presentationml/2006/main">
-  <p:tag name="KSO_WM_BEAUTIFY_FLAG" val="#wm#"/>
-  <p:tag name="KSO_WM_UNIT_TYPE" val="i"/>
-  <p:tag name="KSO_WM_UNIT_ID" val="281*i*9"/>
-  <p:tag name="KSO_WM_TEMPLATE_CATEGORY" val="custom"/>
-  <p:tag name="KSO_WM_TEMPLATE_INDEX" val="3"/>
-</p:tagLst>
-</file>
-
-<file path=ppt/tags/tag40.xml><?xml version="1.0" encoding="utf-8"?>
-<p:tagLst xmlns:p="http://schemas.openxmlformats.org/presentationml/2006/main">
-  <p:tag name="KSO_WM_TAG_VERSION" val="1.0"/>
-  <p:tag name="KSO_WM_BEAUTIFY_FLAG" val="#wm#"/>
-  <p:tag name="KSO_WM_UNIT_TYPE" val="i"/>
-  <p:tag name="KSO_WM_UNIT_ID" val="custom160003_27*i*10"/>
-  <p:tag name="KSO_WM_TEMPLATE_CATEGORY" val="custom"/>
-  <p:tag name="KSO_WM_TEMPLATE_INDEX" val="160003"/>
-  <p:tag name="KSO_WM_UNIT_INDEX" val="10"/>
-</p:tagLst>
-</file>
-
-<file path=ppt/tags/tag41.xml><?xml version="1.0" encoding="utf-8"?>
-<p:tagLst xmlns:p="http://schemas.openxmlformats.org/presentationml/2006/main">
-  <p:tag name="KSO_WM_TAG_VERSION" val="1.0"/>
-  <p:tag name="KSO_WM_BEAUTIFY_FLAG" val="#wm#"/>
-  <p:tag name="KSO_WM_TEMPLATE_CATEGORY" val="custom"/>
-  <p:tag name="KSO_WM_TEMPLATE_INDEX" val="160003"/>
-  <p:tag name="KSO_WM_UNIT_TYPE" val="q_i"/>
-  <p:tag name="KSO_WM_UNIT_INDEX" val="1_8"/>
-  <p:tag name="KSO_WM_UNIT_ID" val="custom160003_27*q_i*1_8"/>
-  <p:tag name="KSO_WM_UNIT_CLEAR" val="1"/>
-  <p:tag name="KSO_WM_UNIT_LAYERLEVEL" val="1_1"/>
-  <p:tag name="KSO_WM_DIAGRAM_GROUP_CODE" val="q1-1"/>
-</p:tagLst>
-</file>
-
-<file path=ppt/tags/tag42.xml><?xml version="1.0" encoding="utf-8"?>
-<p:tagLst xmlns:p="http://schemas.openxmlformats.org/presentationml/2006/main">
-  <p:tag name="KSO_WM_TAG_VERSION" val="1.0"/>
-  <p:tag name="KSO_WM_BEAUTIFY_FLAG" val="#wm#"/>
-  <p:tag name="KSO_WM_TEMPLATE_CATEGORY" val="custom"/>
-  <p:tag name="KSO_WM_TEMPLATE_INDEX" val="160003"/>
-  <p:tag name="KSO_WM_UNIT_TYPE" val="q_i"/>
-  <p:tag name="KSO_WM_UNIT_INDEX" val="1_9"/>
-  <p:tag name="KSO_WM_UNIT_ID" val="custom160003_27*q_i*1_9"/>
-  <p:tag name="KSO_WM_UNIT_CLEAR" val="1"/>
-  <p:tag name="KSO_WM_UNIT_LAYERLEVEL" val="1_1"/>
-  <p:tag name="KSO_WM_DIAGRAM_GROUP_CODE" val="q1-1"/>
-</p:tagLst>
-</file>
-
-<file path=ppt/tags/tag43.xml><?xml version="1.0" encoding="utf-8"?>
-<p:tagLst xmlns:p="http://schemas.openxmlformats.org/presentationml/2006/main">
-  <p:tag name="KSO_WM_TAG_VERSION" val="1.0"/>
-  <p:tag name="KSO_WM_BEAUTIFY_FLAG" val="#wm#"/>
-  <p:tag name="KSO_WM_TEMPLATE_CATEGORY" val="custom"/>
-  <p:tag name="KSO_WM_TEMPLATE_INDEX" val="160003"/>
-  <p:tag name="KSO_WM_UNIT_TYPE" val="q_i"/>
-  <p:tag name="KSO_WM_UNIT_INDEX" val="1_10"/>
-  <p:tag name="KSO_WM_UNIT_ID" val="custom160003_27*q_i*1_10"/>
-  <p:tag name="KSO_WM_UNIT_CLEAR" val="1"/>
-  <p:tag name="KSO_WM_UNIT_LAYERLEVEL" val="1_1"/>
-  <p:tag name="KSO_WM_DIAGRAM_GROUP_CODE" val="q1-1"/>
-</p:tagLst>
-</file>
-
-<file path=ppt/tags/tag44.xml><?xml version="1.0" encoding="utf-8"?>
-<p:tagLst xmlns:p="http://schemas.openxmlformats.org/presentationml/2006/main">
-  <p:tag name="KSO_WM_TAG_VERSION" val="1.0"/>
-  <p:tag name="KSO_WM_BEAUTIFY_FLAG" val="#wm#"/>
-  <p:tag name="KSO_WM_TEMPLATE_CATEGORY" val="custom"/>
-  <p:tag name="KSO_WM_TEMPLATE_INDEX" val="160003"/>
-  <p:tag name="KSO_WM_UNIT_TYPE" val="q_i"/>
-  <p:tag name="KSO_WM_UNIT_INDEX" val="1_11"/>
-  <p:tag name="KSO_WM_UNIT_ID" val="custom160003_27*q_i*1_11"/>
-  <p:tag name="KSO_WM_UNIT_CLEAR" val="1"/>
-  <p:tag name="KSO_WM_UNIT_LAYERLEVEL" val="1_1"/>
-  <p:tag name="KSO_WM_DIAGRAM_GROUP_CODE" val="q1-1"/>
-</p:tagLst>
-</file>
-
-<file path=ppt/tags/tag45.xml><?xml version="1.0" encoding="utf-8"?>
-<p:tagLst xmlns:p="http://schemas.openxmlformats.org/presentationml/2006/main">
-  <p:tag name="KSO_WM_TAG_VERSION" val="1.0"/>
-  <p:tag name="KSO_WM_BEAUTIFY_FLAG" val="#wm#"/>
-  <p:tag name="KSO_WM_TEMPLATE_CATEGORY" val="custom"/>
-  <p:tag name="KSO_WM_TEMPLATE_INDEX" val="160003"/>
-  <p:tag name="KSO_WM_UNIT_TYPE" val="q_i"/>
-  <p:tag name="KSO_WM_UNIT_INDEX" val="1_12"/>
-  <p:tag name="KSO_WM_UNIT_ID" val="custom160003_27*q_i*1_12"/>
-  <p:tag name="KSO_WM_UNIT_CLEAR" val="1"/>
-  <p:tag name="KSO_WM_UNIT_LAYERLEVEL" val="1_1"/>
-  <p:tag name="KSO_WM_DIAGRAM_GROUP_CODE" val="q1-1"/>
-</p:tagLst>
-</file>
-
-<file path=ppt/tags/tag46.xml><?xml version="1.0" encoding="utf-8"?>
-<p:tagLst xmlns:p="http://schemas.openxmlformats.org/presentationml/2006/main">
-  <p:tag name="KSO_WM_TAG_VERSION" val="1.0"/>
-  <p:tag name="KSO_WM_BEAUTIFY_FLAG" val="#wm#"/>
-  <p:tag name="KSO_WM_TEMPLATE_CATEGORY" val="custom"/>
-  <p:tag name="KSO_WM_TEMPLATE_INDEX" val="160003"/>
-  <p:tag name="KSO_WM_UNIT_TYPE" val="q_h_f"/>
-  <p:tag name="KSO_WM_UNIT_INDEX" val="1_1_1"/>
-  <p:tag name="KSO_WM_UNIT_CLEAR" val="1"/>
-  <p:tag name="KSO_WM_UNIT_LAYERLEVEL" val="1_1_1"/>
-  <p:tag name="KSO_WM_UNIT_VALUE" val="48"/>
-  <p:tag name="KSO_WM_UNIT_HIGHLIGHT" val="0"/>
-  <p:tag name="KSO_WM_UNIT_COMPATIBLE" val="0"/>
-  <p:tag name="KSO_WM_UNIT_ID" val="custom160003_27*q_h_f*1_1_1"/>
-  <p:tag name="KSO_WM_UNIT_PRESET_TEXT_INDEX" val="2"/>
-  <p:tag name="KSO_WM_UNIT_PRESET_TEXT_LEN" val="20"/>
-  <p:tag name="KSO_WM_DIAGRAM_GROUP_CODE" val="q1-1"/>
-</p:tagLst>
-</file>
-
-<file path=ppt/tags/tag47.xml><?xml version="1.0" encoding="utf-8"?>
-<p:tagLst xmlns:p="http://schemas.openxmlformats.org/presentationml/2006/main">
-  <p:tag name="KSO_WM_TAG_VERSION" val="1.0"/>
-  <p:tag name="KSO_WM_BEAUTIFY_FLAG" val="#wm#"/>
-  <p:tag name="KSO_WM_TEMPLATE_CATEGORY" val="custom"/>
-  <p:tag name="KSO_WM_TEMPLATE_INDEX" val="160003"/>
-  <p:tag name="KSO_WM_UNIT_TYPE" val="q_h_f"/>
-  <p:tag name="KSO_WM_UNIT_INDEX" val="1_6_1"/>
-  <p:tag name="KSO_WM_UNIT_CLEAR" val="1"/>
-  <p:tag name="KSO_WM_UNIT_LAYERLEVEL" val="1_1_1"/>
-  <p:tag name="KSO_WM_UNIT_VALUE" val="39"/>
-  <p:tag name="KSO_WM_UNIT_HIGHLIGHT" val="0"/>
-  <p:tag name="KSO_WM_UNIT_COMPATIBLE" val="0"/>
-  <p:tag name="KSO_WM_UNIT_ID" val="custom160003_27*q_h_f*1_6_1"/>
-  <p:tag name="KSO_WM_UNIT_PRESET_TEXT_INDEX" val="2"/>
-  <p:tag name="KSO_WM_UNIT_PRESET_TEXT_LEN" val="20"/>
-  <p:tag name="KSO_WM_DIAGRAM_GROUP_CODE" val="q1-1"/>
-</p:tagLst>
-</file>
-
-<file path=ppt/tags/tag48.xml><?xml version="1.0" encoding="utf-8"?>
-<p:tagLst xmlns:p="http://schemas.openxmlformats.org/presentationml/2006/main">
-  <p:tag name="KSO_WM_TAG_VERSION" val="1.0"/>
-  <p:tag name="KSO_WM_BEAUTIFY_FLAG" val="#wm#"/>
-  <p:tag name="KSO_WM_TEMPLATE_CATEGORY" val="custom"/>
-  <p:tag name="KSO_WM_TEMPLATE_INDEX" val="160003"/>
-  <p:tag name="KSO_WM_UNIT_TYPE" val="q_h_f"/>
-  <p:tag name="KSO_WM_UNIT_INDEX" val="1_5_1"/>
-  <p:tag name="KSO_WM_UNIT_CLEAR" val="1"/>
-  <p:tag name="KSO_WM_UNIT_LAYERLEVEL" val="1_1_1"/>
-  <p:tag name="KSO_WM_UNIT_VALUE" val="39"/>
-  <p:tag name="KSO_WM_UNIT_HIGHLIGHT" val="0"/>
-  <p:tag name="KSO_WM_UNIT_COMPATIBLE" val="0"/>
-  <p:tag name="KSO_WM_UNIT_ID" val="custom160003_27*q_h_f*1_5_1"/>
-  <p:tag name="KSO_WM_UNIT_PRESET_TEXT_INDEX" val="2"/>
-  <p:tag name="KSO_WM_UNIT_PRESET_TEXT_LEN" val="20"/>
-  <p:tag name="KSO_WM_DIAGRAM_GROUP_CODE" val="q1-1"/>
-</p:tagLst>
-</file>
-
-<file path=ppt/tags/tag49.xml><?xml version="1.0" encoding="utf-8"?>
-<p:tagLst xmlns:p="http://schemas.openxmlformats.org/presentationml/2006/main">
-  <p:tag name="KSO_WM_TAG_VERSION" val="1.0"/>
-  <p:tag name="KSO_WM_BEAUTIFY_FLAG" val="#wm#"/>
-  <p:tag name="KSO_WM_TEMPLATE_CATEGORY" val="custom"/>
-  <p:tag name="KSO_WM_TEMPLATE_INDEX" val="160003"/>
-  <p:tag name="KSO_WM_UNIT_TYPE" val="q_h_f"/>
-  <p:tag name="KSO_WM_UNIT_INDEX" val="1_2_1"/>
-  <p:tag name="KSO_WM_UNIT_CLEAR" val="1"/>
-  <p:tag name="KSO_WM_UNIT_LAYERLEVEL" val="1_1_1"/>
-  <p:tag name="KSO_WM_UNIT_VALUE" val="39"/>
-  <p:tag name="KSO_WM_UNIT_HIGHLIGHT" val="0"/>
-  <p:tag name="KSO_WM_UNIT_COMPATIBLE" val="0"/>
-  <p:tag name="KSO_WM_UNIT_ID" val="custom160003_27*q_h_f*1_2_1"/>
-  <p:tag name="KSO_WM_UNIT_PRESET_TEXT_INDEX" val="2"/>
-  <p:tag name="KSO_WM_UNIT_PRESET_TEXT_LEN" val="20"/>
-  <p:tag name="KSO_WM_DIAGRAM_GROUP_CODE" val="q1-1"/>
-</p:tagLst>
-</file>
-
-<file path=ppt/tags/tag5.xml><?xml version="1.0" encoding="utf-8"?>
-<p:tagLst xmlns:p="http://schemas.openxmlformats.org/presentationml/2006/main">
-  <p:tag name="KSO_WM_TEMPLATE_CATEGORY" val="custom"/>
-  <p:tag name="KSO_WM_TEMPLATE_INDEX" val="160003"/>
-</p:tagLst>
-</file>
-
-<file path=ppt/tags/tag50.xml><?xml version="1.0" encoding="utf-8"?>
-<p:tagLst xmlns:p="http://schemas.openxmlformats.org/presentationml/2006/main">
-  <p:tag name="KSO_WM_TAG_VERSION" val="1.0"/>
-  <p:tag name="KSO_WM_BEAUTIFY_FLAG" val="#wm#"/>
-  <p:tag name="KSO_WM_TEMPLATE_CATEGORY" val="custom"/>
-  <p:tag name="KSO_WM_TEMPLATE_INDEX" val="160003"/>
-  <p:tag name="KSO_WM_UNIT_TYPE" val="q_h_f"/>
-  <p:tag name="KSO_WM_UNIT_INDEX" val="1_3_1"/>
-  <p:tag name="KSO_WM_UNIT_CLEAR" val="1"/>
-  <p:tag name="KSO_WM_UNIT_LAYERLEVEL" val="1_1_1"/>
-  <p:tag name="KSO_WM_UNIT_VALUE" val="36"/>
-  <p:tag name="KSO_WM_UNIT_HIGHLIGHT" val="0"/>
-  <p:tag name="KSO_WM_UNIT_COMPATIBLE" val="0"/>
-  <p:tag name="KSO_WM_UNIT_ID" val="custom160003_27*q_h_f*1_3_1"/>
-  <p:tag name="KSO_WM_UNIT_PRESET_TEXT_INDEX" val="2"/>
-  <p:tag name="KSO_WM_UNIT_PRESET_TEXT_LEN" val="20"/>
-  <p:tag name="KSO_WM_DIAGRAM_GROUP_CODE" val="q1-1"/>
-</p:tagLst>
-</file>
-
-<file path=ppt/tags/tag51.xml><?xml version="1.0" encoding="utf-8"?>
-<p:tagLst xmlns:p="http://schemas.openxmlformats.org/presentationml/2006/main">
-  <p:tag name="KSO_WM_TAG_VERSION" val="1.0"/>
-  <p:tag name="KSO_WM_BEAUTIFY_FLAG" val="#wm#"/>
-  <p:tag name="KSO_WM_UNIT_TYPE" val="i"/>
-  <p:tag name="KSO_WM_UNIT_ID" val="custom160003_27*i*26"/>
-  <p:tag name="KSO_WM_TEMPLATE_CATEGORY" val="custom"/>
-  <p:tag name="KSO_WM_TEMPLATE_INDEX" val="160003"/>
-  <p:tag name="KSO_WM_UNIT_INDEX" val="26"/>
-</p:tagLst>
-</file>
-
-<file path=ppt/tags/tag52.xml><?xml version="1.0" encoding="utf-8"?>
-<p:tagLst xmlns:p="http://schemas.openxmlformats.org/presentationml/2006/main">
-  <p:tag name="KSO_WM_TAG_VERSION" val="1.0"/>
-  <p:tag name="KSO_WM_BEAUTIFY_FLAG" val="#wm#"/>
-  <p:tag name="KSO_WM_TEMPLATE_CATEGORY" val="custom"/>
-  <p:tag name="KSO_WM_TEMPLATE_INDEX" val="160003"/>
-  <p:tag name="KSO_WM_UNIT_TYPE" val="a"/>
-  <p:tag name="KSO_WM_UNIT_INDEX" val="1"/>
-  <p:tag name="KSO_WM_UNIT_ID" val="custom160003_27*a*1"/>
-  <p:tag name="KSO_WM_UNIT_CLEAR" val="1"/>
-  <p:tag name="KSO_WM_UNIT_LAYERLEVEL" val="1"/>
-  <p:tag name="KSO_WM_UNIT_VALUE" val="15"/>
-  <p:tag name="KSO_WM_UNIT_ISCONTENTSTITLE" val="0"/>
-  <p:tag name="KSO_WM_UNIT_HIGHLIGHT" val="0"/>
-  <p:tag name="KSO_WM_UNIT_COMPATIBLE" val="0"/>
-  <p:tag name="KSO_WM_UNIT_PRESET_TEXT_INDEX" val="0"/>
-  <p:tag name="KSO_WM_UNIT_PRESET_TEXT_LEN" val="9"/>
-</p:tagLst>
-</file>
-
-<file path=ppt/tags/tag53.xml><?xml version="1.0" encoding="utf-8"?>
-<p:tagLst xmlns:p="http://schemas.openxmlformats.org/presentationml/2006/main">
-  <p:tag name="KSO_WM_SLIDE_ID" val="custom160003_27"/>
-  <p:tag name="KSO_WM_SLIDE_INDEX" val="27"/>
-  <p:tag name="KSO_WM_SLIDE_LAYOUT" val="a_q"/>
-  <p:tag name="KSO_WM_SLIDE_LAYOUT_CNT" val="1_1"/>
-  <p:tag name="KSO_WM_SLIDE_TYPE" val="text"/>
-  <p:tag name="KSO_WM_BEAUTIFY_FLAG" val="#wm#"/>
-  <p:tag name="KSO_WM_SLIDE_POSITION" val="82*136"/>
-  <p:tag name="KSO_WM_SLIDE_SIZE" val="761*396"/>
-  <p:tag name="KSO_WM_SLIDE_ITEM_CNT" val="6"/>
-  <p:tag name="KSO_WM_TEMPLATE_CATEGORY" val="custom"/>
-  <p:tag name="KSO_WM_TEMPLATE_INDEX" val="160003"/>
-  <p:tag name="KSO_WM_TAG_VERSION" val="1.0"/>
-  <p:tag name="KSO_WM_DIAGRAM_GROUP_CODE" val="q1-1"/>
-</p:tagLst>
-</file>
-
-<file path=ppt/tags/tag54.xml><?xml version="1.0" encoding="utf-8"?>
-<p:tagLst xmlns:p="http://schemas.openxmlformats.org/presentationml/2006/main">
+<file path=ppt/tags/tag57.xml><?xml version="1.0" encoding="utf-8"?>
+<p:tagLst xmlns:a="http://schemas.openxmlformats.org/drawingml/2006/main" xmlns:r="http://schemas.openxmlformats.org/officeDocument/2006/relationships" xmlns:p="http://schemas.openxmlformats.org/presentationml/2006/main">
   <p:tag name="KSO_WM_TAG_VERSION" val="1.0"/>
   <p:tag name="KSO_WM_BEAUTIFY_FLAG" val="#wm#"/>
   <p:tag name="KSO_WM_TEMPLATE_CATEGORY" val="custom"/>
@@ -20097,8 +19588,8 @@
 </p:tagLst>
 </file>
 
-<file path=ppt/tags/tag55.xml><?xml version="1.0" encoding="utf-8"?>
-<p:tagLst xmlns:p="http://schemas.openxmlformats.org/presentationml/2006/main">
+<file path=ppt/tags/tag58.xml><?xml version="1.0" encoding="utf-8"?>
+<p:tagLst xmlns:a="http://schemas.openxmlformats.org/drawingml/2006/main" xmlns:r="http://schemas.openxmlformats.org/officeDocument/2006/relationships" xmlns:p="http://schemas.openxmlformats.org/presentationml/2006/main">
   <p:tag name="KSO_WM_SLIDE_ID" val="custom160003_7"/>
   <p:tag name="KSO_WM_SLIDE_INDEX" val="7"/>
   <p:tag name="KSO_WM_SLIDE_LAYOUT" val="a_l"/>
@@ -20115,8 +19606,8 @@
 </p:tagLst>
 </file>
 
-<file path=ppt/tags/tag56.xml><?xml version="1.0" encoding="utf-8"?>
-<p:tagLst xmlns:p="http://schemas.openxmlformats.org/presentationml/2006/main">
+<file path=ppt/tags/tag59.xml><?xml version="1.0" encoding="utf-8"?>
+<p:tagLst xmlns:a="http://schemas.openxmlformats.org/drawingml/2006/main" xmlns:r="http://schemas.openxmlformats.org/officeDocument/2006/relationships" xmlns:p="http://schemas.openxmlformats.org/presentationml/2006/main">
   <p:tag name="KSO_WM_TAG_VERSION" val="1.0"/>
   <p:tag name="KSO_WM_BEAUTIFY_FLAG" val="#wm#"/>
   <p:tag name="KSO_WM_TEMPLATE_CATEGORY" val="custom"/>
@@ -20135,8 +19626,26 @@
 </p:tagLst>
 </file>
 
-<file path=ppt/tags/tag57.xml><?xml version="1.0" encoding="utf-8"?>
-<p:tagLst xmlns:p="http://schemas.openxmlformats.org/presentationml/2006/main">
+<file path=ppt/tags/tag6.xml><?xml version="1.0" encoding="utf-8"?>
+<p:tagLst xmlns:a="http://schemas.openxmlformats.org/drawingml/2006/main" xmlns:r="http://schemas.openxmlformats.org/officeDocument/2006/relationships" xmlns:p="http://schemas.openxmlformats.org/presentationml/2006/main">
+  <p:tag name="KSO_WM_SLIDE_ID" val="custom160003_19"/>
+  <p:tag name="KSO_WM_SLIDE_INDEX" val="19"/>
+  <p:tag name="KSO_WM_SLIDE_LAYOUT" val="a_l"/>
+  <p:tag name="KSO_WM_SLIDE_LAYOUT_CNT" val="1_1"/>
+  <p:tag name="KSO_WM_SLIDE_TYPE" val="text"/>
+  <p:tag name="KSO_WM_BEAUTIFY_FLAG" val="#wm#"/>
+  <p:tag name="KSO_WM_SLIDE_POSITION" val="197*130"/>
+  <p:tag name="KSO_WM_SLIDE_SIZE" val="592*342"/>
+  <p:tag name="KSO_WM_SLIDE_ITEM_CNT" val="3"/>
+  <p:tag name="KSO_WM_TEMPLATE_CATEGORY" val="custom"/>
+  <p:tag name="KSO_WM_TEMPLATE_INDEX" val="160003"/>
+  <p:tag name="KSO_WM_TAG_VERSION" val="1.0"/>
+  <p:tag name="KSO_WM_DIAGRAM_GROUP_CODE" val="l1-3"/>
+</p:tagLst>
+</file>
+
+<file path=ppt/tags/tag60.xml><?xml version="1.0" encoding="utf-8"?>
+<p:tagLst xmlns:a="http://schemas.openxmlformats.org/drawingml/2006/main" xmlns:r="http://schemas.openxmlformats.org/officeDocument/2006/relationships" xmlns:p="http://schemas.openxmlformats.org/presentationml/2006/main">
   <p:tag name="KSO_WM_SLIDE_ID" val="custom160003_7"/>
   <p:tag name="KSO_WM_SLIDE_INDEX" val="7"/>
   <p:tag name="KSO_WM_SLIDE_LAYOUT" val="a_l"/>
@@ -20153,8 +19662,8 @@
 </p:tagLst>
 </file>
 
-<file path=ppt/tags/tag58.xml><?xml version="1.0" encoding="utf-8"?>
-<p:tagLst xmlns:p="http://schemas.openxmlformats.org/presentationml/2006/main">
+<file path=ppt/tags/tag61.xml><?xml version="1.0" encoding="utf-8"?>
+<p:tagLst xmlns:a="http://schemas.openxmlformats.org/drawingml/2006/main" xmlns:r="http://schemas.openxmlformats.org/officeDocument/2006/relationships" xmlns:p="http://schemas.openxmlformats.org/presentationml/2006/main">
   <p:tag name="KSO_WM_TAG_VERSION" val="1.0"/>
   <p:tag name="KSO_WM_BEAUTIFY_FLAG" val="#wm#"/>
   <p:tag name="KSO_WM_TEMPLATE_CATEGORY" val="custom"/>
@@ -20173,8 +19682,8 @@
 </p:tagLst>
 </file>
 
-<file path=ppt/tags/tag59.xml><?xml version="1.0" encoding="utf-8"?>
-<p:tagLst xmlns:p="http://schemas.openxmlformats.org/presentationml/2006/main">
+<file path=ppt/tags/tag62.xml><?xml version="1.0" encoding="utf-8"?>
+<p:tagLst xmlns:a="http://schemas.openxmlformats.org/drawingml/2006/main" xmlns:r="http://schemas.openxmlformats.org/officeDocument/2006/relationships" xmlns:p="http://schemas.openxmlformats.org/presentationml/2006/main">
   <p:tag name="KSO_WM_SLIDE_ID" val="custom160003_7"/>
   <p:tag name="KSO_WM_SLIDE_INDEX" val="7"/>
   <p:tag name="KSO_WM_SLIDE_LAYOUT" val="a_l"/>
@@ -20191,23 +19700,8 @@
 </p:tagLst>
 </file>
 
-<file path=ppt/tags/tag6.xml><?xml version="1.0" encoding="utf-8"?>
-<p:tagLst xmlns:p="http://schemas.openxmlformats.org/presentationml/2006/main">
-  <p:tag name="KSO_WM_TAG_VERSION" val="1.0"/>
-  <p:tag name="KSO_WM_BEAUTIFY_FLAG" val="#wm#"/>
-  <p:tag name="KSO_WM_TEMPLATE_CATEGORY" val="custom"/>
-  <p:tag name="KSO_WM_TEMPLATE_INDEX" val="160003"/>
-  <p:tag name="KSO_WM_UNIT_TYPE" val="l_i"/>
-  <p:tag name="KSO_WM_UNIT_INDEX" val="1_1"/>
-  <p:tag name="KSO_WM_UNIT_ID" val="custom160003_19*l_i*1_1"/>
-  <p:tag name="KSO_WM_UNIT_CLEAR" val="1"/>
-  <p:tag name="KSO_WM_UNIT_LAYERLEVEL" val="1_1"/>
-  <p:tag name="KSO_WM_DIAGRAM_GROUP_CODE" val="l1-3"/>
-</p:tagLst>
-</file>
-
-<file path=ppt/tags/tag60.xml><?xml version="1.0" encoding="utf-8"?>
-<p:tagLst xmlns:p="http://schemas.openxmlformats.org/presentationml/2006/main">
+<file path=ppt/tags/tag63.xml><?xml version="1.0" encoding="utf-8"?>
+<p:tagLst xmlns:a="http://schemas.openxmlformats.org/drawingml/2006/main" xmlns:r="http://schemas.openxmlformats.org/officeDocument/2006/relationships" xmlns:p="http://schemas.openxmlformats.org/presentationml/2006/main">
   <p:tag name="KSO_WM_TAG_VERSION" val="1.0"/>
   <p:tag name="KSO_WM_BEAUTIFY_FLAG" val="#wm#"/>
   <p:tag name="KSO_WM_TEMPLATE_CATEGORY" val="custom"/>
@@ -20226,64 +19720,25 @@
 </p:tagLst>
 </file>
 
-<file path=ppt/tags/tag61.xml><?xml version="1.0" encoding="utf-8"?>
-<p:tagLst xmlns:p="http://schemas.openxmlformats.org/presentationml/2006/main">
-  <p:tag name="KSO_WM_SLIDE_ID" val="custom160003_7"/>
-  <p:tag name="KSO_WM_SLIDE_INDEX" val="7"/>
-  <p:tag name="KSO_WM_SLIDE_LAYOUT" val="a_l"/>
-  <p:tag name="KSO_WM_SLIDE_LAYOUT_CNT" val="1_1"/>
+<file path=ppt/tags/tag64.xml><?xml version="1.0" encoding="utf-8"?>
+<p:tagLst xmlns:a="http://schemas.openxmlformats.org/drawingml/2006/main" xmlns:r="http://schemas.openxmlformats.org/officeDocument/2006/relationships" xmlns:p="http://schemas.openxmlformats.org/presentationml/2006/main">
+  <p:tag name="KSO_WM_SLIDE_ID" val="custom160003_14"/>
+  <p:tag name="KSO_WM_SLIDE_INDEX" val="14"/>
+  <p:tag name="KSO_WM_SLIDE_LAYOUT" val="a_f_d"/>
+  <p:tag name="KSO_WM_SLIDE_LAYOUT_CNT" val="1_3_1"/>
   <p:tag name="KSO_WM_SLIDE_TYPE" val="text"/>
   <p:tag name="KSO_WM_BEAUTIFY_FLAG" val="#wm#"/>
-  <p:tag name="KSO_WM_SLIDE_POSITION" val="115*111"/>
-  <p:tag name="KSO_WM_SLIDE_SIZE" val="704*385"/>
-  <p:tag name="KSO_WM_SLIDE_ITEM_CNT" val="3"/>
+  <p:tag name="KSO_WM_SLIDE_POSITION" val="117*122"/>
+  <p:tag name="KSO_WM_SLIDE_SIZE" val="691*404"/>
+  <p:tag name="KSO_WM_SLIDE_ITEM_CNT" val="4"/>
   <p:tag name="KSO_WM_TEMPLATE_CATEGORY" val="custom"/>
   <p:tag name="KSO_WM_TEMPLATE_INDEX" val="160003"/>
   <p:tag name="KSO_WM_TAG_VERSION" val="1.0"/>
-  <p:tag name="KSO_WM_DIAGRAM_GROUP_CODE" val="l1-1"/>
 </p:tagLst>
 </file>
 
-<file path=ppt/tags/tag62.xml><?xml version="1.0" encoding="utf-8"?>
-<p:tagLst xmlns:p="http://schemas.openxmlformats.org/presentationml/2006/main">
-  <p:tag name="KSO_WM_TAG_VERSION" val="1.0"/>
-  <p:tag name="KSO_WM_BEAUTIFY_FLAG" val="#wm#"/>
-  <p:tag name="KSO_WM_TEMPLATE_CATEGORY" val="custom"/>
-  <p:tag name="KSO_WM_TEMPLATE_INDEX" val="160003"/>
-  <p:tag name="KSO_WM_UNIT_TYPE" val="a"/>
-  <p:tag name="KSO_WM_UNIT_INDEX" val="1"/>
-  <p:tag name="KSO_WM_UNIT_CLEAR" val="1"/>
-  <p:tag name="KSO_WM_UNIT_LAYERLEVEL" val="1"/>
-  <p:tag name="KSO_WM_UNIT_VALUE" val="14"/>
-  <p:tag name="KSO_WM_UNIT_ISCONTENTSTITLE" val="0"/>
-  <p:tag name="KSO_WM_UNIT_HIGHLIGHT" val="0"/>
-  <p:tag name="KSO_WM_UNIT_COMPATIBLE" val="0"/>
-  <p:tag name="KSO_WM_UNIT_ID" val="custom160003_7*a*1"/>
-  <p:tag name="KSO_WM_UNIT_PRESET_TEXT_INDEX" val="0"/>
-  <p:tag name="KSO_WM_UNIT_PRESET_TEXT_LEN" val="9"/>
-</p:tagLst>
-</file>
-
-<file path=ppt/tags/tag63.xml><?xml version="1.0" encoding="utf-8"?>
-<p:tagLst xmlns:p="http://schemas.openxmlformats.org/presentationml/2006/main">
-  <p:tag name="KSO_WM_SLIDE_ID" val="custom160003_7"/>
-  <p:tag name="KSO_WM_SLIDE_INDEX" val="7"/>
-  <p:tag name="KSO_WM_SLIDE_LAYOUT" val="a_l"/>
-  <p:tag name="KSO_WM_SLIDE_LAYOUT_CNT" val="1_1"/>
-  <p:tag name="KSO_WM_SLIDE_TYPE" val="text"/>
-  <p:tag name="KSO_WM_BEAUTIFY_FLAG" val="#wm#"/>
-  <p:tag name="KSO_WM_SLIDE_POSITION" val="115*111"/>
-  <p:tag name="KSO_WM_SLIDE_SIZE" val="704*385"/>
-  <p:tag name="KSO_WM_SLIDE_ITEM_CNT" val="3"/>
-  <p:tag name="KSO_WM_TEMPLATE_CATEGORY" val="custom"/>
-  <p:tag name="KSO_WM_TEMPLATE_INDEX" val="160003"/>
-  <p:tag name="KSO_WM_TAG_VERSION" val="1.0"/>
-  <p:tag name="KSO_WM_DIAGRAM_GROUP_CODE" val="l1-1"/>
-</p:tagLst>
-</file>
-
-<file path=ppt/tags/tag64.xml><?xml version="1.0" encoding="utf-8"?>
-<p:tagLst xmlns:p="http://schemas.openxmlformats.org/presentationml/2006/main">
+<file path=ppt/tags/tag65.xml><?xml version="1.0" encoding="utf-8"?>
+<p:tagLst xmlns:a="http://schemas.openxmlformats.org/drawingml/2006/main" xmlns:r="http://schemas.openxmlformats.org/officeDocument/2006/relationships" xmlns:p="http://schemas.openxmlformats.org/presentationml/2006/main">
   <p:tag name="KSO_WM_TAG_VERSION" val="1.0"/>
   <p:tag name="KSO_WM_BEAUTIFY_FLAG" val="#wm#"/>
   <p:tag name="KSO_WM_TEMPLATE_CATEGORY" val="custom"/>
@@ -20299,25 +19754,23 @@
 </p:tagLst>
 </file>
 
-<file path=ppt/tags/tag65.xml><?xml version="1.0" encoding="utf-8"?>
-<p:tagLst xmlns:p="http://schemas.openxmlformats.org/presentationml/2006/main">
-  <p:tag name="KSO_WM_SLIDE_ID" val="custom160003_14"/>
-  <p:tag name="KSO_WM_SLIDE_INDEX" val="14"/>
-  <p:tag name="KSO_WM_SLIDE_LAYOUT" val="a_f_d"/>
-  <p:tag name="KSO_WM_SLIDE_LAYOUT_CNT" val="1_3_1"/>
-  <p:tag name="KSO_WM_SLIDE_TYPE" val="text"/>
+<file path=ppt/tags/tag66.xml><?xml version="1.0" encoding="utf-8"?>
+<p:tagLst xmlns:a="http://schemas.openxmlformats.org/drawingml/2006/main" xmlns:r="http://schemas.openxmlformats.org/officeDocument/2006/relationships" xmlns:p="http://schemas.openxmlformats.org/presentationml/2006/main">
+  <p:tag name="KSO_WM_SLIDE_ID" val="custom160003_28"/>
+  <p:tag name="KSO_WM_SLIDE_INDEX" val="28"/>
+  <p:tag name="KSO_WM_SLIDE_LAYOUT" val="a_b"/>
+  <p:tag name="KSO_WM_SLIDE_LAYOUT_CNT" val="1_1"/>
+  <p:tag name="KSO_WM_SLIDE_TYPE" val="endPage"/>
   <p:tag name="KSO_WM_BEAUTIFY_FLAG" val="#wm#"/>
-  <p:tag name="KSO_WM_SLIDE_POSITION" val="117*122"/>
-  <p:tag name="KSO_WM_SLIDE_SIZE" val="691*404"/>
-  <p:tag name="KSO_WM_SLIDE_ITEM_CNT" val="4"/>
+  <p:tag name="KSO_WM_SLIDE_ITEM_CNT" val="2"/>
   <p:tag name="KSO_WM_TEMPLATE_CATEGORY" val="custom"/>
   <p:tag name="KSO_WM_TEMPLATE_INDEX" val="160003"/>
   <p:tag name="KSO_WM_TAG_VERSION" val="1.0"/>
 </p:tagLst>
 </file>
 
-<file path=ppt/tags/tag66.xml><?xml version="1.0" encoding="utf-8"?>
-<p:tagLst xmlns:p="http://schemas.openxmlformats.org/presentationml/2006/main">
+<file path=ppt/tags/tag67.xml><?xml version="1.0" encoding="utf-8"?>
+<p:tagLst xmlns:a="http://schemas.openxmlformats.org/drawingml/2006/main" xmlns:r="http://schemas.openxmlformats.org/officeDocument/2006/relationships" xmlns:p="http://schemas.openxmlformats.org/presentationml/2006/main">
   <p:tag name="KSO_WM_TAG_VERSION" val="1.0"/>
   <p:tag name="KSO_WM_BEAUTIFY_FLAG" val="#wm#"/>
   <p:tag name="KSO_WM_TEMPLATE_CATEGORY" val="custom"/>
@@ -20335,23 +19788,23 @@
 </p:tagLst>
 </file>
 
-<file path=ppt/tags/tag67.xml><?xml version="1.0" encoding="utf-8"?>
-<p:tagLst xmlns:p="http://schemas.openxmlformats.org/presentationml/2006/main">
-  <p:tag name="KSO_WM_SLIDE_ID" val="custom160003_28"/>
-  <p:tag name="KSO_WM_SLIDE_INDEX" val="28"/>
-  <p:tag name="KSO_WM_SLIDE_LAYOUT" val="a_b"/>
-  <p:tag name="KSO_WM_SLIDE_LAYOUT_CNT" val="1_1"/>
-  <p:tag name="KSO_WM_SLIDE_TYPE" val="endPage"/>
+<file path=ppt/tags/tag7.xml><?xml version="1.0" encoding="utf-8"?>
+<p:tagLst xmlns:a="http://schemas.openxmlformats.org/drawingml/2006/main" xmlns:r="http://schemas.openxmlformats.org/officeDocument/2006/relationships" xmlns:p="http://schemas.openxmlformats.org/presentationml/2006/main">
+  <p:tag name="KSO_WM_TAG_VERSION" val="1.0"/>
   <p:tag name="KSO_WM_BEAUTIFY_FLAG" val="#wm#"/>
-  <p:tag name="KSO_WM_SLIDE_ITEM_CNT" val="2"/>
   <p:tag name="KSO_WM_TEMPLATE_CATEGORY" val="custom"/>
   <p:tag name="KSO_WM_TEMPLATE_INDEX" val="160003"/>
-  <p:tag name="KSO_WM_TAG_VERSION" val="1.0"/>
+  <p:tag name="KSO_WM_UNIT_TYPE" val="l_i"/>
+  <p:tag name="KSO_WM_UNIT_INDEX" val="1_1"/>
+  <p:tag name="KSO_WM_UNIT_ID" val="custom160003_19*l_i*1_1"/>
+  <p:tag name="KSO_WM_UNIT_CLEAR" val="1"/>
+  <p:tag name="KSO_WM_UNIT_LAYERLEVEL" val="1_1"/>
+  <p:tag name="KSO_WM_DIAGRAM_GROUP_CODE" val="l1-3"/>
 </p:tagLst>
 </file>
 
-<file path=ppt/tags/tag7.xml><?xml version="1.0" encoding="utf-8"?>
-<p:tagLst xmlns:p="http://schemas.openxmlformats.org/presentationml/2006/main">
+<file path=ppt/tags/tag8.xml><?xml version="1.0" encoding="utf-8"?>
+<p:tagLst xmlns:a="http://schemas.openxmlformats.org/drawingml/2006/main" xmlns:r="http://schemas.openxmlformats.org/officeDocument/2006/relationships" xmlns:p="http://schemas.openxmlformats.org/presentationml/2006/main">
   <p:tag name="KSO_WM_TAG_VERSION" val="1.0"/>
   <p:tag name="KSO_WM_BEAUTIFY_FLAG" val="#wm#"/>
   <p:tag name="KSO_WM_TEMPLATE_CATEGORY" val="custom"/>
@@ -20365,8 +19818,8 @@
 </p:tagLst>
 </file>
 
-<file path=ppt/tags/tag8.xml><?xml version="1.0" encoding="utf-8"?>
-<p:tagLst xmlns:p="http://schemas.openxmlformats.org/presentationml/2006/main">
+<file path=ppt/tags/tag9.xml><?xml version="1.0" encoding="utf-8"?>
+<p:tagLst xmlns:a="http://schemas.openxmlformats.org/drawingml/2006/main" xmlns:r="http://schemas.openxmlformats.org/officeDocument/2006/relationships" xmlns:p="http://schemas.openxmlformats.org/presentationml/2006/main">
   <p:tag name="KSO_WM_TAG_VERSION" val="1.0"/>
   <p:tag name="KSO_WM_BEAUTIFY_FLAG" val="#wm#"/>
   <p:tag name="KSO_WM_TEMPLATE_CATEGORY" val="custom"/>
@@ -20376,26 +19829,6 @@
   <p:tag name="KSO_WM_UNIT_ID" val="custom160003_19*l_i*1_3"/>
   <p:tag name="KSO_WM_UNIT_CLEAR" val="1"/>
   <p:tag name="KSO_WM_UNIT_LAYERLEVEL" val="1_1"/>
-  <p:tag name="KSO_WM_DIAGRAM_GROUP_CODE" val="l1-3"/>
-</p:tagLst>
-</file>
-
-<file path=ppt/tags/tag9.xml><?xml version="1.0" encoding="utf-8"?>
-<p:tagLst xmlns:p="http://schemas.openxmlformats.org/presentationml/2006/main">
-  <p:tag name="KSO_WM_TAG_VERSION" val="1.0"/>
-  <p:tag name="KSO_WM_BEAUTIFY_FLAG" val="#wm#"/>
-  <p:tag name="KSO_WM_TEMPLATE_CATEGORY" val="custom"/>
-  <p:tag name="KSO_WM_TEMPLATE_INDEX" val="160003"/>
-  <p:tag name="KSO_WM_UNIT_TYPE" val="l_h_f"/>
-  <p:tag name="KSO_WM_UNIT_INDEX" val="1_1_1"/>
-  <p:tag name="KSO_WM_UNIT_CLEAR" val="1"/>
-  <p:tag name="KSO_WM_UNIT_LAYERLEVEL" val="1_1_1"/>
-  <p:tag name="KSO_WM_UNIT_VALUE" val="75"/>
-  <p:tag name="KSO_WM_UNIT_HIGHLIGHT" val="0"/>
-  <p:tag name="KSO_WM_UNIT_COMPATIBLE" val="0"/>
-  <p:tag name="KSO_WM_UNIT_ID" val="custom160003_19*l_h_f*1_1_1"/>
-  <p:tag name="KSO_WM_UNIT_PRESET_TEXT_INDEX" val="2"/>
-  <p:tag name="KSO_WM_UNIT_PRESET_TEXT_LEN" val="40"/>
   <p:tag name="KSO_WM_DIAGRAM_GROUP_CODE" val="l1-3"/>
 </p:tagLst>
 </file>
